--- a/Package Schema.pptx
+++ b/Package Schema.pptx
@@ -4685,6 +4685,47 @@
           </a:p>
         </p:txBody>
       </p:sp>
+      <p:sp>
+        <p:nvSpPr>
+          <p:cNvPr id="80" name="TextBox 79">
+            <a:extLst>
+              <a:ext uri="{FF2B5EF4-FFF2-40B4-BE49-F238E27FC236}">
+                <a16:creationId xmlns:a16="http://schemas.microsoft.com/office/drawing/2014/main" id="{C36A4AE0-3E70-4F25-8150-C43794306DDC}"/>
+              </a:ext>
+            </a:extLst>
+          </p:cNvPr>
+          <p:cNvSpPr txBox="1"/>
+          <p:nvPr/>
+        </p:nvSpPr>
+        <p:spPr>
+          <a:xfrm>
+            <a:off x="1884636" y="7274709"/>
+            <a:ext cx="1067087" cy="338554"/>
+          </a:xfrm>
+          <a:prstGeom prst="rect">
+            <a:avLst/>
+          </a:prstGeom>
+          <a:solidFill>
+            <a:schemeClr val="accent6">
+              <a:lumMod val="40000"/>
+              <a:lumOff val="60000"/>
+            </a:schemeClr>
+          </a:solidFill>
+        </p:spPr>
+        <p:txBody>
+          <a:bodyPr wrap="none" rtlCol="0">
+            <a:spAutoFit/>
+          </a:bodyPr>
+          <a:lstStyle/>
+          <a:p>
+            <a:r>
+              <a:rPr lang="en-US" sz="1600" dirty="0" err="1"/>
+              <a:t>merge_dfs</a:t>
+            </a:r>
+            <a:endParaRPr lang="en-US" sz="1600" dirty="0"/>
+          </a:p>
+        </p:txBody>
+      </p:sp>
     </p:spTree>
     <p:extLst>
       <p:ext uri="{BB962C8B-B14F-4D97-AF65-F5344CB8AC3E}">

--- a/Package Schema.pptx
+++ b/Package Schema.pptx
@@ -5,9 +5,10 @@
     <p:sldMasterId id="2147483660" r:id="rId1"/>
   </p:sldMasterIdLst>
   <p:sldIdLst>
-    <p:sldId id="256" r:id="rId2"/>
+    <p:sldId id="257" r:id="rId2"/>
+    <p:sldId id="256" r:id="rId3"/>
   </p:sldIdLst>
-  <p:sldSz cx="14630400" cy="9144000"/>
+  <p:sldSz cx="22860000" cy="9144000"/>
   <p:notesSz cx="6858000" cy="9144000"/>
   <p:defaultTextStyle>
     <a:defPPr>
@@ -136,15 +137,15 @@
         </p:nvSpPr>
         <p:spPr>
           <a:xfrm>
-            <a:off x="1828800" y="1496484"/>
-            <a:ext cx="10972800" cy="3183467"/>
+            <a:off x="2857500" y="1496484"/>
+            <a:ext cx="17145000" cy="3183467"/>
           </a:xfrm>
         </p:spPr>
         <p:txBody>
           <a:bodyPr anchor="b"/>
           <a:lstStyle>
             <a:lvl1pPr algn="ctr">
-              <a:defRPr sz="7200"/>
+              <a:defRPr sz="8000"/>
             </a:lvl1pPr>
           </a:lstStyle>
           <a:p>
@@ -168,8 +169,8 @@
         </p:nvSpPr>
         <p:spPr>
           <a:xfrm>
-            <a:off x="1828800" y="4802717"/>
-            <a:ext cx="10972800" cy="2207683"/>
+            <a:off x="2857500" y="4802717"/>
+            <a:ext cx="17145000" cy="2207683"/>
           </a:xfrm>
         </p:spPr>
         <p:txBody>
@@ -177,39 +178,39 @@
           <a:lstStyle>
             <a:lvl1pPr marL="0" indent="0" algn="ctr">
               <a:buNone/>
-              <a:defRPr sz="2880"/>
+              <a:defRPr sz="3200"/>
             </a:lvl1pPr>
-            <a:lvl2pPr marL="548640" indent="0" algn="ctr">
+            <a:lvl2pPr marL="609585" indent="0" algn="ctr">
+              <a:buNone/>
+              <a:defRPr sz="2667"/>
+            </a:lvl2pPr>
+            <a:lvl3pPr marL="1219170" indent="0" algn="ctr">
               <a:buNone/>
               <a:defRPr sz="2400"/>
-            </a:lvl2pPr>
-            <a:lvl3pPr marL="1097280" indent="0" algn="ctr">
+            </a:lvl3pPr>
+            <a:lvl4pPr marL="1828754" indent="0" algn="ctr">
               <a:buNone/>
-              <a:defRPr sz="2160"/>
-            </a:lvl3pPr>
-            <a:lvl4pPr marL="1645920" indent="0" algn="ctr">
+              <a:defRPr sz="2133"/>
+            </a:lvl4pPr>
+            <a:lvl5pPr marL="2438339" indent="0" algn="ctr">
               <a:buNone/>
-              <a:defRPr sz="1920"/>
-            </a:lvl4pPr>
-            <a:lvl5pPr marL="2194560" indent="0" algn="ctr">
+              <a:defRPr sz="2133"/>
+            </a:lvl5pPr>
+            <a:lvl6pPr marL="3047924" indent="0" algn="ctr">
               <a:buNone/>
-              <a:defRPr sz="1920"/>
-            </a:lvl5pPr>
-            <a:lvl6pPr marL="2743200" indent="0" algn="ctr">
+              <a:defRPr sz="2133"/>
+            </a:lvl6pPr>
+            <a:lvl7pPr marL="3657509" indent="0" algn="ctr">
               <a:buNone/>
-              <a:defRPr sz="1920"/>
-            </a:lvl6pPr>
-            <a:lvl7pPr marL="3291840" indent="0" algn="ctr">
+              <a:defRPr sz="2133"/>
+            </a:lvl7pPr>
+            <a:lvl8pPr marL="4267093" indent="0" algn="ctr">
               <a:buNone/>
-              <a:defRPr sz="1920"/>
-            </a:lvl7pPr>
-            <a:lvl8pPr marL="3840480" indent="0" algn="ctr">
+              <a:defRPr sz="2133"/>
+            </a:lvl8pPr>
+            <a:lvl9pPr marL="4876678" indent="0" algn="ctr">
               <a:buNone/>
-              <a:defRPr sz="1920"/>
-            </a:lvl8pPr>
-            <a:lvl9pPr marL="4389120" indent="0" algn="ctr">
-              <a:buNone/>
-              <a:defRPr sz="1920"/>
+              <a:defRPr sz="2133"/>
             </a:lvl9pPr>
           </a:lstStyle>
           <a:p>
@@ -236,9 +237,9 @@
           <a:bodyPr/>
           <a:lstStyle/>
           <a:p>
-            <a:fld id="{317DEF9F-5D86-497C-B4D5-4C9D540A78A0}" type="datetimeFigureOut">
+            <a:fld id="{A7BF6951-528C-4819-AE44-DF7DC913A1F7}" type="datetimeFigureOut">
               <a:rPr lang="en-US" smtClean="0"/>
-              <a:t>1/31/2022</a:t>
+              <a:t>2/9/2022</a:t>
             </a:fld>
             <a:endParaRPr lang="en-US"/>
           </a:p>
@@ -278,7 +279,7 @@
           <a:bodyPr/>
           <a:lstStyle/>
           <a:p>
-            <a:fld id="{86FB4052-7A7C-407A-90A1-24A5B9A6EE2F}" type="slidenum">
+            <a:fld id="{E48DADDE-66F9-43AE-A636-4E16EE5C1205}" type="slidenum">
               <a:rPr lang="en-US" smtClean="0"/>
               <a:t>‹#›</a:t>
             </a:fld>
@@ -289,7 +290,7 @@
     </p:spTree>
     <p:extLst>
       <p:ext uri="{BB962C8B-B14F-4D97-AF65-F5344CB8AC3E}">
-        <p14:creationId xmlns:p14="http://schemas.microsoft.com/office/powerpoint/2010/main" val="3773398889"/>
+        <p14:creationId xmlns:p14="http://schemas.microsoft.com/office/powerpoint/2010/main" val="200646236"/>
       </p:ext>
     </p:extLst>
   </p:cSld>
@@ -406,9 +407,9 @@
           <a:bodyPr/>
           <a:lstStyle/>
           <a:p>
-            <a:fld id="{317DEF9F-5D86-497C-B4D5-4C9D540A78A0}" type="datetimeFigureOut">
+            <a:fld id="{A7BF6951-528C-4819-AE44-DF7DC913A1F7}" type="datetimeFigureOut">
               <a:rPr lang="en-US" smtClean="0"/>
-              <a:t>1/31/2022</a:t>
+              <a:t>2/9/2022</a:t>
             </a:fld>
             <a:endParaRPr lang="en-US"/>
           </a:p>
@@ -448,7 +449,7 @@
           <a:bodyPr/>
           <a:lstStyle/>
           <a:p>
-            <a:fld id="{86FB4052-7A7C-407A-90A1-24A5B9A6EE2F}" type="slidenum">
+            <a:fld id="{E48DADDE-66F9-43AE-A636-4E16EE5C1205}" type="slidenum">
               <a:rPr lang="en-US" smtClean="0"/>
               <a:t>‹#›</a:t>
             </a:fld>
@@ -459,7 +460,7 @@
     </p:spTree>
     <p:extLst>
       <p:ext uri="{BB962C8B-B14F-4D97-AF65-F5344CB8AC3E}">
-        <p14:creationId xmlns:p14="http://schemas.microsoft.com/office/powerpoint/2010/main" val="88978113"/>
+        <p14:creationId xmlns:p14="http://schemas.microsoft.com/office/powerpoint/2010/main" val="2970905744"/>
       </p:ext>
     </p:extLst>
   </p:cSld>
@@ -498,8 +499,8 @@
         </p:nvSpPr>
         <p:spPr>
           <a:xfrm>
-            <a:off x="10469880" y="486834"/>
-            <a:ext cx="3154680" cy="7749117"/>
+            <a:off x="16359187" y="486834"/>
+            <a:ext cx="4929188" cy="7749117"/>
           </a:xfrm>
         </p:spPr>
         <p:txBody>
@@ -526,8 +527,8 @@
         </p:nvSpPr>
         <p:spPr>
           <a:xfrm>
-            <a:off x="1005840" y="486834"/>
-            <a:ext cx="9281160" cy="7749117"/>
+            <a:off x="1571625" y="486834"/>
+            <a:ext cx="14501813" cy="7749117"/>
           </a:xfrm>
         </p:spPr>
         <p:txBody>
@@ -586,9 +587,9 @@
           <a:bodyPr/>
           <a:lstStyle/>
           <a:p>
-            <a:fld id="{317DEF9F-5D86-497C-B4D5-4C9D540A78A0}" type="datetimeFigureOut">
+            <a:fld id="{A7BF6951-528C-4819-AE44-DF7DC913A1F7}" type="datetimeFigureOut">
               <a:rPr lang="en-US" smtClean="0"/>
-              <a:t>1/31/2022</a:t>
+              <a:t>2/9/2022</a:t>
             </a:fld>
             <a:endParaRPr lang="en-US"/>
           </a:p>
@@ -628,7 +629,7 @@
           <a:bodyPr/>
           <a:lstStyle/>
           <a:p>
-            <a:fld id="{86FB4052-7A7C-407A-90A1-24A5B9A6EE2F}" type="slidenum">
+            <a:fld id="{E48DADDE-66F9-43AE-A636-4E16EE5C1205}" type="slidenum">
               <a:rPr lang="en-US" smtClean="0"/>
               <a:t>‹#›</a:t>
             </a:fld>
@@ -639,7 +640,7 @@
     </p:spTree>
     <p:extLst>
       <p:ext uri="{BB962C8B-B14F-4D97-AF65-F5344CB8AC3E}">
-        <p14:creationId xmlns:p14="http://schemas.microsoft.com/office/powerpoint/2010/main" val="2580875068"/>
+        <p14:creationId xmlns:p14="http://schemas.microsoft.com/office/powerpoint/2010/main" val="3659503897"/>
       </p:ext>
     </p:extLst>
   </p:cSld>
@@ -756,9 +757,9 @@
           <a:bodyPr/>
           <a:lstStyle/>
           <a:p>
-            <a:fld id="{317DEF9F-5D86-497C-B4D5-4C9D540A78A0}" type="datetimeFigureOut">
+            <a:fld id="{A7BF6951-528C-4819-AE44-DF7DC913A1F7}" type="datetimeFigureOut">
               <a:rPr lang="en-US" smtClean="0"/>
-              <a:t>1/31/2022</a:t>
+              <a:t>2/9/2022</a:t>
             </a:fld>
             <a:endParaRPr lang="en-US"/>
           </a:p>
@@ -798,7 +799,7 @@
           <a:bodyPr/>
           <a:lstStyle/>
           <a:p>
-            <a:fld id="{86FB4052-7A7C-407A-90A1-24A5B9A6EE2F}" type="slidenum">
+            <a:fld id="{E48DADDE-66F9-43AE-A636-4E16EE5C1205}" type="slidenum">
               <a:rPr lang="en-US" smtClean="0"/>
               <a:t>‹#›</a:t>
             </a:fld>
@@ -809,7 +810,7 @@
     </p:spTree>
     <p:extLst>
       <p:ext uri="{BB962C8B-B14F-4D97-AF65-F5344CB8AC3E}">
-        <p14:creationId xmlns:p14="http://schemas.microsoft.com/office/powerpoint/2010/main" val="3442758901"/>
+        <p14:creationId xmlns:p14="http://schemas.microsoft.com/office/powerpoint/2010/main" val="4260364912"/>
       </p:ext>
     </p:extLst>
   </p:cSld>
@@ -848,15 +849,15 @@
         </p:nvSpPr>
         <p:spPr>
           <a:xfrm>
-            <a:off x="998220" y="2279652"/>
-            <a:ext cx="12618720" cy="3803649"/>
+            <a:off x="1559719" y="2279652"/>
+            <a:ext cx="19716750" cy="3803649"/>
           </a:xfrm>
         </p:spPr>
         <p:txBody>
           <a:bodyPr anchor="b"/>
           <a:lstStyle>
             <a:lvl1pPr>
-              <a:defRPr sz="7200"/>
+              <a:defRPr sz="8000"/>
             </a:lvl1pPr>
           </a:lstStyle>
           <a:p>
@@ -880,8 +881,8 @@
         </p:nvSpPr>
         <p:spPr>
           <a:xfrm>
-            <a:off x="998220" y="6119285"/>
-            <a:ext cx="12618720" cy="2000249"/>
+            <a:off x="1559719" y="6119285"/>
+            <a:ext cx="19716750" cy="2000249"/>
           </a:xfrm>
         </p:spPr>
         <p:txBody>
@@ -889,7 +890,7 @@
           <a:lstStyle>
             <a:lvl1pPr marL="0" indent="0">
               <a:buNone/>
-              <a:defRPr sz="2880">
+              <a:defRPr sz="3200">
                 <a:solidFill>
                   <a:schemeClr val="tx1">
                     <a:tint val="75000"/>
@@ -897,7 +898,17 @@
                 </a:solidFill>
               </a:defRPr>
             </a:lvl1pPr>
-            <a:lvl2pPr marL="548640" indent="0">
+            <a:lvl2pPr marL="609585" indent="0">
+              <a:buNone/>
+              <a:defRPr sz="2667">
+                <a:solidFill>
+                  <a:schemeClr val="tx1">
+                    <a:tint val="75000"/>
+                  </a:schemeClr>
+                </a:solidFill>
+              </a:defRPr>
+            </a:lvl2pPr>
+            <a:lvl3pPr marL="1219170" indent="0">
               <a:buNone/>
               <a:defRPr sz="2400">
                 <a:solidFill>
@@ -906,20 +917,10 @@
                   </a:schemeClr>
                 </a:solidFill>
               </a:defRPr>
-            </a:lvl2pPr>
-            <a:lvl3pPr marL="1097280" indent="0">
+            </a:lvl3pPr>
+            <a:lvl4pPr marL="1828754" indent="0">
               <a:buNone/>
-              <a:defRPr sz="2160">
-                <a:solidFill>
-                  <a:schemeClr val="tx1">
-                    <a:tint val="75000"/>
-                  </a:schemeClr>
-                </a:solidFill>
-              </a:defRPr>
-            </a:lvl3pPr>
-            <a:lvl4pPr marL="1645920" indent="0">
-              <a:buNone/>
-              <a:defRPr sz="1920">
+              <a:defRPr sz="2133">
                 <a:solidFill>
                   <a:schemeClr val="tx1">
                     <a:tint val="75000"/>
@@ -927,9 +928,9 @@
                 </a:solidFill>
               </a:defRPr>
             </a:lvl4pPr>
-            <a:lvl5pPr marL="2194560" indent="0">
+            <a:lvl5pPr marL="2438339" indent="0">
               <a:buNone/>
-              <a:defRPr sz="1920">
+              <a:defRPr sz="2133">
                 <a:solidFill>
                   <a:schemeClr val="tx1">
                     <a:tint val="75000"/>
@@ -937,9 +938,9 @@
                 </a:solidFill>
               </a:defRPr>
             </a:lvl5pPr>
-            <a:lvl6pPr marL="2743200" indent="0">
+            <a:lvl6pPr marL="3047924" indent="0">
               <a:buNone/>
-              <a:defRPr sz="1920">
+              <a:defRPr sz="2133">
                 <a:solidFill>
                   <a:schemeClr val="tx1">
                     <a:tint val="75000"/>
@@ -947,9 +948,9 @@
                 </a:solidFill>
               </a:defRPr>
             </a:lvl6pPr>
-            <a:lvl7pPr marL="3291840" indent="0">
+            <a:lvl7pPr marL="3657509" indent="0">
               <a:buNone/>
-              <a:defRPr sz="1920">
+              <a:defRPr sz="2133">
                 <a:solidFill>
                   <a:schemeClr val="tx1">
                     <a:tint val="75000"/>
@@ -957,9 +958,9 @@
                 </a:solidFill>
               </a:defRPr>
             </a:lvl7pPr>
-            <a:lvl8pPr marL="3840480" indent="0">
+            <a:lvl8pPr marL="4267093" indent="0">
               <a:buNone/>
-              <a:defRPr sz="1920">
+              <a:defRPr sz="2133">
                 <a:solidFill>
                   <a:schemeClr val="tx1">
                     <a:tint val="75000"/>
@@ -967,9 +968,9 @@
                 </a:solidFill>
               </a:defRPr>
             </a:lvl8pPr>
-            <a:lvl9pPr marL="4389120" indent="0">
+            <a:lvl9pPr marL="4876678" indent="0">
               <a:buNone/>
-              <a:defRPr sz="1920">
+              <a:defRPr sz="2133">
                 <a:solidFill>
                   <a:schemeClr val="tx1">
                     <a:tint val="75000"/>
@@ -1002,9 +1003,9 @@
           <a:bodyPr/>
           <a:lstStyle/>
           <a:p>
-            <a:fld id="{317DEF9F-5D86-497C-B4D5-4C9D540A78A0}" type="datetimeFigureOut">
+            <a:fld id="{A7BF6951-528C-4819-AE44-DF7DC913A1F7}" type="datetimeFigureOut">
               <a:rPr lang="en-US" smtClean="0"/>
-              <a:t>1/31/2022</a:t>
+              <a:t>2/9/2022</a:t>
             </a:fld>
             <a:endParaRPr lang="en-US"/>
           </a:p>
@@ -1044,7 +1045,7 @@
           <a:bodyPr/>
           <a:lstStyle/>
           <a:p>
-            <a:fld id="{86FB4052-7A7C-407A-90A1-24A5B9A6EE2F}" type="slidenum">
+            <a:fld id="{E48DADDE-66F9-43AE-A636-4E16EE5C1205}" type="slidenum">
               <a:rPr lang="en-US" smtClean="0"/>
               <a:t>‹#›</a:t>
             </a:fld>
@@ -1055,7 +1056,7 @@
     </p:spTree>
     <p:extLst>
       <p:ext uri="{BB962C8B-B14F-4D97-AF65-F5344CB8AC3E}">
-        <p14:creationId xmlns:p14="http://schemas.microsoft.com/office/powerpoint/2010/main" val="104991358"/>
+        <p14:creationId xmlns:p14="http://schemas.microsoft.com/office/powerpoint/2010/main" val="4170784126"/>
       </p:ext>
     </p:extLst>
   </p:cSld>
@@ -1117,8 +1118,8 @@
         </p:nvSpPr>
         <p:spPr>
           <a:xfrm>
-            <a:off x="1005840" y="2434167"/>
-            <a:ext cx="6217920" cy="5801784"/>
+            <a:off x="1571625" y="2434167"/>
+            <a:ext cx="9715500" cy="5801784"/>
           </a:xfrm>
         </p:spPr>
         <p:txBody>
@@ -1174,8 +1175,8 @@
         </p:nvSpPr>
         <p:spPr>
           <a:xfrm>
-            <a:off x="7406640" y="2434167"/>
-            <a:ext cx="6217920" cy="5801784"/>
+            <a:off x="11572875" y="2434167"/>
+            <a:ext cx="9715500" cy="5801784"/>
           </a:xfrm>
         </p:spPr>
         <p:txBody>
@@ -1234,9 +1235,9 @@
           <a:bodyPr/>
           <a:lstStyle/>
           <a:p>
-            <a:fld id="{317DEF9F-5D86-497C-B4D5-4C9D540A78A0}" type="datetimeFigureOut">
+            <a:fld id="{A7BF6951-528C-4819-AE44-DF7DC913A1F7}" type="datetimeFigureOut">
               <a:rPr lang="en-US" smtClean="0"/>
-              <a:t>1/31/2022</a:t>
+              <a:t>2/9/2022</a:t>
             </a:fld>
             <a:endParaRPr lang="en-US"/>
           </a:p>
@@ -1276,7 +1277,7 @@
           <a:bodyPr/>
           <a:lstStyle/>
           <a:p>
-            <a:fld id="{86FB4052-7A7C-407A-90A1-24A5B9A6EE2F}" type="slidenum">
+            <a:fld id="{E48DADDE-66F9-43AE-A636-4E16EE5C1205}" type="slidenum">
               <a:rPr lang="en-US" smtClean="0"/>
               <a:t>‹#›</a:t>
             </a:fld>
@@ -1287,7 +1288,7 @@
     </p:spTree>
     <p:extLst>
       <p:ext uri="{BB962C8B-B14F-4D97-AF65-F5344CB8AC3E}">
-        <p14:creationId xmlns:p14="http://schemas.microsoft.com/office/powerpoint/2010/main" val="532148828"/>
+        <p14:creationId xmlns:p14="http://schemas.microsoft.com/office/powerpoint/2010/main" val="1549705678"/>
       </p:ext>
     </p:extLst>
   </p:cSld>
@@ -1326,8 +1327,8 @@
         </p:nvSpPr>
         <p:spPr>
           <a:xfrm>
-            <a:off x="1007746" y="486834"/>
-            <a:ext cx="12618720" cy="1767417"/>
+            <a:off x="1574603" y="486834"/>
+            <a:ext cx="19716750" cy="1767417"/>
           </a:xfrm>
         </p:spPr>
         <p:txBody>
@@ -1354,8 +1355,8 @@
         </p:nvSpPr>
         <p:spPr>
           <a:xfrm>
-            <a:off x="1007746" y="2241551"/>
-            <a:ext cx="6189344" cy="1098549"/>
+            <a:off x="1574603" y="2241551"/>
+            <a:ext cx="9670851" cy="1098549"/>
           </a:xfrm>
         </p:spPr>
         <p:txBody>
@@ -1363,39 +1364,39 @@
           <a:lstStyle>
             <a:lvl1pPr marL="0" indent="0">
               <a:buNone/>
-              <a:defRPr sz="2880" b="1"/>
+              <a:defRPr sz="3200" b="1"/>
             </a:lvl1pPr>
-            <a:lvl2pPr marL="548640" indent="0">
+            <a:lvl2pPr marL="609585" indent="0">
+              <a:buNone/>
+              <a:defRPr sz="2667" b="1"/>
+            </a:lvl2pPr>
+            <a:lvl3pPr marL="1219170" indent="0">
               <a:buNone/>
               <a:defRPr sz="2400" b="1"/>
-            </a:lvl2pPr>
-            <a:lvl3pPr marL="1097280" indent="0">
+            </a:lvl3pPr>
+            <a:lvl4pPr marL="1828754" indent="0">
               <a:buNone/>
-              <a:defRPr sz="2160" b="1"/>
-            </a:lvl3pPr>
-            <a:lvl4pPr marL="1645920" indent="0">
+              <a:defRPr sz="2133" b="1"/>
+            </a:lvl4pPr>
+            <a:lvl5pPr marL="2438339" indent="0">
               <a:buNone/>
-              <a:defRPr sz="1920" b="1"/>
-            </a:lvl4pPr>
-            <a:lvl5pPr marL="2194560" indent="0">
+              <a:defRPr sz="2133" b="1"/>
+            </a:lvl5pPr>
+            <a:lvl6pPr marL="3047924" indent="0">
               <a:buNone/>
-              <a:defRPr sz="1920" b="1"/>
-            </a:lvl5pPr>
-            <a:lvl6pPr marL="2743200" indent="0">
+              <a:defRPr sz="2133" b="1"/>
+            </a:lvl6pPr>
+            <a:lvl7pPr marL="3657509" indent="0">
               <a:buNone/>
-              <a:defRPr sz="1920" b="1"/>
-            </a:lvl6pPr>
-            <a:lvl7pPr marL="3291840" indent="0">
+              <a:defRPr sz="2133" b="1"/>
+            </a:lvl7pPr>
+            <a:lvl8pPr marL="4267093" indent="0">
               <a:buNone/>
-              <a:defRPr sz="1920" b="1"/>
-            </a:lvl7pPr>
-            <a:lvl8pPr marL="3840480" indent="0">
+              <a:defRPr sz="2133" b="1"/>
+            </a:lvl8pPr>
+            <a:lvl9pPr marL="4876678" indent="0">
               <a:buNone/>
-              <a:defRPr sz="1920" b="1"/>
-            </a:lvl8pPr>
-            <a:lvl9pPr marL="4389120" indent="0">
-              <a:buNone/>
-              <a:defRPr sz="1920" b="1"/>
+              <a:defRPr sz="2133" b="1"/>
             </a:lvl9pPr>
           </a:lstStyle>
           <a:p>
@@ -1419,8 +1420,8 @@
         </p:nvSpPr>
         <p:spPr>
           <a:xfrm>
-            <a:off x="1007746" y="3340100"/>
-            <a:ext cx="6189344" cy="4912784"/>
+            <a:off x="1574603" y="3340100"/>
+            <a:ext cx="9670851" cy="4912784"/>
           </a:xfrm>
         </p:spPr>
         <p:txBody>
@@ -1476,8 +1477,8 @@
         </p:nvSpPr>
         <p:spPr>
           <a:xfrm>
-            <a:off x="7406640" y="2241551"/>
-            <a:ext cx="6219826" cy="1098549"/>
+            <a:off x="11572875" y="2241551"/>
+            <a:ext cx="9718478" cy="1098549"/>
           </a:xfrm>
         </p:spPr>
         <p:txBody>
@@ -1485,39 +1486,39 @@
           <a:lstStyle>
             <a:lvl1pPr marL="0" indent="0">
               <a:buNone/>
-              <a:defRPr sz="2880" b="1"/>
+              <a:defRPr sz="3200" b="1"/>
             </a:lvl1pPr>
-            <a:lvl2pPr marL="548640" indent="0">
+            <a:lvl2pPr marL="609585" indent="0">
+              <a:buNone/>
+              <a:defRPr sz="2667" b="1"/>
+            </a:lvl2pPr>
+            <a:lvl3pPr marL="1219170" indent="0">
               <a:buNone/>
               <a:defRPr sz="2400" b="1"/>
-            </a:lvl2pPr>
-            <a:lvl3pPr marL="1097280" indent="0">
+            </a:lvl3pPr>
+            <a:lvl4pPr marL="1828754" indent="0">
               <a:buNone/>
-              <a:defRPr sz="2160" b="1"/>
-            </a:lvl3pPr>
-            <a:lvl4pPr marL="1645920" indent="0">
+              <a:defRPr sz="2133" b="1"/>
+            </a:lvl4pPr>
+            <a:lvl5pPr marL="2438339" indent="0">
               <a:buNone/>
-              <a:defRPr sz="1920" b="1"/>
-            </a:lvl4pPr>
-            <a:lvl5pPr marL="2194560" indent="0">
+              <a:defRPr sz="2133" b="1"/>
+            </a:lvl5pPr>
+            <a:lvl6pPr marL="3047924" indent="0">
               <a:buNone/>
-              <a:defRPr sz="1920" b="1"/>
-            </a:lvl5pPr>
-            <a:lvl6pPr marL="2743200" indent="0">
+              <a:defRPr sz="2133" b="1"/>
+            </a:lvl6pPr>
+            <a:lvl7pPr marL="3657509" indent="0">
               <a:buNone/>
-              <a:defRPr sz="1920" b="1"/>
-            </a:lvl6pPr>
-            <a:lvl7pPr marL="3291840" indent="0">
+              <a:defRPr sz="2133" b="1"/>
+            </a:lvl7pPr>
+            <a:lvl8pPr marL="4267093" indent="0">
               <a:buNone/>
-              <a:defRPr sz="1920" b="1"/>
-            </a:lvl7pPr>
-            <a:lvl8pPr marL="3840480" indent="0">
+              <a:defRPr sz="2133" b="1"/>
+            </a:lvl8pPr>
+            <a:lvl9pPr marL="4876678" indent="0">
               <a:buNone/>
-              <a:defRPr sz="1920" b="1"/>
-            </a:lvl8pPr>
-            <a:lvl9pPr marL="4389120" indent="0">
-              <a:buNone/>
-              <a:defRPr sz="1920" b="1"/>
+              <a:defRPr sz="2133" b="1"/>
             </a:lvl9pPr>
           </a:lstStyle>
           <a:p>
@@ -1541,8 +1542,8 @@
         </p:nvSpPr>
         <p:spPr>
           <a:xfrm>
-            <a:off x="7406640" y="3340100"/>
-            <a:ext cx="6219826" cy="4912784"/>
+            <a:off x="11572875" y="3340100"/>
+            <a:ext cx="9718478" cy="4912784"/>
           </a:xfrm>
         </p:spPr>
         <p:txBody>
@@ -1601,9 +1602,9 @@
           <a:bodyPr/>
           <a:lstStyle/>
           <a:p>
-            <a:fld id="{317DEF9F-5D86-497C-B4D5-4C9D540A78A0}" type="datetimeFigureOut">
+            <a:fld id="{A7BF6951-528C-4819-AE44-DF7DC913A1F7}" type="datetimeFigureOut">
               <a:rPr lang="en-US" smtClean="0"/>
-              <a:t>1/31/2022</a:t>
+              <a:t>2/9/2022</a:t>
             </a:fld>
             <a:endParaRPr lang="en-US"/>
           </a:p>
@@ -1643,7 +1644,7 @@
           <a:bodyPr/>
           <a:lstStyle/>
           <a:p>
-            <a:fld id="{86FB4052-7A7C-407A-90A1-24A5B9A6EE2F}" type="slidenum">
+            <a:fld id="{E48DADDE-66F9-43AE-A636-4E16EE5C1205}" type="slidenum">
               <a:rPr lang="en-US" smtClean="0"/>
               <a:t>‹#›</a:t>
             </a:fld>
@@ -1654,7 +1655,7 @@
     </p:spTree>
     <p:extLst>
       <p:ext uri="{BB962C8B-B14F-4D97-AF65-F5344CB8AC3E}">
-        <p14:creationId xmlns:p14="http://schemas.microsoft.com/office/powerpoint/2010/main" val="3667905418"/>
+        <p14:creationId xmlns:p14="http://schemas.microsoft.com/office/powerpoint/2010/main" val="2097450099"/>
       </p:ext>
     </p:extLst>
   </p:cSld>
@@ -1719,9 +1720,9 @@
           <a:bodyPr/>
           <a:lstStyle/>
           <a:p>
-            <a:fld id="{317DEF9F-5D86-497C-B4D5-4C9D540A78A0}" type="datetimeFigureOut">
+            <a:fld id="{A7BF6951-528C-4819-AE44-DF7DC913A1F7}" type="datetimeFigureOut">
               <a:rPr lang="en-US" smtClean="0"/>
-              <a:t>1/31/2022</a:t>
+              <a:t>2/9/2022</a:t>
             </a:fld>
             <a:endParaRPr lang="en-US"/>
           </a:p>
@@ -1761,7 +1762,7 @@
           <a:bodyPr/>
           <a:lstStyle/>
           <a:p>
-            <a:fld id="{86FB4052-7A7C-407A-90A1-24A5B9A6EE2F}" type="slidenum">
+            <a:fld id="{E48DADDE-66F9-43AE-A636-4E16EE5C1205}" type="slidenum">
               <a:rPr lang="en-US" smtClean="0"/>
               <a:t>‹#›</a:t>
             </a:fld>
@@ -1772,7 +1773,7 @@
     </p:spTree>
     <p:extLst>
       <p:ext uri="{BB962C8B-B14F-4D97-AF65-F5344CB8AC3E}">
-        <p14:creationId xmlns:p14="http://schemas.microsoft.com/office/powerpoint/2010/main" val="131001714"/>
+        <p14:creationId xmlns:p14="http://schemas.microsoft.com/office/powerpoint/2010/main" val="1219434594"/>
       </p:ext>
     </p:extLst>
   </p:cSld>
@@ -1814,9 +1815,9 @@
           <a:bodyPr/>
           <a:lstStyle/>
           <a:p>
-            <a:fld id="{317DEF9F-5D86-497C-B4D5-4C9D540A78A0}" type="datetimeFigureOut">
+            <a:fld id="{A7BF6951-528C-4819-AE44-DF7DC913A1F7}" type="datetimeFigureOut">
               <a:rPr lang="en-US" smtClean="0"/>
-              <a:t>1/31/2022</a:t>
+              <a:t>2/9/2022</a:t>
             </a:fld>
             <a:endParaRPr lang="en-US"/>
           </a:p>
@@ -1856,7 +1857,7 @@
           <a:bodyPr/>
           <a:lstStyle/>
           <a:p>
-            <a:fld id="{86FB4052-7A7C-407A-90A1-24A5B9A6EE2F}" type="slidenum">
+            <a:fld id="{E48DADDE-66F9-43AE-A636-4E16EE5C1205}" type="slidenum">
               <a:rPr lang="en-US" smtClean="0"/>
               <a:t>‹#›</a:t>
             </a:fld>
@@ -1867,7 +1868,7 @@
     </p:spTree>
     <p:extLst>
       <p:ext uri="{BB962C8B-B14F-4D97-AF65-F5344CB8AC3E}">
-        <p14:creationId xmlns:p14="http://schemas.microsoft.com/office/powerpoint/2010/main" val="1466912448"/>
+        <p14:creationId xmlns:p14="http://schemas.microsoft.com/office/powerpoint/2010/main" val="3392399373"/>
       </p:ext>
     </p:extLst>
   </p:cSld>
@@ -1906,15 +1907,15 @@
         </p:nvSpPr>
         <p:spPr>
           <a:xfrm>
-            <a:off x="1007746" y="609600"/>
-            <a:ext cx="4718684" cy="2133600"/>
+            <a:off x="1574604" y="609600"/>
+            <a:ext cx="7372944" cy="2133600"/>
           </a:xfrm>
         </p:spPr>
         <p:txBody>
           <a:bodyPr anchor="b"/>
           <a:lstStyle>
             <a:lvl1pPr>
-              <a:defRPr sz="3840"/>
+              <a:defRPr sz="4267"/>
             </a:lvl1pPr>
           </a:lstStyle>
           <a:p>
@@ -1938,39 +1939,39 @@
         </p:nvSpPr>
         <p:spPr>
           <a:xfrm>
-            <a:off x="6219826" y="1316567"/>
-            <a:ext cx="7406640" cy="6498167"/>
+            <a:off x="9718477" y="1316567"/>
+            <a:ext cx="11572875" cy="6498167"/>
           </a:xfrm>
         </p:spPr>
         <p:txBody>
           <a:bodyPr/>
           <a:lstStyle>
             <a:lvl1pPr>
-              <a:defRPr sz="3840"/>
+              <a:defRPr sz="4267"/>
             </a:lvl1pPr>
             <a:lvl2pPr>
-              <a:defRPr sz="3360"/>
+              <a:defRPr sz="3733"/>
             </a:lvl2pPr>
             <a:lvl3pPr>
-              <a:defRPr sz="2880"/>
+              <a:defRPr sz="3200"/>
             </a:lvl3pPr>
             <a:lvl4pPr>
-              <a:defRPr sz="2400"/>
+              <a:defRPr sz="2667"/>
             </a:lvl4pPr>
             <a:lvl5pPr>
-              <a:defRPr sz="2400"/>
+              <a:defRPr sz="2667"/>
             </a:lvl5pPr>
             <a:lvl6pPr>
-              <a:defRPr sz="2400"/>
+              <a:defRPr sz="2667"/>
             </a:lvl6pPr>
             <a:lvl7pPr>
-              <a:defRPr sz="2400"/>
+              <a:defRPr sz="2667"/>
             </a:lvl7pPr>
             <a:lvl8pPr>
-              <a:defRPr sz="2400"/>
+              <a:defRPr sz="2667"/>
             </a:lvl8pPr>
             <a:lvl9pPr>
-              <a:defRPr sz="2400"/>
+              <a:defRPr sz="2667"/>
             </a:lvl9pPr>
           </a:lstStyle>
           <a:p>
@@ -2023,8 +2024,8 @@
         </p:nvSpPr>
         <p:spPr>
           <a:xfrm>
-            <a:off x="1007746" y="2743200"/>
-            <a:ext cx="4718684" cy="5082117"/>
+            <a:off x="1574604" y="2743200"/>
+            <a:ext cx="7372944" cy="5082117"/>
           </a:xfrm>
         </p:spPr>
         <p:txBody>
@@ -2032,39 +2033,39 @@
           <a:lstStyle>
             <a:lvl1pPr marL="0" indent="0">
               <a:buNone/>
-              <a:defRPr sz="1920"/>
+              <a:defRPr sz="2133"/>
             </a:lvl1pPr>
-            <a:lvl2pPr marL="548640" indent="0">
+            <a:lvl2pPr marL="609585" indent="0">
               <a:buNone/>
-              <a:defRPr sz="1680"/>
+              <a:defRPr sz="1867"/>
             </a:lvl2pPr>
-            <a:lvl3pPr marL="1097280" indent="0">
+            <a:lvl3pPr marL="1219170" indent="0">
               <a:buNone/>
-              <a:defRPr sz="1440"/>
+              <a:defRPr sz="1600"/>
             </a:lvl3pPr>
-            <a:lvl4pPr marL="1645920" indent="0">
+            <a:lvl4pPr marL="1828754" indent="0">
               <a:buNone/>
-              <a:defRPr sz="1200"/>
+              <a:defRPr sz="1333"/>
             </a:lvl4pPr>
-            <a:lvl5pPr marL="2194560" indent="0">
+            <a:lvl5pPr marL="2438339" indent="0">
               <a:buNone/>
-              <a:defRPr sz="1200"/>
+              <a:defRPr sz="1333"/>
             </a:lvl5pPr>
-            <a:lvl6pPr marL="2743200" indent="0">
+            <a:lvl6pPr marL="3047924" indent="0">
               <a:buNone/>
-              <a:defRPr sz="1200"/>
+              <a:defRPr sz="1333"/>
             </a:lvl6pPr>
-            <a:lvl7pPr marL="3291840" indent="0">
+            <a:lvl7pPr marL="3657509" indent="0">
               <a:buNone/>
-              <a:defRPr sz="1200"/>
+              <a:defRPr sz="1333"/>
             </a:lvl7pPr>
-            <a:lvl8pPr marL="3840480" indent="0">
+            <a:lvl8pPr marL="4267093" indent="0">
               <a:buNone/>
-              <a:defRPr sz="1200"/>
+              <a:defRPr sz="1333"/>
             </a:lvl8pPr>
-            <a:lvl9pPr marL="4389120" indent="0">
+            <a:lvl9pPr marL="4876678" indent="0">
               <a:buNone/>
-              <a:defRPr sz="1200"/>
+              <a:defRPr sz="1333"/>
             </a:lvl9pPr>
           </a:lstStyle>
           <a:p>
@@ -2091,9 +2092,9 @@
           <a:bodyPr/>
           <a:lstStyle/>
           <a:p>
-            <a:fld id="{317DEF9F-5D86-497C-B4D5-4C9D540A78A0}" type="datetimeFigureOut">
+            <a:fld id="{A7BF6951-528C-4819-AE44-DF7DC913A1F7}" type="datetimeFigureOut">
               <a:rPr lang="en-US" smtClean="0"/>
-              <a:t>1/31/2022</a:t>
+              <a:t>2/9/2022</a:t>
             </a:fld>
             <a:endParaRPr lang="en-US"/>
           </a:p>
@@ -2133,7 +2134,7 @@
           <a:bodyPr/>
           <a:lstStyle/>
           <a:p>
-            <a:fld id="{86FB4052-7A7C-407A-90A1-24A5B9A6EE2F}" type="slidenum">
+            <a:fld id="{E48DADDE-66F9-43AE-A636-4E16EE5C1205}" type="slidenum">
               <a:rPr lang="en-US" smtClean="0"/>
               <a:t>‹#›</a:t>
             </a:fld>
@@ -2144,7 +2145,7 @@
     </p:spTree>
     <p:extLst>
       <p:ext uri="{BB962C8B-B14F-4D97-AF65-F5344CB8AC3E}">
-        <p14:creationId xmlns:p14="http://schemas.microsoft.com/office/powerpoint/2010/main" val="1660621518"/>
+        <p14:creationId xmlns:p14="http://schemas.microsoft.com/office/powerpoint/2010/main" val="1015546708"/>
       </p:ext>
     </p:extLst>
   </p:cSld>
@@ -2183,15 +2184,15 @@
         </p:nvSpPr>
         <p:spPr>
           <a:xfrm>
-            <a:off x="1007746" y="609600"/>
-            <a:ext cx="4718684" cy="2133600"/>
+            <a:off x="1574604" y="609600"/>
+            <a:ext cx="7372944" cy="2133600"/>
           </a:xfrm>
         </p:spPr>
         <p:txBody>
           <a:bodyPr anchor="b"/>
           <a:lstStyle>
             <a:lvl1pPr>
-              <a:defRPr sz="3840"/>
+              <a:defRPr sz="4267"/>
             </a:lvl1pPr>
           </a:lstStyle>
           <a:p>
@@ -2215,8 +2216,8 @@
         </p:nvSpPr>
         <p:spPr>
           <a:xfrm>
-            <a:off x="6219826" y="1316567"/>
-            <a:ext cx="7406640" cy="6498167"/>
+            <a:off x="9718477" y="1316567"/>
+            <a:ext cx="11572875" cy="6498167"/>
           </a:xfrm>
         </p:spPr>
         <p:txBody>
@@ -2224,39 +2225,39 @@
           <a:lstStyle>
             <a:lvl1pPr marL="0" indent="0">
               <a:buNone/>
-              <a:defRPr sz="3840"/>
+              <a:defRPr sz="4267"/>
             </a:lvl1pPr>
-            <a:lvl2pPr marL="548640" indent="0">
+            <a:lvl2pPr marL="609585" indent="0">
               <a:buNone/>
-              <a:defRPr sz="3360"/>
+              <a:defRPr sz="3733"/>
             </a:lvl2pPr>
-            <a:lvl3pPr marL="1097280" indent="0">
+            <a:lvl3pPr marL="1219170" indent="0">
               <a:buNone/>
-              <a:defRPr sz="2880"/>
+              <a:defRPr sz="3200"/>
             </a:lvl3pPr>
-            <a:lvl4pPr marL="1645920" indent="0">
+            <a:lvl4pPr marL="1828754" indent="0">
               <a:buNone/>
-              <a:defRPr sz="2400"/>
+              <a:defRPr sz="2667"/>
             </a:lvl4pPr>
-            <a:lvl5pPr marL="2194560" indent="0">
+            <a:lvl5pPr marL="2438339" indent="0">
               <a:buNone/>
-              <a:defRPr sz="2400"/>
+              <a:defRPr sz="2667"/>
             </a:lvl5pPr>
-            <a:lvl6pPr marL="2743200" indent="0">
+            <a:lvl6pPr marL="3047924" indent="0">
               <a:buNone/>
-              <a:defRPr sz="2400"/>
+              <a:defRPr sz="2667"/>
             </a:lvl6pPr>
-            <a:lvl7pPr marL="3291840" indent="0">
+            <a:lvl7pPr marL="3657509" indent="0">
               <a:buNone/>
-              <a:defRPr sz="2400"/>
+              <a:defRPr sz="2667"/>
             </a:lvl7pPr>
-            <a:lvl8pPr marL="3840480" indent="0">
+            <a:lvl8pPr marL="4267093" indent="0">
               <a:buNone/>
-              <a:defRPr sz="2400"/>
+              <a:defRPr sz="2667"/>
             </a:lvl8pPr>
-            <a:lvl9pPr marL="4389120" indent="0">
+            <a:lvl9pPr marL="4876678" indent="0">
               <a:buNone/>
-              <a:defRPr sz="2400"/>
+              <a:defRPr sz="2667"/>
             </a:lvl9pPr>
           </a:lstStyle>
           <a:p>
@@ -2280,8 +2281,8 @@
         </p:nvSpPr>
         <p:spPr>
           <a:xfrm>
-            <a:off x="1007746" y="2743200"/>
-            <a:ext cx="4718684" cy="5082117"/>
+            <a:off x="1574604" y="2743200"/>
+            <a:ext cx="7372944" cy="5082117"/>
           </a:xfrm>
         </p:spPr>
         <p:txBody>
@@ -2289,39 +2290,39 @@
           <a:lstStyle>
             <a:lvl1pPr marL="0" indent="0">
               <a:buNone/>
-              <a:defRPr sz="1920"/>
+              <a:defRPr sz="2133"/>
             </a:lvl1pPr>
-            <a:lvl2pPr marL="548640" indent="0">
+            <a:lvl2pPr marL="609585" indent="0">
               <a:buNone/>
-              <a:defRPr sz="1680"/>
+              <a:defRPr sz="1867"/>
             </a:lvl2pPr>
-            <a:lvl3pPr marL="1097280" indent="0">
+            <a:lvl3pPr marL="1219170" indent="0">
               <a:buNone/>
-              <a:defRPr sz="1440"/>
+              <a:defRPr sz="1600"/>
             </a:lvl3pPr>
-            <a:lvl4pPr marL="1645920" indent="0">
+            <a:lvl4pPr marL="1828754" indent="0">
               <a:buNone/>
-              <a:defRPr sz="1200"/>
+              <a:defRPr sz="1333"/>
             </a:lvl4pPr>
-            <a:lvl5pPr marL="2194560" indent="0">
+            <a:lvl5pPr marL="2438339" indent="0">
               <a:buNone/>
-              <a:defRPr sz="1200"/>
+              <a:defRPr sz="1333"/>
             </a:lvl5pPr>
-            <a:lvl6pPr marL="2743200" indent="0">
+            <a:lvl6pPr marL="3047924" indent="0">
               <a:buNone/>
-              <a:defRPr sz="1200"/>
+              <a:defRPr sz="1333"/>
             </a:lvl6pPr>
-            <a:lvl7pPr marL="3291840" indent="0">
+            <a:lvl7pPr marL="3657509" indent="0">
               <a:buNone/>
-              <a:defRPr sz="1200"/>
+              <a:defRPr sz="1333"/>
             </a:lvl7pPr>
-            <a:lvl8pPr marL="3840480" indent="0">
+            <a:lvl8pPr marL="4267093" indent="0">
               <a:buNone/>
-              <a:defRPr sz="1200"/>
+              <a:defRPr sz="1333"/>
             </a:lvl8pPr>
-            <a:lvl9pPr marL="4389120" indent="0">
+            <a:lvl9pPr marL="4876678" indent="0">
               <a:buNone/>
-              <a:defRPr sz="1200"/>
+              <a:defRPr sz="1333"/>
             </a:lvl9pPr>
           </a:lstStyle>
           <a:p>
@@ -2348,9 +2349,9 @@
           <a:bodyPr/>
           <a:lstStyle/>
           <a:p>
-            <a:fld id="{317DEF9F-5D86-497C-B4D5-4C9D540A78A0}" type="datetimeFigureOut">
+            <a:fld id="{A7BF6951-528C-4819-AE44-DF7DC913A1F7}" type="datetimeFigureOut">
               <a:rPr lang="en-US" smtClean="0"/>
-              <a:t>1/31/2022</a:t>
+              <a:t>2/9/2022</a:t>
             </a:fld>
             <a:endParaRPr lang="en-US"/>
           </a:p>
@@ -2390,7 +2391,7 @@
           <a:bodyPr/>
           <a:lstStyle/>
           <a:p>
-            <a:fld id="{86FB4052-7A7C-407A-90A1-24A5B9A6EE2F}" type="slidenum">
+            <a:fld id="{E48DADDE-66F9-43AE-A636-4E16EE5C1205}" type="slidenum">
               <a:rPr lang="en-US" smtClean="0"/>
               <a:t>‹#›</a:t>
             </a:fld>
@@ -2401,7 +2402,7 @@
     </p:spTree>
     <p:extLst>
       <p:ext uri="{BB962C8B-B14F-4D97-AF65-F5344CB8AC3E}">
-        <p14:creationId xmlns:p14="http://schemas.microsoft.com/office/powerpoint/2010/main" val="3991257690"/>
+        <p14:creationId xmlns:p14="http://schemas.microsoft.com/office/powerpoint/2010/main" val="2318789453"/>
       </p:ext>
     </p:extLst>
   </p:cSld>
@@ -2445,8 +2446,8 @@
         </p:nvSpPr>
         <p:spPr>
           <a:xfrm>
-            <a:off x="1005840" y="486834"/>
-            <a:ext cx="12618720" cy="1767417"/>
+            <a:off x="1571625" y="486834"/>
+            <a:ext cx="19716750" cy="1767417"/>
           </a:xfrm>
           <a:prstGeom prst="rect">
             <a:avLst/>
@@ -2478,8 +2479,8 @@
         </p:nvSpPr>
         <p:spPr>
           <a:xfrm>
-            <a:off x="1005840" y="2434167"/>
-            <a:ext cx="12618720" cy="5801784"/>
+            <a:off x="1571625" y="2434167"/>
+            <a:ext cx="19716750" cy="5801784"/>
           </a:xfrm>
           <a:prstGeom prst="rect">
             <a:avLst/>
@@ -2540,8 +2541,8 @@
         </p:nvSpPr>
         <p:spPr>
           <a:xfrm>
-            <a:off x="1005840" y="8475134"/>
-            <a:ext cx="3291840" cy="486833"/>
+            <a:off x="1571625" y="8475134"/>
+            <a:ext cx="5143500" cy="486833"/>
           </a:xfrm>
           <a:prstGeom prst="rect">
             <a:avLst/>
@@ -2551,7 +2552,7 @@
           <a:bodyPr vert="horz" lIns="91440" tIns="45720" rIns="91440" bIns="45720" rtlCol="0" anchor="ctr"/>
           <a:lstStyle>
             <a:lvl1pPr algn="l">
-              <a:defRPr sz="1440">
+              <a:defRPr sz="1600">
                 <a:solidFill>
                   <a:schemeClr val="tx1">
                     <a:tint val="75000"/>
@@ -2561,9 +2562,9 @@
             </a:lvl1pPr>
           </a:lstStyle>
           <a:p>
-            <a:fld id="{317DEF9F-5D86-497C-B4D5-4C9D540A78A0}" type="datetimeFigureOut">
+            <a:fld id="{A7BF6951-528C-4819-AE44-DF7DC913A1F7}" type="datetimeFigureOut">
               <a:rPr lang="en-US" smtClean="0"/>
-              <a:t>1/31/2022</a:t>
+              <a:t>2/9/2022</a:t>
             </a:fld>
             <a:endParaRPr lang="en-US"/>
           </a:p>
@@ -2581,8 +2582,8 @@
         </p:nvSpPr>
         <p:spPr>
           <a:xfrm>
-            <a:off x="4846320" y="8475134"/>
-            <a:ext cx="4937760" cy="486833"/>
+            <a:off x="7572375" y="8475134"/>
+            <a:ext cx="7715250" cy="486833"/>
           </a:xfrm>
           <a:prstGeom prst="rect">
             <a:avLst/>
@@ -2592,7 +2593,7 @@
           <a:bodyPr vert="horz" lIns="91440" tIns="45720" rIns="91440" bIns="45720" rtlCol="0" anchor="ctr"/>
           <a:lstStyle>
             <a:lvl1pPr algn="ctr">
-              <a:defRPr sz="1440">
+              <a:defRPr sz="1600">
                 <a:solidFill>
                   <a:schemeClr val="tx1">
                     <a:tint val="75000"/>
@@ -2618,8 +2619,8 @@
         </p:nvSpPr>
         <p:spPr>
           <a:xfrm>
-            <a:off x="10332720" y="8475134"/>
-            <a:ext cx="3291840" cy="486833"/>
+            <a:off x="16144875" y="8475134"/>
+            <a:ext cx="5143500" cy="486833"/>
           </a:xfrm>
           <a:prstGeom prst="rect">
             <a:avLst/>
@@ -2629,7 +2630,7 @@
           <a:bodyPr vert="horz" lIns="91440" tIns="45720" rIns="91440" bIns="45720" rtlCol="0" anchor="ctr"/>
           <a:lstStyle>
             <a:lvl1pPr algn="r">
-              <a:defRPr sz="1440">
+              <a:defRPr sz="1600">
                 <a:solidFill>
                   <a:schemeClr val="tx1">
                     <a:tint val="75000"/>
@@ -2639,7 +2640,7 @@
             </a:lvl1pPr>
           </a:lstStyle>
           <a:p>
-            <a:fld id="{86FB4052-7A7C-407A-90A1-24A5B9A6EE2F}" type="slidenum">
+            <a:fld id="{E48DADDE-66F9-43AE-A636-4E16EE5C1205}" type="slidenum">
               <a:rPr lang="en-US" smtClean="0"/>
               <a:t>‹#›</a:t>
             </a:fld>
@@ -2650,7 +2651,7 @@
     </p:spTree>
     <p:extLst>
       <p:ext uri="{BB962C8B-B14F-4D97-AF65-F5344CB8AC3E}">
-        <p14:creationId xmlns:p14="http://schemas.microsoft.com/office/powerpoint/2010/main" val="2839626078"/>
+        <p14:creationId xmlns:p14="http://schemas.microsoft.com/office/powerpoint/2010/main" val="2133101623"/>
       </p:ext>
     </p:extLst>
   </p:cSld>
@@ -2670,7 +2671,7 @@
   </p:sldLayoutIdLst>
   <p:txStyles>
     <p:titleStyle>
-      <a:lvl1pPr algn="l" defTabSz="1097280" rtl="0" eaLnBrk="1" latinLnBrk="0" hangingPunct="1">
+      <a:lvl1pPr algn="l" defTabSz="1219170" rtl="0" eaLnBrk="1" latinLnBrk="0" hangingPunct="1">
         <a:lnSpc>
           <a:spcPct val="90000"/>
         </a:lnSpc>
@@ -2678,7 +2679,7 @@
           <a:spcPct val="0"/>
         </a:spcBef>
         <a:buNone/>
-        <a:defRPr sz="5280" kern="1200">
+        <a:defRPr sz="5867" kern="1200">
           <a:solidFill>
             <a:schemeClr val="tx1"/>
           </a:solidFill>
@@ -2689,16 +2690,16 @@
       </a:lvl1pPr>
     </p:titleStyle>
     <p:bodyStyle>
-      <a:lvl1pPr marL="274320" indent="-274320" algn="l" defTabSz="1097280" rtl="0" eaLnBrk="1" latinLnBrk="0" hangingPunct="1">
+      <a:lvl1pPr marL="304792" indent="-304792" algn="l" defTabSz="1219170" rtl="0" eaLnBrk="1" latinLnBrk="0" hangingPunct="1">
         <a:lnSpc>
           <a:spcPct val="90000"/>
         </a:lnSpc>
         <a:spcBef>
-          <a:spcPts val="1200"/>
+          <a:spcPts val="1333"/>
         </a:spcBef>
         <a:buFont typeface="Arial" panose="020B0604020202020204" pitchFamily="34" charset="0"/>
         <a:buChar char="•"/>
-        <a:defRPr sz="3360" kern="1200">
+        <a:defRPr sz="3733" kern="1200">
           <a:solidFill>
             <a:schemeClr val="tx1"/>
           </a:solidFill>
@@ -2707,16 +2708,16 @@
           <a:cs typeface="+mn-cs"/>
         </a:defRPr>
       </a:lvl1pPr>
-      <a:lvl2pPr marL="822960" indent="-274320" algn="l" defTabSz="1097280" rtl="0" eaLnBrk="1" latinLnBrk="0" hangingPunct="1">
+      <a:lvl2pPr marL="914377" indent="-304792" algn="l" defTabSz="1219170" rtl="0" eaLnBrk="1" latinLnBrk="0" hangingPunct="1">
         <a:lnSpc>
           <a:spcPct val="90000"/>
         </a:lnSpc>
         <a:spcBef>
-          <a:spcPts val="600"/>
+          <a:spcPts val="667"/>
         </a:spcBef>
         <a:buFont typeface="Arial" panose="020B0604020202020204" pitchFamily="34" charset="0"/>
         <a:buChar char="•"/>
-        <a:defRPr sz="2880" kern="1200">
+        <a:defRPr sz="3200" kern="1200">
           <a:solidFill>
             <a:schemeClr val="tx1"/>
           </a:solidFill>
@@ -2725,12 +2726,30 @@
           <a:cs typeface="+mn-cs"/>
         </a:defRPr>
       </a:lvl2pPr>
-      <a:lvl3pPr marL="1371600" indent="-274320" algn="l" defTabSz="1097280" rtl="0" eaLnBrk="1" latinLnBrk="0" hangingPunct="1">
+      <a:lvl3pPr marL="1523962" indent="-304792" algn="l" defTabSz="1219170" rtl="0" eaLnBrk="1" latinLnBrk="0" hangingPunct="1">
         <a:lnSpc>
           <a:spcPct val="90000"/>
         </a:lnSpc>
         <a:spcBef>
-          <a:spcPts val="600"/>
+          <a:spcPts val="667"/>
+        </a:spcBef>
+        <a:buFont typeface="Arial" panose="020B0604020202020204" pitchFamily="34" charset="0"/>
+        <a:buChar char="•"/>
+        <a:defRPr sz="2667" kern="1200">
+          <a:solidFill>
+            <a:schemeClr val="tx1"/>
+          </a:solidFill>
+          <a:latin typeface="+mn-lt"/>
+          <a:ea typeface="+mn-ea"/>
+          <a:cs typeface="+mn-cs"/>
+        </a:defRPr>
+      </a:lvl3pPr>
+      <a:lvl4pPr marL="2133547" indent="-304792" algn="l" defTabSz="1219170" rtl="0" eaLnBrk="1" latinLnBrk="0" hangingPunct="1">
+        <a:lnSpc>
+          <a:spcPct val="90000"/>
+        </a:lnSpc>
+        <a:spcBef>
+          <a:spcPts val="667"/>
         </a:spcBef>
         <a:buFont typeface="Arial" panose="020B0604020202020204" pitchFamily="34" charset="0"/>
         <a:buChar char="•"/>
@@ -2742,35 +2761,17 @@
           <a:ea typeface="+mn-ea"/>
           <a:cs typeface="+mn-cs"/>
         </a:defRPr>
-      </a:lvl3pPr>
-      <a:lvl4pPr marL="1920240" indent="-274320" algn="l" defTabSz="1097280" rtl="0" eaLnBrk="1" latinLnBrk="0" hangingPunct="1">
+      </a:lvl4pPr>
+      <a:lvl5pPr marL="2743131" indent="-304792" algn="l" defTabSz="1219170" rtl="0" eaLnBrk="1" latinLnBrk="0" hangingPunct="1">
         <a:lnSpc>
           <a:spcPct val="90000"/>
         </a:lnSpc>
         <a:spcBef>
-          <a:spcPts val="600"/>
+          <a:spcPts val="667"/>
         </a:spcBef>
         <a:buFont typeface="Arial" panose="020B0604020202020204" pitchFamily="34" charset="0"/>
         <a:buChar char="•"/>
-        <a:defRPr sz="2160" kern="1200">
-          <a:solidFill>
-            <a:schemeClr val="tx1"/>
-          </a:solidFill>
-          <a:latin typeface="+mn-lt"/>
-          <a:ea typeface="+mn-ea"/>
-          <a:cs typeface="+mn-cs"/>
-        </a:defRPr>
-      </a:lvl4pPr>
-      <a:lvl5pPr marL="2468880" indent="-274320" algn="l" defTabSz="1097280" rtl="0" eaLnBrk="1" latinLnBrk="0" hangingPunct="1">
-        <a:lnSpc>
-          <a:spcPct val="90000"/>
-        </a:lnSpc>
-        <a:spcBef>
-          <a:spcPts val="600"/>
-        </a:spcBef>
-        <a:buFont typeface="Arial" panose="020B0604020202020204" pitchFamily="34" charset="0"/>
-        <a:buChar char="•"/>
-        <a:defRPr sz="2160" kern="1200">
+        <a:defRPr sz="2400" kern="1200">
           <a:solidFill>
             <a:schemeClr val="tx1"/>
           </a:solidFill>
@@ -2779,16 +2780,16 @@
           <a:cs typeface="+mn-cs"/>
         </a:defRPr>
       </a:lvl5pPr>
-      <a:lvl6pPr marL="3017520" indent="-274320" algn="l" defTabSz="1097280" rtl="0" eaLnBrk="1" latinLnBrk="0" hangingPunct="1">
+      <a:lvl6pPr marL="3352716" indent="-304792" algn="l" defTabSz="1219170" rtl="0" eaLnBrk="1" latinLnBrk="0" hangingPunct="1">
         <a:lnSpc>
           <a:spcPct val="90000"/>
         </a:lnSpc>
         <a:spcBef>
-          <a:spcPts val="600"/>
+          <a:spcPts val="667"/>
         </a:spcBef>
         <a:buFont typeface="Arial" panose="020B0604020202020204" pitchFamily="34" charset="0"/>
         <a:buChar char="•"/>
-        <a:defRPr sz="2160" kern="1200">
+        <a:defRPr sz="2400" kern="1200">
           <a:solidFill>
             <a:schemeClr val="tx1"/>
           </a:solidFill>
@@ -2797,16 +2798,16 @@
           <a:cs typeface="+mn-cs"/>
         </a:defRPr>
       </a:lvl6pPr>
-      <a:lvl7pPr marL="3566160" indent="-274320" algn="l" defTabSz="1097280" rtl="0" eaLnBrk="1" latinLnBrk="0" hangingPunct="1">
+      <a:lvl7pPr marL="3962301" indent="-304792" algn="l" defTabSz="1219170" rtl="0" eaLnBrk="1" latinLnBrk="0" hangingPunct="1">
         <a:lnSpc>
           <a:spcPct val="90000"/>
         </a:lnSpc>
         <a:spcBef>
-          <a:spcPts val="600"/>
+          <a:spcPts val="667"/>
         </a:spcBef>
         <a:buFont typeface="Arial" panose="020B0604020202020204" pitchFamily="34" charset="0"/>
         <a:buChar char="•"/>
-        <a:defRPr sz="2160" kern="1200">
+        <a:defRPr sz="2400" kern="1200">
           <a:solidFill>
             <a:schemeClr val="tx1"/>
           </a:solidFill>
@@ -2815,16 +2816,16 @@
           <a:cs typeface="+mn-cs"/>
         </a:defRPr>
       </a:lvl7pPr>
-      <a:lvl8pPr marL="4114800" indent="-274320" algn="l" defTabSz="1097280" rtl="0" eaLnBrk="1" latinLnBrk="0" hangingPunct="1">
+      <a:lvl8pPr marL="4571886" indent="-304792" algn="l" defTabSz="1219170" rtl="0" eaLnBrk="1" latinLnBrk="0" hangingPunct="1">
         <a:lnSpc>
           <a:spcPct val="90000"/>
         </a:lnSpc>
         <a:spcBef>
-          <a:spcPts val="600"/>
+          <a:spcPts val="667"/>
         </a:spcBef>
         <a:buFont typeface="Arial" panose="020B0604020202020204" pitchFamily="34" charset="0"/>
         <a:buChar char="•"/>
-        <a:defRPr sz="2160" kern="1200">
+        <a:defRPr sz="2400" kern="1200">
           <a:solidFill>
             <a:schemeClr val="tx1"/>
           </a:solidFill>
@@ -2833,16 +2834,16 @@
           <a:cs typeface="+mn-cs"/>
         </a:defRPr>
       </a:lvl8pPr>
-      <a:lvl9pPr marL="4663440" indent="-274320" algn="l" defTabSz="1097280" rtl="0" eaLnBrk="1" latinLnBrk="0" hangingPunct="1">
+      <a:lvl9pPr marL="5181470" indent="-304792" algn="l" defTabSz="1219170" rtl="0" eaLnBrk="1" latinLnBrk="0" hangingPunct="1">
         <a:lnSpc>
           <a:spcPct val="90000"/>
         </a:lnSpc>
         <a:spcBef>
-          <a:spcPts val="600"/>
+          <a:spcPts val="667"/>
         </a:spcBef>
         <a:buFont typeface="Arial" panose="020B0604020202020204" pitchFamily="34" charset="0"/>
         <a:buChar char="•"/>
-        <a:defRPr sz="2160" kern="1200">
+        <a:defRPr sz="2400" kern="1200">
           <a:solidFill>
             <a:schemeClr val="tx1"/>
           </a:solidFill>
@@ -2856,8 +2857,8 @@
       <a:defPPr>
         <a:defRPr lang="en-US"/>
       </a:defPPr>
-      <a:lvl1pPr marL="0" algn="l" defTabSz="1097280" rtl="0" eaLnBrk="1" latinLnBrk="0" hangingPunct="1">
-        <a:defRPr sz="2160" kern="1200">
+      <a:lvl1pPr marL="0" algn="l" defTabSz="1219170" rtl="0" eaLnBrk="1" latinLnBrk="0" hangingPunct="1">
+        <a:defRPr sz="2400" kern="1200">
           <a:solidFill>
             <a:schemeClr val="tx1"/>
           </a:solidFill>
@@ -2866,8 +2867,8 @@
           <a:cs typeface="+mn-cs"/>
         </a:defRPr>
       </a:lvl1pPr>
-      <a:lvl2pPr marL="548640" algn="l" defTabSz="1097280" rtl="0" eaLnBrk="1" latinLnBrk="0" hangingPunct="1">
-        <a:defRPr sz="2160" kern="1200">
+      <a:lvl2pPr marL="609585" algn="l" defTabSz="1219170" rtl="0" eaLnBrk="1" latinLnBrk="0" hangingPunct="1">
+        <a:defRPr sz="2400" kern="1200">
           <a:solidFill>
             <a:schemeClr val="tx1"/>
           </a:solidFill>
@@ -2876,8 +2877,8 @@
           <a:cs typeface="+mn-cs"/>
         </a:defRPr>
       </a:lvl2pPr>
-      <a:lvl3pPr marL="1097280" algn="l" defTabSz="1097280" rtl="0" eaLnBrk="1" latinLnBrk="0" hangingPunct="1">
-        <a:defRPr sz="2160" kern="1200">
+      <a:lvl3pPr marL="1219170" algn="l" defTabSz="1219170" rtl="0" eaLnBrk="1" latinLnBrk="0" hangingPunct="1">
+        <a:defRPr sz="2400" kern="1200">
           <a:solidFill>
             <a:schemeClr val="tx1"/>
           </a:solidFill>
@@ -2886,8 +2887,8 @@
           <a:cs typeface="+mn-cs"/>
         </a:defRPr>
       </a:lvl3pPr>
-      <a:lvl4pPr marL="1645920" algn="l" defTabSz="1097280" rtl="0" eaLnBrk="1" latinLnBrk="0" hangingPunct="1">
-        <a:defRPr sz="2160" kern="1200">
+      <a:lvl4pPr marL="1828754" algn="l" defTabSz="1219170" rtl="0" eaLnBrk="1" latinLnBrk="0" hangingPunct="1">
+        <a:defRPr sz="2400" kern="1200">
           <a:solidFill>
             <a:schemeClr val="tx1"/>
           </a:solidFill>
@@ -2896,8 +2897,8 @@
           <a:cs typeface="+mn-cs"/>
         </a:defRPr>
       </a:lvl4pPr>
-      <a:lvl5pPr marL="2194560" algn="l" defTabSz="1097280" rtl="0" eaLnBrk="1" latinLnBrk="0" hangingPunct="1">
-        <a:defRPr sz="2160" kern="1200">
+      <a:lvl5pPr marL="2438339" algn="l" defTabSz="1219170" rtl="0" eaLnBrk="1" latinLnBrk="0" hangingPunct="1">
+        <a:defRPr sz="2400" kern="1200">
           <a:solidFill>
             <a:schemeClr val="tx1"/>
           </a:solidFill>
@@ -2906,8 +2907,8 @@
           <a:cs typeface="+mn-cs"/>
         </a:defRPr>
       </a:lvl5pPr>
-      <a:lvl6pPr marL="2743200" algn="l" defTabSz="1097280" rtl="0" eaLnBrk="1" latinLnBrk="0" hangingPunct="1">
-        <a:defRPr sz="2160" kern="1200">
+      <a:lvl6pPr marL="3047924" algn="l" defTabSz="1219170" rtl="0" eaLnBrk="1" latinLnBrk="0" hangingPunct="1">
+        <a:defRPr sz="2400" kern="1200">
           <a:solidFill>
             <a:schemeClr val="tx1"/>
           </a:solidFill>
@@ -2916,8 +2917,8 @@
           <a:cs typeface="+mn-cs"/>
         </a:defRPr>
       </a:lvl6pPr>
-      <a:lvl7pPr marL="3291840" algn="l" defTabSz="1097280" rtl="0" eaLnBrk="1" latinLnBrk="0" hangingPunct="1">
-        <a:defRPr sz="2160" kern="1200">
+      <a:lvl7pPr marL="3657509" algn="l" defTabSz="1219170" rtl="0" eaLnBrk="1" latinLnBrk="0" hangingPunct="1">
+        <a:defRPr sz="2400" kern="1200">
           <a:solidFill>
             <a:schemeClr val="tx1"/>
           </a:solidFill>
@@ -2926,8 +2927,8 @@
           <a:cs typeface="+mn-cs"/>
         </a:defRPr>
       </a:lvl7pPr>
-      <a:lvl8pPr marL="3840480" algn="l" defTabSz="1097280" rtl="0" eaLnBrk="1" latinLnBrk="0" hangingPunct="1">
-        <a:defRPr sz="2160" kern="1200">
+      <a:lvl8pPr marL="4267093" algn="l" defTabSz="1219170" rtl="0" eaLnBrk="1" latinLnBrk="0" hangingPunct="1">
+        <a:defRPr sz="2400" kern="1200">
           <a:solidFill>
             <a:schemeClr val="tx1"/>
           </a:solidFill>
@@ -2936,8 +2937,8 @@
           <a:cs typeface="+mn-cs"/>
         </a:defRPr>
       </a:lvl8pPr>
-      <a:lvl9pPr marL="4389120" algn="l" defTabSz="1097280" rtl="0" eaLnBrk="1" latinLnBrk="0" hangingPunct="1">
-        <a:defRPr sz="2160" kern="1200">
+      <a:lvl9pPr marL="4876678" algn="l" defTabSz="1219170" rtl="0" eaLnBrk="1" latinLnBrk="0" hangingPunct="1">
+        <a:defRPr sz="2400" kern="1200">
           <a:solidFill>
             <a:schemeClr val="tx1"/>
           </a:solidFill>
@@ -2970,10 +2971,10 @@
       </p:grpSpPr>
       <p:sp>
         <p:nvSpPr>
-          <p:cNvPr id="42" name="Rectangle 41">
-            <a:extLst>
-              <a:ext uri="{FF2B5EF4-FFF2-40B4-BE49-F238E27FC236}">
-                <a16:creationId xmlns:a16="http://schemas.microsoft.com/office/drawing/2014/main" id="{884BCB68-D24E-4889-BF4C-E05323EABAC4}"/>
+          <p:cNvPr id="4" name="Rectangle 3">
+            <a:extLst>
+              <a:ext uri="{FF2B5EF4-FFF2-40B4-BE49-F238E27FC236}">
+                <a16:creationId xmlns:a16="http://schemas.microsoft.com/office/drawing/2014/main" id="{19A7E47B-CB6D-4D39-BAD3-E2BA5EB91D4E}"/>
               </a:ext>
             </a:extLst>
           </p:cNvPr>
@@ -3019,10 +3020,10 @@
       </p:sp>
       <p:sp>
         <p:nvSpPr>
-          <p:cNvPr id="43" name="Rectangle 42">
-            <a:extLst>
-              <a:ext uri="{FF2B5EF4-FFF2-40B4-BE49-F238E27FC236}">
-                <a16:creationId xmlns:a16="http://schemas.microsoft.com/office/drawing/2014/main" id="{780B46EE-AED6-4C0D-82E7-D98AAF7CF5AC}"/>
+          <p:cNvPr id="5" name="Rectangle 4">
+            <a:extLst>
+              <a:ext uri="{FF2B5EF4-FFF2-40B4-BE49-F238E27FC236}">
+                <a16:creationId xmlns:a16="http://schemas.microsoft.com/office/drawing/2014/main" id="{B029760E-7EEE-4E9A-B120-95C21AA70AA6}"/>
               </a:ext>
             </a:extLst>
           </p:cNvPr>
@@ -3068,10 +3069,10 @@
       </p:sp>
       <p:sp>
         <p:nvSpPr>
-          <p:cNvPr id="44" name="Rectangle 43">
-            <a:extLst>
-              <a:ext uri="{FF2B5EF4-FFF2-40B4-BE49-F238E27FC236}">
-                <a16:creationId xmlns:a16="http://schemas.microsoft.com/office/drawing/2014/main" id="{35D61CE5-9110-4300-8D39-65333C946BB4}"/>
+          <p:cNvPr id="6" name="Rectangle 5">
+            <a:extLst>
+              <a:ext uri="{FF2B5EF4-FFF2-40B4-BE49-F238E27FC236}">
+                <a16:creationId xmlns:a16="http://schemas.microsoft.com/office/drawing/2014/main" id="{209A0EC8-0305-4221-BA25-1F7AD85AA446}"/>
               </a:ext>
             </a:extLst>
           </p:cNvPr>
@@ -3117,17 +3118,17 @@
       </p:sp>
       <p:cxnSp>
         <p:nvCxnSpPr>
-          <p:cNvPr id="45" name="Connector: Curved 44">
-            <a:extLst>
-              <a:ext uri="{FF2B5EF4-FFF2-40B4-BE49-F238E27FC236}">
-                <a16:creationId xmlns:a16="http://schemas.microsoft.com/office/drawing/2014/main" id="{982EF6F5-DEA8-447D-80F5-A08CB13C6979}"/>
+          <p:cNvPr id="7" name="Connector: Curved 6">
+            <a:extLst>
+              <a:ext uri="{FF2B5EF4-FFF2-40B4-BE49-F238E27FC236}">
+                <a16:creationId xmlns:a16="http://schemas.microsoft.com/office/drawing/2014/main" id="{90EFF373-7CAC-49A0-97DF-9DA99C832041}"/>
               </a:ext>
             </a:extLst>
           </p:cNvPr>
           <p:cNvCxnSpPr>
             <a:cxnSpLocks/>
-            <a:stCxn id="43" idx="2"/>
-            <a:endCxn id="44" idx="2"/>
+            <a:stCxn id="5" idx="2"/>
+            <a:endCxn id="6" idx="2"/>
           </p:cNvCxnSpPr>
           <p:nvPr/>
         </p:nvCxnSpPr>
@@ -3166,17 +3167,17 @@
       </p:cxnSp>
       <p:cxnSp>
         <p:nvCxnSpPr>
-          <p:cNvPr id="46" name="Connector: Curved 45">
-            <a:extLst>
-              <a:ext uri="{FF2B5EF4-FFF2-40B4-BE49-F238E27FC236}">
-                <a16:creationId xmlns:a16="http://schemas.microsoft.com/office/drawing/2014/main" id="{CF25FD6C-0793-4143-A630-FA3DF2AE7B4B}"/>
+          <p:cNvPr id="8" name="Connector: Curved 7">
+            <a:extLst>
+              <a:ext uri="{FF2B5EF4-FFF2-40B4-BE49-F238E27FC236}">
+                <a16:creationId xmlns:a16="http://schemas.microsoft.com/office/drawing/2014/main" id="{B161CC53-E91B-4B3F-AE47-D25F9DB79FA1}"/>
               </a:ext>
             </a:extLst>
           </p:cNvPr>
           <p:cNvCxnSpPr>
             <a:cxnSpLocks/>
-            <a:stCxn id="42" idx="2"/>
-            <a:endCxn id="43" idx="2"/>
+            <a:stCxn id="4" idx="2"/>
+            <a:endCxn id="5" idx="2"/>
           </p:cNvCxnSpPr>
           <p:nvPr/>
         </p:nvCxnSpPr>
@@ -3215,17 +3216,17 @@
       </p:cxnSp>
       <p:cxnSp>
         <p:nvCxnSpPr>
-          <p:cNvPr id="47" name="Connector: Curved 46">
-            <a:extLst>
-              <a:ext uri="{FF2B5EF4-FFF2-40B4-BE49-F238E27FC236}">
-                <a16:creationId xmlns:a16="http://schemas.microsoft.com/office/drawing/2014/main" id="{AD5FDDB0-DFC3-45E1-91C5-B4F5C4139977}"/>
+          <p:cNvPr id="9" name="Connector: Curved 8">
+            <a:extLst>
+              <a:ext uri="{FF2B5EF4-FFF2-40B4-BE49-F238E27FC236}">
+                <a16:creationId xmlns:a16="http://schemas.microsoft.com/office/drawing/2014/main" id="{B0574547-D23D-49A2-980E-2BAE229EBC78}"/>
               </a:ext>
             </a:extLst>
           </p:cNvPr>
           <p:cNvCxnSpPr>
             <a:cxnSpLocks/>
-            <a:stCxn id="43" idx="0"/>
-            <a:endCxn id="42" idx="0"/>
+            <a:stCxn id="5" idx="0"/>
+            <a:endCxn id="4" idx="0"/>
           </p:cNvCxnSpPr>
           <p:nvPr/>
         </p:nvCxnSpPr>
@@ -3264,17 +3265,17 @@
       </p:cxnSp>
       <p:cxnSp>
         <p:nvCxnSpPr>
-          <p:cNvPr id="48" name="Connector: Curved 47">
-            <a:extLst>
-              <a:ext uri="{FF2B5EF4-FFF2-40B4-BE49-F238E27FC236}">
-                <a16:creationId xmlns:a16="http://schemas.microsoft.com/office/drawing/2014/main" id="{42243248-FC60-4B7D-8009-F393D7A24AE5}"/>
+          <p:cNvPr id="10" name="Connector: Curved 9">
+            <a:extLst>
+              <a:ext uri="{FF2B5EF4-FFF2-40B4-BE49-F238E27FC236}">
+                <a16:creationId xmlns:a16="http://schemas.microsoft.com/office/drawing/2014/main" id="{58BE63BF-E9FC-4BA1-9A44-439572DDDF7A}"/>
               </a:ext>
             </a:extLst>
           </p:cNvPr>
           <p:cNvCxnSpPr>
             <a:cxnSpLocks/>
-            <a:stCxn id="44" idx="0"/>
-            <a:endCxn id="43" idx="0"/>
+            <a:stCxn id="6" idx="0"/>
+            <a:endCxn id="5" idx="0"/>
           </p:cNvCxnSpPr>
           <p:nvPr/>
         </p:nvCxnSpPr>
@@ -3313,10 +3314,10 @@
       </p:cxnSp>
       <p:sp>
         <p:nvSpPr>
-          <p:cNvPr id="49" name="TextBox 48">
-            <a:extLst>
-              <a:ext uri="{FF2B5EF4-FFF2-40B4-BE49-F238E27FC236}">
-                <a16:creationId xmlns:a16="http://schemas.microsoft.com/office/drawing/2014/main" id="{68D88E20-F5EA-4FD3-886F-F0A3F6704F62}"/>
+          <p:cNvPr id="11" name="TextBox 10">
+            <a:extLst>
+              <a:ext uri="{FF2B5EF4-FFF2-40B4-BE49-F238E27FC236}">
+                <a16:creationId xmlns:a16="http://schemas.microsoft.com/office/drawing/2014/main" id="{D0633431-90C3-446B-B170-5758728BD502}"/>
               </a:ext>
             </a:extLst>
           </p:cNvPr>
@@ -3353,10 +3354,10 @@
       </p:sp>
       <p:sp>
         <p:nvSpPr>
-          <p:cNvPr id="50" name="TextBox 49">
-            <a:extLst>
-              <a:ext uri="{FF2B5EF4-FFF2-40B4-BE49-F238E27FC236}">
-                <a16:creationId xmlns:a16="http://schemas.microsoft.com/office/drawing/2014/main" id="{CEAFE0A7-40DD-4EAF-BF73-0272274C0F99}"/>
+          <p:cNvPr id="12" name="TextBox 11">
+            <a:extLst>
+              <a:ext uri="{FF2B5EF4-FFF2-40B4-BE49-F238E27FC236}">
+                <a16:creationId xmlns:a16="http://schemas.microsoft.com/office/drawing/2014/main" id="{DB4B56DB-7C6C-47FD-B991-26066D1C7FD1}"/>
               </a:ext>
             </a:extLst>
           </p:cNvPr>
@@ -3393,10 +3394,10 @@
       </p:sp>
       <p:sp>
         <p:nvSpPr>
-          <p:cNvPr id="51" name="TextBox 50">
-            <a:extLst>
-              <a:ext uri="{FF2B5EF4-FFF2-40B4-BE49-F238E27FC236}">
-                <a16:creationId xmlns:a16="http://schemas.microsoft.com/office/drawing/2014/main" id="{C5E36F0B-B15F-4B0A-AB7F-49D1725DD721}"/>
+          <p:cNvPr id="13" name="TextBox 12">
+            <a:extLst>
+              <a:ext uri="{FF2B5EF4-FFF2-40B4-BE49-F238E27FC236}">
+                <a16:creationId xmlns:a16="http://schemas.microsoft.com/office/drawing/2014/main" id="{1FB0A43B-B79F-482D-86E4-EF6D2C9E669E}"/>
               </a:ext>
             </a:extLst>
           </p:cNvPr>
@@ -3435,10 +3436,10 @@
       </p:sp>
       <p:sp>
         <p:nvSpPr>
-          <p:cNvPr id="52" name="TextBox 51">
-            <a:extLst>
-              <a:ext uri="{FF2B5EF4-FFF2-40B4-BE49-F238E27FC236}">
-                <a16:creationId xmlns:a16="http://schemas.microsoft.com/office/drawing/2014/main" id="{A2B41196-A87A-404D-84F5-726B2EBA1DE6}"/>
+          <p:cNvPr id="14" name="TextBox 13">
+            <a:extLst>
+              <a:ext uri="{FF2B5EF4-FFF2-40B4-BE49-F238E27FC236}">
+                <a16:creationId xmlns:a16="http://schemas.microsoft.com/office/drawing/2014/main" id="{3E6A5148-0813-4728-94D6-F5A6F708B41D}"/>
               </a:ext>
             </a:extLst>
           </p:cNvPr>
@@ -3477,10 +3478,10 @@
       </p:sp>
       <p:sp>
         <p:nvSpPr>
-          <p:cNvPr id="53" name="TextBox 52">
-            <a:extLst>
-              <a:ext uri="{FF2B5EF4-FFF2-40B4-BE49-F238E27FC236}">
-                <a16:creationId xmlns:a16="http://schemas.microsoft.com/office/drawing/2014/main" id="{8005C4F6-9872-4182-83D0-86FADB20DDA3}"/>
+          <p:cNvPr id="15" name="TextBox 14">
+            <a:extLst>
+              <a:ext uri="{FF2B5EF4-FFF2-40B4-BE49-F238E27FC236}">
+                <a16:creationId xmlns:a16="http://schemas.microsoft.com/office/drawing/2014/main" id="{6BC87C35-B380-46A9-A62F-7D8B705E8CEE}"/>
               </a:ext>
             </a:extLst>
           </p:cNvPr>
@@ -3514,10 +3515,10 @@
       </p:sp>
       <p:sp>
         <p:nvSpPr>
-          <p:cNvPr id="54" name="TextBox 53">
-            <a:extLst>
-              <a:ext uri="{FF2B5EF4-FFF2-40B4-BE49-F238E27FC236}">
-                <a16:creationId xmlns:a16="http://schemas.microsoft.com/office/drawing/2014/main" id="{4DC542E6-31E6-4BE0-B016-6AFC37416E25}"/>
+          <p:cNvPr id="16" name="TextBox 15">
+            <a:extLst>
+              <a:ext uri="{FF2B5EF4-FFF2-40B4-BE49-F238E27FC236}">
+                <a16:creationId xmlns:a16="http://schemas.microsoft.com/office/drawing/2014/main" id="{C9155CC2-779D-4DF7-A94C-1CF6280B5874}"/>
               </a:ext>
             </a:extLst>
           </p:cNvPr>
@@ -3554,10 +3555,10 @@
       </p:sp>
       <p:sp>
         <p:nvSpPr>
-          <p:cNvPr id="55" name="TextBox 54">
-            <a:extLst>
-              <a:ext uri="{FF2B5EF4-FFF2-40B4-BE49-F238E27FC236}">
-                <a16:creationId xmlns:a16="http://schemas.microsoft.com/office/drawing/2014/main" id="{B6CBD337-62BA-4A65-A4A7-3A0C35A6B8C0}"/>
+          <p:cNvPr id="17" name="TextBox 16">
+            <a:extLst>
+              <a:ext uri="{FF2B5EF4-FFF2-40B4-BE49-F238E27FC236}">
+                <a16:creationId xmlns:a16="http://schemas.microsoft.com/office/drawing/2014/main" id="{B98130A1-7E3D-42EC-877F-7A0F4A3D9D16}"/>
               </a:ext>
             </a:extLst>
           </p:cNvPr>
@@ -3594,10 +3595,10 @@
       </p:sp>
       <p:sp>
         <p:nvSpPr>
-          <p:cNvPr id="56" name="Rectangle 55">
-            <a:extLst>
-              <a:ext uri="{FF2B5EF4-FFF2-40B4-BE49-F238E27FC236}">
-                <a16:creationId xmlns:a16="http://schemas.microsoft.com/office/drawing/2014/main" id="{85B5C161-9FB5-4188-A97A-54035336CB0C}"/>
+          <p:cNvPr id="18" name="Rectangle 17">
+            <a:extLst>
+              <a:ext uri="{FF2B5EF4-FFF2-40B4-BE49-F238E27FC236}">
+                <a16:creationId xmlns:a16="http://schemas.microsoft.com/office/drawing/2014/main" id="{E69E6810-D5CE-4C09-A762-F612E57E5118}"/>
               </a:ext>
             </a:extLst>
           </p:cNvPr>
@@ -3643,10 +3644,10 @@
       </p:sp>
       <p:sp>
         <p:nvSpPr>
-          <p:cNvPr id="57" name="Rectangle 56">
-            <a:extLst>
-              <a:ext uri="{FF2B5EF4-FFF2-40B4-BE49-F238E27FC236}">
-                <a16:creationId xmlns:a16="http://schemas.microsoft.com/office/drawing/2014/main" id="{A27EF1F6-C341-4F4E-9739-FE1040C52DD7}"/>
+          <p:cNvPr id="19" name="Rectangle 18">
+            <a:extLst>
+              <a:ext uri="{FF2B5EF4-FFF2-40B4-BE49-F238E27FC236}">
+                <a16:creationId xmlns:a16="http://schemas.microsoft.com/office/drawing/2014/main" id="{51942AF8-BBC5-4930-B030-4D79D8F885FC}"/>
               </a:ext>
             </a:extLst>
           </p:cNvPr>
@@ -3692,10 +3693,10 @@
       </p:sp>
       <p:sp>
         <p:nvSpPr>
-          <p:cNvPr id="58" name="Rectangle 57">
-            <a:extLst>
-              <a:ext uri="{FF2B5EF4-FFF2-40B4-BE49-F238E27FC236}">
-                <a16:creationId xmlns:a16="http://schemas.microsoft.com/office/drawing/2014/main" id="{9BF53DBD-18E0-43B4-9FE6-1E803E30E5FB}"/>
+          <p:cNvPr id="20" name="Rectangle 19">
+            <a:extLst>
+              <a:ext uri="{FF2B5EF4-FFF2-40B4-BE49-F238E27FC236}">
+                <a16:creationId xmlns:a16="http://schemas.microsoft.com/office/drawing/2014/main" id="{7CA227F4-7A7B-4EE8-80F9-CA523AD0CC06}"/>
               </a:ext>
             </a:extLst>
           </p:cNvPr>
@@ -3741,17 +3742,17 @@
       </p:sp>
       <p:cxnSp>
         <p:nvCxnSpPr>
-          <p:cNvPr id="59" name="Connector: Curved 58">
-            <a:extLst>
-              <a:ext uri="{FF2B5EF4-FFF2-40B4-BE49-F238E27FC236}">
-                <a16:creationId xmlns:a16="http://schemas.microsoft.com/office/drawing/2014/main" id="{46571FD9-4E0A-45B0-86E5-96D336AF8779}"/>
+          <p:cNvPr id="21" name="Connector: Curved 20">
+            <a:extLst>
+              <a:ext uri="{FF2B5EF4-FFF2-40B4-BE49-F238E27FC236}">
+                <a16:creationId xmlns:a16="http://schemas.microsoft.com/office/drawing/2014/main" id="{40F379C9-94AC-4971-943F-14CC75EC2496}"/>
               </a:ext>
             </a:extLst>
           </p:cNvPr>
           <p:cNvCxnSpPr>
             <a:cxnSpLocks/>
-            <a:stCxn id="57" idx="2"/>
-            <a:endCxn id="42" idx="0"/>
+            <a:stCxn id="19" idx="2"/>
+            <a:endCxn id="4" idx="0"/>
           </p:cNvCxnSpPr>
           <p:nvPr/>
         </p:nvCxnSpPr>
@@ -3790,17 +3791,17 @@
       </p:cxnSp>
       <p:cxnSp>
         <p:nvCxnSpPr>
-          <p:cNvPr id="60" name="Connector: Curved 59">
-            <a:extLst>
-              <a:ext uri="{FF2B5EF4-FFF2-40B4-BE49-F238E27FC236}">
-                <a16:creationId xmlns:a16="http://schemas.microsoft.com/office/drawing/2014/main" id="{9733B157-ED31-4C21-B614-A73AC6366161}"/>
+          <p:cNvPr id="22" name="Connector: Curved 21">
+            <a:extLst>
+              <a:ext uri="{FF2B5EF4-FFF2-40B4-BE49-F238E27FC236}">
+                <a16:creationId xmlns:a16="http://schemas.microsoft.com/office/drawing/2014/main" id="{9F154250-0EF5-49F7-BCDE-2CFD5576E63E}"/>
               </a:ext>
             </a:extLst>
           </p:cNvPr>
           <p:cNvCxnSpPr>
             <a:cxnSpLocks/>
-            <a:stCxn id="56" idx="2"/>
-            <a:endCxn id="43" idx="0"/>
+            <a:stCxn id="18" idx="2"/>
+            <a:endCxn id="5" idx="0"/>
           </p:cNvCxnSpPr>
           <p:nvPr/>
         </p:nvCxnSpPr>
@@ -3839,17 +3840,17 @@
       </p:cxnSp>
       <p:cxnSp>
         <p:nvCxnSpPr>
-          <p:cNvPr id="61" name="Connector: Curved 60">
-            <a:extLst>
-              <a:ext uri="{FF2B5EF4-FFF2-40B4-BE49-F238E27FC236}">
-                <a16:creationId xmlns:a16="http://schemas.microsoft.com/office/drawing/2014/main" id="{9EED012D-6415-487E-8F11-8B8006ECFF69}"/>
+          <p:cNvPr id="23" name="Connector: Curved 22">
+            <a:extLst>
+              <a:ext uri="{FF2B5EF4-FFF2-40B4-BE49-F238E27FC236}">
+                <a16:creationId xmlns:a16="http://schemas.microsoft.com/office/drawing/2014/main" id="{52433066-ADCB-452B-83E4-F38EE3FFB70A}"/>
               </a:ext>
             </a:extLst>
           </p:cNvPr>
           <p:cNvCxnSpPr>
             <a:cxnSpLocks/>
-            <a:stCxn id="58" idx="2"/>
-            <a:endCxn id="44" idx="0"/>
+            <a:stCxn id="20" idx="2"/>
+            <a:endCxn id="6" idx="0"/>
           </p:cNvCxnSpPr>
           <p:nvPr/>
         </p:nvCxnSpPr>
@@ -3888,10 +3889,10 @@
       </p:cxnSp>
       <p:sp>
         <p:nvSpPr>
-          <p:cNvPr id="62" name="TextBox 61">
-            <a:extLst>
-              <a:ext uri="{FF2B5EF4-FFF2-40B4-BE49-F238E27FC236}">
-                <a16:creationId xmlns:a16="http://schemas.microsoft.com/office/drawing/2014/main" id="{BC0CD506-75CD-4ED4-BFEB-4338F845E72E}"/>
+          <p:cNvPr id="24" name="TextBox 23">
+            <a:extLst>
+              <a:ext uri="{FF2B5EF4-FFF2-40B4-BE49-F238E27FC236}">
+                <a16:creationId xmlns:a16="http://schemas.microsoft.com/office/drawing/2014/main" id="{CFD0D517-A20E-4E04-8755-FAE3CAEBFA8A}"/>
               </a:ext>
             </a:extLst>
           </p:cNvPr>
@@ -3928,10 +3929,10 @@
       </p:sp>
       <p:sp>
         <p:nvSpPr>
-          <p:cNvPr id="63" name="TextBox 62">
-            <a:extLst>
-              <a:ext uri="{FF2B5EF4-FFF2-40B4-BE49-F238E27FC236}">
-                <a16:creationId xmlns:a16="http://schemas.microsoft.com/office/drawing/2014/main" id="{A28695C8-58BD-4340-8B94-8747C68E1453}"/>
+          <p:cNvPr id="25" name="TextBox 24">
+            <a:extLst>
+              <a:ext uri="{FF2B5EF4-FFF2-40B4-BE49-F238E27FC236}">
+                <a16:creationId xmlns:a16="http://schemas.microsoft.com/office/drawing/2014/main" id="{3F68AA98-4B6E-4070-944B-BF25CA77BEE1}"/>
               </a:ext>
             </a:extLst>
           </p:cNvPr>
@@ -3968,10 +3969,10 @@
       </p:sp>
       <p:sp>
         <p:nvSpPr>
-          <p:cNvPr id="64" name="TextBox 63">
-            <a:extLst>
-              <a:ext uri="{FF2B5EF4-FFF2-40B4-BE49-F238E27FC236}">
-                <a16:creationId xmlns:a16="http://schemas.microsoft.com/office/drawing/2014/main" id="{E1D058D9-B740-4627-BCBB-5087EE14C670}"/>
+          <p:cNvPr id="26" name="TextBox 25">
+            <a:extLst>
+              <a:ext uri="{FF2B5EF4-FFF2-40B4-BE49-F238E27FC236}">
+                <a16:creationId xmlns:a16="http://schemas.microsoft.com/office/drawing/2014/main" id="{E4E919D3-0B82-4382-BC51-A0CF6CA3AAF1}"/>
               </a:ext>
             </a:extLst>
           </p:cNvPr>
@@ -4010,10 +4011,10 @@
       </p:sp>
       <p:sp>
         <p:nvSpPr>
-          <p:cNvPr id="65" name="TextBox 64">
-            <a:extLst>
-              <a:ext uri="{FF2B5EF4-FFF2-40B4-BE49-F238E27FC236}">
-                <a16:creationId xmlns:a16="http://schemas.microsoft.com/office/drawing/2014/main" id="{04FD2A20-A345-48AC-8D4B-6150EA30668E}"/>
+          <p:cNvPr id="27" name="TextBox 26">
+            <a:extLst>
+              <a:ext uri="{FF2B5EF4-FFF2-40B4-BE49-F238E27FC236}">
+                <a16:creationId xmlns:a16="http://schemas.microsoft.com/office/drawing/2014/main" id="{EFBAF33A-E8BE-4514-8106-DE29E86CC30E}"/>
               </a:ext>
             </a:extLst>
           </p:cNvPr>
@@ -4050,10 +4051,10 @@
       </p:sp>
       <p:sp>
         <p:nvSpPr>
-          <p:cNvPr id="66" name="TextBox 65">
-            <a:extLst>
-              <a:ext uri="{FF2B5EF4-FFF2-40B4-BE49-F238E27FC236}">
-                <a16:creationId xmlns:a16="http://schemas.microsoft.com/office/drawing/2014/main" id="{B36ADDBA-EF52-419C-AB75-2F1CE01B44C3}"/>
+          <p:cNvPr id="28" name="TextBox 27">
+            <a:extLst>
+              <a:ext uri="{FF2B5EF4-FFF2-40B4-BE49-F238E27FC236}">
+                <a16:creationId xmlns:a16="http://schemas.microsoft.com/office/drawing/2014/main" id="{348B0715-21C8-4DCC-B2F0-C12E7FBCA395}"/>
               </a:ext>
             </a:extLst>
           </p:cNvPr>
@@ -4087,10 +4088,10 @@
       </p:sp>
       <p:sp>
         <p:nvSpPr>
-          <p:cNvPr id="67" name="Rectangle 66">
-            <a:extLst>
-              <a:ext uri="{FF2B5EF4-FFF2-40B4-BE49-F238E27FC236}">
-                <a16:creationId xmlns:a16="http://schemas.microsoft.com/office/drawing/2014/main" id="{3AD02006-0704-44ED-9677-1773F7369251}"/>
+          <p:cNvPr id="29" name="Rectangle 28">
+            <a:extLst>
+              <a:ext uri="{FF2B5EF4-FFF2-40B4-BE49-F238E27FC236}">
+                <a16:creationId xmlns:a16="http://schemas.microsoft.com/office/drawing/2014/main" id="{68B74BD2-6790-4B13-ABDC-2C969880D9C4}"/>
               </a:ext>
             </a:extLst>
           </p:cNvPr>
@@ -4136,17 +4137,17 @@
       </p:sp>
       <p:cxnSp>
         <p:nvCxnSpPr>
-          <p:cNvPr id="68" name="Connector: Curved 67">
-            <a:extLst>
-              <a:ext uri="{FF2B5EF4-FFF2-40B4-BE49-F238E27FC236}">
-                <a16:creationId xmlns:a16="http://schemas.microsoft.com/office/drawing/2014/main" id="{CDF11AD1-9A9E-4B10-8BC1-3D5B65A12EC6}"/>
+          <p:cNvPr id="30" name="Connector: Curved 29">
+            <a:extLst>
+              <a:ext uri="{FF2B5EF4-FFF2-40B4-BE49-F238E27FC236}">
+                <a16:creationId xmlns:a16="http://schemas.microsoft.com/office/drawing/2014/main" id="{7F3E954F-D6B0-4C44-99FF-C6E00185D29D}"/>
               </a:ext>
             </a:extLst>
           </p:cNvPr>
           <p:cNvCxnSpPr>
             <a:cxnSpLocks/>
-            <a:stCxn id="67" idx="0"/>
-            <a:endCxn id="44" idx="2"/>
+            <a:stCxn id="29" idx="0"/>
+            <a:endCxn id="6" idx="2"/>
           </p:cNvCxnSpPr>
           <p:nvPr/>
         </p:nvCxnSpPr>
@@ -4185,10 +4186,10 @@
       </p:cxnSp>
       <p:sp>
         <p:nvSpPr>
-          <p:cNvPr id="69" name="TextBox 68">
-            <a:extLst>
-              <a:ext uri="{FF2B5EF4-FFF2-40B4-BE49-F238E27FC236}">
-                <a16:creationId xmlns:a16="http://schemas.microsoft.com/office/drawing/2014/main" id="{9BF59DCA-F7AE-4C96-AAA1-ECEEC76A89F5}"/>
+          <p:cNvPr id="31" name="TextBox 30">
+            <a:extLst>
+              <a:ext uri="{FF2B5EF4-FFF2-40B4-BE49-F238E27FC236}">
+                <a16:creationId xmlns:a16="http://schemas.microsoft.com/office/drawing/2014/main" id="{F1CD3175-BC26-4116-977A-A175BD0D0EE9}"/>
               </a:ext>
             </a:extLst>
           </p:cNvPr>
@@ -4225,10 +4226,10 @@
       </p:sp>
       <p:sp>
         <p:nvSpPr>
-          <p:cNvPr id="70" name="TextBox 69">
-            <a:extLst>
-              <a:ext uri="{FF2B5EF4-FFF2-40B4-BE49-F238E27FC236}">
-                <a16:creationId xmlns:a16="http://schemas.microsoft.com/office/drawing/2014/main" id="{BC12FAEA-DB20-48F2-9826-F3EC08DB8481}"/>
+          <p:cNvPr id="32" name="TextBox 31">
+            <a:extLst>
+              <a:ext uri="{FF2B5EF4-FFF2-40B4-BE49-F238E27FC236}">
+                <a16:creationId xmlns:a16="http://schemas.microsoft.com/office/drawing/2014/main" id="{D30A1309-11A7-4AD9-B706-734B0BBECBFF}"/>
               </a:ext>
             </a:extLst>
           </p:cNvPr>
@@ -4267,17 +4268,17 @@
       </p:sp>
       <p:cxnSp>
         <p:nvCxnSpPr>
-          <p:cNvPr id="71" name="Connector: Curved 70">
-            <a:extLst>
-              <a:ext uri="{FF2B5EF4-FFF2-40B4-BE49-F238E27FC236}">
-                <a16:creationId xmlns:a16="http://schemas.microsoft.com/office/drawing/2014/main" id="{F56AE59B-2E1B-4EB7-9206-66856709525F}"/>
+          <p:cNvPr id="33" name="Connector: Curved 32">
+            <a:extLst>
+              <a:ext uri="{FF2B5EF4-FFF2-40B4-BE49-F238E27FC236}">
+                <a16:creationId xmlns:a16="http://schemas.microsoft.com/office/drawing/2014/main" id="{560D5A42-E752-4B2B-B42E-E2C015AEEF0A}"/>
               </a:ext>
             </a:extLst>
           </p:cNvPr>
           <p:cNvCxnSpPr>
             <a:cxnSpLocks/>
-            <a:stCxn id="42" idx="2"/>
-            <a:endCxn id="72" idx="0"/>
+            <a:stCxn id="4" idx="2"/>
+            <a:endCxn id="34" idx="0"/>
           </p:cNvCxnSpPr>
           <p:nvPr/>
         </p:nvCxnSpPr>
@@ -4316,10 +4317,10 @@
       </p:cxnSp>
       <p:sp>
         <p:nvSpPr>
-          <p:cNvPr id="72" name="Rectangle 71">
-            <a:extLst>
-              <a:ext uri="{FF2B5EF4-FFF2-40B4-BE49-F238E27FC236}">
-                <a16:creationId xmlns:a16="http://schemas.microsoft.com/office/drawing/2014/main" id="{EC65EA16-1B84-43C3-8E67-0B04E9289972}"/>
+          <p:cNvPr id="34" name="Rectangle 33">
+            <a:extLst>
+              <a:ext uri="{FF2B5EF4-FFF2-40B4-BE49-F238E27FC236}">
+                <a16:creationId xmlns:a16="http://schemas.microsoft.com/office/drawing/2014/main" id="{28992CD1-FAB0-4203-A894-FDC19DD6F24B}"/>
               </a:ext>
             </a:extLst>
           </p:cNvPr>
@@ -4365,10 +4366,10 @@
       </p:sp>
       <p:sp>
         <p:nvSpPr>
-          <p:cNvPr id="73" name="TextBox 72">
-            <a:extLst>
-              <a:ext uri="{FF2B5EF4-FFF2-40B4-BE49-F238E27FC236}">
-                <a16:creationId xmlns:a16="http://schemas.microsoft.com/office/drawing/2014/main" id="{A6CD1974-A8E0-4281-9E94-536D6E87046E}"/>
+          <p:cNvPr id="35" name="TextBox 34">
+            <a:extLst>
+              <a:ext uri="{FF2B5EF4-FFF2-40B4-BE49-F238E27FC236}">
+                <a16:creationId xmlns:a16="http://schemas.microsoft.com/office/drawing/2014/main" id="{AE523268-C556-417A-AF7E-0187AD62B823}"/>
               </a:ext>
             </a:extLst>
           </p:cNvPr>
@@ -4410,10 +4411,10 @@
       </p:sp>
       <p:sp>
         <p:nvSpPr>
-          <p:cNvPr id="74" name="Arc 73">
-            <a:extLst>
-              <a:ext uri="{FF2B5EF4-FFF2-40B4-BE49-F238E27FC236}">
-                <a16:creationId xmlns:a16="http://schemas.microsoft.com/office/drawing/2014/main" id="{F361C3C9-3891-4594-882B-A0F7AE167291}"/>
+          <p:cNvPr id="36" name="Arc 35">
+            <a:extLst>
+              <a:ext uri="{FF2B5EF4-FFF2-40B4-BE49-F238E27FC236}">
+                <a16:creationId xmlns:a16="http://schemas.microsoft.com/office/drawing/2014/main" id="{32951E5E-9B41-4A28-9C9D-DDC1433BCFF4}"/>
               </a:ext>
             </a:extLst>
           </p:cNvPr>
@@ -4464,10 +4465,10 @@
       </p:sp>
       <p:sp>
         <p:nvSpPr>
-          <p:cNvPr id="75" name="TextBox 74">
-            <a:extLst>
-              <a:ext uri="{FF2B5EF4-FFF2-40B4-BE49-F238E27FC236}">
-                <a16:creationId xmlns:a16="http://schemas.microsoft.com/office/drawing/2014/main" id="{F36B0B22-8A60-4EF2-AD61-8802BBF2F5C9}"/>
+          <p:cNvPr id="37" name="TextBox 36">
+            <a:extLst>
+              <a:ext uri="{FF2B5EF4-FFF2-40B4-BE49-F238E27FC236}">
+                <a16:creationId xmlns:a16="http://schemas.microsoft.com/office/drawing/2014/main" id="{064AE98E-DB85-4CF9-91D2-40572364D9FC}"/>
               </a:ext>
             </a:extLst>
           </p:cNvPr>
@@ -4504,10 +4505,10 @@
       </p:sp>
       <p:sp>
         <p:nvSpPr>
-          <p:cNvPr id="76" name="Arc 75">
-            <a:extLst>
-              <a:ext uri="{FF2B5EF4-FFF2-40B4-BE49-F238E27FC236}">
-                <a16:creationId xmlns:a16="http://schemas.microsoft.com/office/drawing/2014/main" id="{5AECFF2D-A488-447D-8426-A7E4FF009760}"/>
+          <p:cNvPr id="38" name="Arc 37">
+            <a:extLst>
+              <a:ext uri="{FF2B5EF4-FFF2-40B4-BE49-F238E27FC236}">
+                <a16:creationId xmlns:a16="http://schemas.microsoft.com/office/drawing/2014/main" id="{B031DC51-3192-4BF7-A175-874966AD8FE1}"/>
               </a:ext>
             </a:extLst>
           </p:cNvPr>
@@ -4558,10 +4559,10 @@
       </p:sp>
       <p:sp>
         <p:nvSpPr>
-          <p:cNvPr id="77" name="TextBox 76">
-            <a:extLst>
-              <a:ext uri="{FF2B5EF4-FFF2-40B4-BE49-F238E27FC236}">
-                <a16:creationId xmlns:a16="http://schemas.microsoft.com/office/drawing/2014/main" id="{F46E083C-1ABC-4B55-B126-63AA9D55B2BE}"/>
+          <p:cNvPr id="39" name="TextBox 38">
+            <a:extLst>
+              <a:ext uri="{FF2B5EF4-FFF2-40B4-BE49-F238E27FC236}">
+                <a16:creationId xmlns:a16="http://schemas.microsoft.com/office/drawing/2014/main" id="{900D3F72-9EA4-439A-A6A6-1D7B9649D78F}"/>
               </a:ext>
             </a:extLst>
           </p:cNvPr>
@@ -4600,10 +4601,10 @@
       </p:sp>
       <p:sp>
         <p:nvSpPr>
-          <p:cNvPr id="78" name="TextBox 77">
-            <a:extLst>
-              <a:ext uri="{FF2B5EF4-FFF2-40B4-BE49-F238E27FC236}">
-                <a16:creationId xmlns:a16="http://schemas.microsoft.com/office/drawing/2014/main" id="{1632B4CF-8F7A-4F0F-89DA-82E4DC67136C}"/>
+          <p:cNvPr id="40" name="TextBox 39">
+            <a:extLst>
+              <a:ext uri="{FF2B5EF4-FFF2-40B4-BE49-F238E27FC236}">
+                <a16:creationId xmlns:a16="http://schemas.microsoft.com/office/drawing/2014/main" id="{C3B71853-49CF-4AF1-B30D-6C9844A2D8C2}"/>
               </a:ext>
             </a:extLst>
           </p:cNvPr>
@@ -4645,10 +4646,10 @@
       </p:sp>
       <p:sp>
         <p:nvSpPr>
-          <p:cNvPr id="79" name="TextBox 78">
-            <a:extLst>
-              <a:ext uri="{FF2B5EF4-FFF2-40B4-BE49-F238E27FC236}">
-                <a16:creationId xmlns:a16="http://schemas.microsoft.com/office/drawing/2014/main" id="{0D30A92A-A891-47A4-8761-92AF7DA9D583}"/>
+          <p:cNvPr id="41" name="TextBox 40">
+            <a:extLst>
+              <a:ext uri="{FF2B5EF4-FFF2-40B4-BE49-F238E27FC236}">
+                <a16:creationId xmlns:a16="http://schemas.microsoft.com/office/drawing/2014/main" id="{7B7CA1AB-CE98-46BC-BD28-FE1EE626CCC1}"/>
               </a:ext>
             </a:extLst>
           </p:cNvPr>
@@ -4687,10 +4688,10 @@
       </p:sp>
       <p:sp>
         <p:nvSpPr>
-          <p:cNvPr id="80" name="TextBox 79">
-            <a:extLst>
-              <a:ext uri="{FF2B5EF4-FFF2-40B4-BE49-F238E27FC236}">
-                <a16:creationId xmlns:a16="http://schemas.microsoft.com/office/drawing/2014/main" id="{C36A4AE0-3E70-4F25-8150-C43794306DDC}"/>
+          <p:cNvPr id="42" name="TextBox 41">
+            <a:extLst>
+              <a:ext uri="{FF2B5EF4-FFF2-40B4-BE49-F238E27FC236}">
+                <a16:creationId xmlns:a16="http://schemas.microsoft.com/office/drawing/2014/main" id="{39F37984-0AC4-4FD0-A081-506C6BBEF6B5}"/>
               </a:ext>
             </a:extLst>
           </p:cNvPr>
@@ -4719,17 +4720,2448 @@
           <a:lstStyle/>
           <a:p>
             <a:r>
-              <a:rPr lang="en-US" sz="1600" dirty="0" err="1"/>
+              <a:rPr lang="en-US" sz="1600" dirty="0"/>
               <a:t>merge_dfs</a:t>
             </a:r>
-            <a:endParaRPr lang="en-US" sz="1600" dirty="0"/>
           </a:p>
         </p:txBody>
       </p:sp>
     </p:spTree>
     <p:extLst>
       <p:ext uri="{BB962C8B-B14F-4D97-AF65-F5344CB8AC3E}">
-        <p14:creationId xmlns:p14="http://schemas.microsoft.com/office/powerpoint/2010/main" val="2335036859"/>
+        <p14:creationId xmlns:p14="http://schemas.microsoft.com/office/powerpoint/2010/main" val="917755511"/>
+      </p:ext>
+    </p:extLst>
+  </p:cSld>
+  <p:clrMapOvr>
+    <a:masterClrMapping/>
+  </p:clrMapOvr>
+</p:sld>
+</file>
+
+<file path=ppt/slides/slide2.xml><?xml version="1.0" encoding="utf-8"?>
+<p:sld xmlns:a="http://schemas.openxmlformats.org/drawingml/2006/main" xmlns:r="http://schemas.openxmlformats.org/officeDocument/2006/relationships" xmlns:p="http://schemas.openxmlformats.org/presentationml/2006/main">
+  <p:cSld>
+    <p:spTree>
+      <p:nvGrpSpPr>
+        <p:cNvPr id="1" name=""/>
+        <p:cNvGrpSpPr/>
+        <p:nvPr/>
+      </p:nvGrpSpPr>
+      <p:grpSpPr>
+        <a:xfrm>
+          <a:off x="0" y="0"/>
+          <a:ext cx="0" cy="0"/>
+          <a:chOff x="0" y="0"/>
+          <a:chExt cx="0" cy="0"/>
+        </a:xfrm>
+      </p:grpSpPr>
+      <p:sp>
+        <p:nvSpPr>
+          <p:cNvPr id="4" name="Freeform: Shape 3">
+            <a:extLst>
+              <a:ext uri="{FF2B5EF4-FFF2-40B4-BE49-F238E27FC236}">
+                <a16:creationId xmlns:a16="http://schemas.microsoft.com/office/drawing/2014/main" id="{F036416F-18DD-4ABE-A67A-577AE65B826C}"/>
+              </a:ext>
+            </a:extLst>
+          </p:cNvPr>
+          <p:cNvSpPr/>
+          <p:nvPr/>
+        </p:nvSpPr>
+        <p:spPr>
+          <a:xfrm>
+            <a:off x="436080" y="84910"/>
+            <a:ext cx="6343650" cy="3429000"/>
+          </a:xfrm>
+          <a:custGeom>
+            <a:avLst/>
+            <a:gdLst>
+              <a:gd name="connsiteX0" fmla="*/ 22860 w 6366510"/>
+              <a:gd name="connsiteY0" fmla="*/ 0 h 3840480"/>
+              <a:gd name="connsiteX1" fmla="*/ 0 w 6366510"/>
+              <a:gd name="connsiteY1" fmla="*/ 3840480 h 3840480"/>
+              <a:gd name="connsiteX2" fmla="*/ 6366510 w 6366510"/>
+              <a:gd name="connsiteY2" fmla="*/ 3829050 h 3840480"/>
+              <a:gd name="connsiteX3" fmla="*/ 6355080 w 6366510"/>
+              <a:gd name="connsiteY3" fmla="*/ 2148840 h 3840480"/>
+              <a:gd name="connsiteX4" fmla="*/ 3783330 w 6366510"/>
+              <a:gd name="connsiteY4" fmla="*/ 2171700 h 3840480"/>
+              <a:gd name="connsiteX5" fmla="*/ 3771900 w 6366510"/>
+              <a:gd name="connsiteY5" fmla="*/ 0 h 3840480"/>
+              <a:gd name="connsiteX6" fmla="*/ 22860 w 6366510"/>
+              <a:gd name="connsiteY6" fmla="*/ 0 h 3840480"/>
+              <a:gd name="connsiteX0" fmla="*/ 11430 w 6366510"/>
+              <a:gd name="connsiteY0" fmla="*/ 0 h 3840480"/>
+              <a:gd name="connsiteX1" fmla="*/ 0 w 6366510"/>
+              <a:gd name="connsiteY1" fmla="*/ 3840480 h 3840480"/>
+              <a:gd name="connsiteX2" fmla="*/ 6366510 w 6366510"/>
+              <a:gd name="connsiteY2" fmla="*/ 3829050 h 3840480"/>
+              <a:gd name="connsiteX3" fmla="*/ 6355080 w 6366510"/>
+              <a:gd name="connsiteY3" fmla="*/ 2148840 h 3840480"/>
+              <a:gd name="connsiteX4" fmla="*/ 3783330 w 6366510"/>
+              <a:gd name="connsiteY4" fmla="*/ 2171700 h 3840480"/>
+              <a:gd name="connsiteX5" fmla="*/ 3771900 w 6366510"/>
+              <a:gd name="connsiteY5" fmla="*/ 0 h 3840480"/>
+              <a:gd name="connsiteX6" fmla="*/ 11430 w 6366510"/>
+              <a:gd name="connsiteY6" fmla="*/ 0 h 3840480"/>
+              <a:gd name="connsiteX0" fmla="*/ 11430 w 6366510"/>
+              <a:gd name="connsiteY0" fmla="*/ 0 h 3840480"/>
+              <a:gd name="connsiteX1" fmla="*/ 0 w 6366510"/>
+              <a:gd name="connsiteY1" fmla="*/ 3840480 h 3840480"/>
+              <a:gd name="connsiteX2" fmla="*/ 6366510 w 6366510"/>
+              <a:gd name="connsiteY2" fmla="*/ 3829050 h 3840480"/>
+              <a:gd name="connsiteX3" fmla="*/ 6195060 w 6366510"/>
+              <a:gd name="connsiteY3" fmla="*/ 2125980 h 3840480"/>
+              <a:gd name="connsiteX4" fmla="*/ 3783330 w 6366510"/>
+              <a:gd name="connsiteY4" fmla="*/ 2171700 h 3840480"/>
+              <a:gd name="connsiteX5" fmla="*/ 3771900 w 6366510"/>
+              <a:gd name="connsiteY5" fmla="*/ 0 h 3840480"/>
+              <a:gd name="connsiteX6" fmla="*/ 11430 w 6366510"/>
+              <a:gd name="connsiteY6" fmla="*/ 0 h 3840480"/>
+              <a:gd name="connsiteX0" fmla="*/ 11430 w 6195060"/>
+              <a:gd name="connsiteY0" fmla="*/ 0 h 3840480"/>
+              <a:gd name="connsiteX1" fmla="*/ 0 w 6195060"/>
+              <a:gd name="connsiteY1" fmla="*/ 3840480 h 3840480"/>
+              <a:gd name="connsiteX2" fmla="*/ 6183630 w 6195060"/>
+              <a:gd name="connsiteY2" fmla="*/ 3829050 h 3840480"/>
+              <a:gd name="connsiteX3" fmla="*/ 6195060 w 6195060"/>
+              <a:gd name="connsiteY3" fmla="*/ 2125980 h 3840480"/>
+              <a:gd name="connsiteX4" fmla="*/ 3783330 w 6195060"/>
+              <a:gd name="connsiteY4" fmla="*/ 2171700 h 3840480"/>
+              <a:gd name="connsiteX5" fmla="*/ 3771900 w 6195060"/>
+              <a:gd name="connsiteY5" fmla="*/ 0 h 3840480"/>
+              <a:gd name="connsiteX6" fmla="*/ 11430 w 6195060"/>
+              <a:gd name="connsiteY6" fmla="*/ 0 h 3840480"/>
+              <a:gd name="connsiteX0" fmla="*/ 11430 w 6275070"/>
+              <a:gd name="connsiteY0" fmla="*/ 0 h 3840480"/>
+              <a:gd name="connsiteX1" fmla="*/ 0 w 6275070"/>
+              <a:gd name="connsiteY1" fmla="*/ 3840480 h 3840480"/>
+              <a:gd name="connsiteX2" fmla="*/ 6183630 w 6275070"/>
+              <a:gd name="connsiteY2" fmla="*/ 3829050 h 3840480"/>
+              <a:gd name="connsiteX3" fmla="*/ 6275070 w 6275070"/>
+              <a:gd name="connsiteY3" fmla="*/ 2183130 h 3840480"/>
+              <a:gd name="connsiteX4" fmla="*/ 3783330 w 6275070"/>
+              <a:gd name="connsiteY4" fmla="*/ 2171700 h 3840480"/>
+              <a:gd name="connsiteX5" fmla="*/ 3771900 w 6275070"/>
+              <a:gd name="connsiteY5" fmla="*/ 0 h 3840480"/>
+              <a:gd name="connsiteX6" fmla="*/ 11430 w 6275070"/>
+              <a:gd name="connsiteY6" fmla="*/ 0 h 3840480"/>
+              <a:gd name="connsiteX0" fmla="*/ 11430 w 6229350"/>
+              <a:gd name="connsiteY0" fmla="*/ 0 h 3840480"/>
+              <a:gd name="connsiteX1" fmla="*/ 0 w 6229350"/>
+              <a:gd name="connsiteY1" fmla="*/ 3840480 h 3840480"/>
+              <a:gd name="connsiteX2" fmla="*/ 6183630 w 6229350"/>
+              <a:gd name="connsiteY2" fmla="*/ 3829050 h 3840480"/>
+              <a:gd name="connsiteX3" fmla="*/ 6229350 w 6229350"/>
+              <a:gd name="connsiteY3" fmla="*/ 2183130 h 3840480"/>
+              <a:gd name="connsiteX4" fmla="*/ 3783330 w 6229350"/>
+              <a:gd name="connsiteY4" fmla="*/ 2171700 h 3840480"/>
+              <a:gd name="connsiteX5" fmla="*/ 3771900 w 6229350"/>
+              <a:gd name="connsiteY5" fmla="*/ 0 h 3840480"/>
+              <a:gd name="connsiteX6" fmla="*/ 11430 w 6229350"/>
+              <a:gd name="connsiteY6" fmla="*/ 0 h 3840480"/>
+              <a:gd name="connsiteX0" fmla="*/ 11430 w 6252210"/>
+              <a:gd name="connsiteY0" fmla="*/ 0 h 3840480"/>
+              <a:gd name="connsiteX1" fmla="*/ 0 w 6252210"/>
+              <a:gd name="connsiteY1" fmla="*/ 3840480 h 3840480"/>
+              <a:gd name="connsiteX2" fmla="*/ 6252210 w 6252210"/>
+              <a:gd name="connsiteY2" fmla="*/ 3829050 h 3840480"/>
+              <a:gd name="connsiteX3" fmla="*/ 6229350 w 6252210"/>
+              <a:gd name="connsiteY3" fmla="*/ 2183130 h 3840480"/>
+              <a:gd name="connsiteX4" fmla="*/ 3783330 w 6252210"/>
+              <a:gd name="connsiteY4" fmla="*/ 2171700 h 3840480"/>
+              <a:gd name="connsiteX5" fmla="*/ 3771900 w 6252210"/>
+              <a:gd name="connsiteY5" fmla="*/ 0 h 3840480"/>
+              <a:gd name="connsiteX6" fmla="*/ 11430 w 6252210"/>
+              <a:gd name="connsiteY6" fmla="*/ 0 h 3840480"/>
+              <a:gd name="connsiteX0" fmla="*/ 11430 w 6229350"/>
+              <a:gd name="connsiteY0" fmla="*/ 0 h 3840480"/>
+              <a:gd name="connsiteX1" fmla="*/ 0 w 6229350"/>
+              <a:gd name="connsiteY1" fmla="*/ 3840480 h 3840480"/>
+              <a:gd name="connsiteX2" fmla="*/ 6217920 w 6229350"/>
+              <a:gd name="connsiteY2" fmla="*/ 3829050 h 3840480"/>
+              <a:gd name="connsiteX3" fmla="*/ 6229350 w 6229350"/>
+              <a:gd name="connsiteY3" fmla="*/ 2183130 h 3840480"/>
+              <a:gd name="connsiteX4" fmla="*/ 3783330 w 6229350"/>
+              <a:gd name="connsiteY4" fmla="*/ 2171700 h 3840480"/>
+              <a:gd name="connsiteX5" fmla="*/ 3771900 w 6229350"/>
+              <a:gd name="connsiteY5" fmla="*/ 0 h 3840480"/>
+              <a:gd name="connsiteX6" fmla="*/ 11430 w 6229350"/>
+              <a:gd name="connsiteY6" fmla="*/ 0 h 3840480"/>
+              <a:gd name="connsiteX0" fmla="*/ 11430 w 6252210"/>
+              <a:gd name="connsiteY0" fmla="*/ 0 h 3840480"/>
+              <a:gd name="connsiteX1" fmla="*/ 0 w 6252210"/>
+              <a:gd name="connsiteY1" fmla="*/ 3840480 h 3840480"/>
+              <a:gd name="connsiteX2" fmla="*/ 6217920 w 6252210"/>
+              <a:gd name="connsiteY2" fmla="*/ 3829050 h 3840480"/>
+              <a:gd name="connsiteX3" fmla="*/ 6252210 w 6252210"/>
+              <a:gd name="connsiteY3" fmla="*/ 2171700 h 3840480"/>
+              <a:gd name="connsiteX4" fmla="*/ 3783330 w 6252210"/>
+              <a:gd name="connsiteY4" fmla="*/ 2171700 h 3840480"/>
+              <a:gd name="connsiteX5" fmla="*/ 3771900 w 6252210"/>
+              <a:gd name="connsiteY5" fmla="*/ 0 h 3840480"/>
+              <a:gd name="connsiteX6" fmla="*/ 11430 w 6252210"/>
+              <a:gd name="connsiteY6" fmla="*/ 0 h 3840480"/>
+              <a:gd name="connsiteX0" fmla="*/ 11430 w 6252210"/>
+              <a:gd name="connsiteY0" fmla="*/ 0 h 3840480"/>
+              <a:gd name="connsiteX1" fmla="*/ 0 w 6252210"/>
+              <a:gd name="connsiteY1" fmla="*/ 3840480 h 3840480"/>
+              <a:gd name="connsiteX2" fmla="*/ 6229350 w 6252210"/>
+              <a:gd name="connsiteY2" fmla="*/ 3829050 h 3840480"/>
+              <a:gd name="connsiteX3" fmla="*/ 6252210 w 6252210"/>
+              <a:gd name="connsiteY3" fmla="*/ 2171700 h 3840480"/>
+              <a:gd name="connsiteX4" fmla="*/ 3783330 w 6252210"/>
+              <a:gd name="connsiteY4" fmla="*/ 2171700 h 3840480"/>
+              <a:gd name="connsiteX5" fmla="*/ 3771900 w 6252210"/>
+              <a:gd name="connsiteY5" fmla="*/ 0 h 3840480"/>
+              <a:gd name="connsiteX6" fmla="*/ 11430 w 6252210"/>
+              <a:gd name="connsiteY6" fmla="*/ 0 h 3840480"/>
+              <a:gd name="connsiteX0" fmla="*/ 11430 w 6252210"/>
+              <a:gd name="connsiteY0" fmla="*/ 0 h 3840480"/>
+              <a:gd name="connsiteX1" fmla="*/ 0 w 6252210"/>
+              <a:gd name="connsiteY1" fmla="*/ 3840480 h 3840480"/>
+              <a:gd name="connsiteX2" fmla="*/ 6240780 w 6252210"/>
+              <a:gd name="connsiteY2" fmla="*/ 3829050 h 3840480"/>
+              <a:gd name="connsiteX3" fmla="*/ 6252210 w 6252210"/>
+              <a:gd name="connsiteY3" fmla="*/ 2171700 h 3840480"/>
+              <a:gd name="connsiteX4" fmla="*/ 3783330 w 6252210"/>
+              <a:gd name="connsiteY4" fmla="*/ 2171700 h 3840480"/>
+              <a:gd name="connsiteX5" fmla="*/ 3771900 w 6252210"/>
+              <a:gd name="connsiteY5" fmla="*/ 0 h 3840480"/>
+              <a:gd name="connsiteX6" fmla="*/ 11430 w 6252210"/>
+              <a:gd name="connsiteY6" fmla="*/ 0 h 3840480"/>
+              <a:gd name="connsiteX0" fmla="*/ 11430 w 6252210"/>
+              <a:gd name="connsiteY0" fmla="*/ 0 h 3840480"/>
+              <a:gd name="connsiteX1" fmla="*/ 0 w 6252210"/>
+              <a:gd name="connsiteY1" fmla="*/ 3840480 h 3840480"/>
+              <a:gd name="connsiteX2" fmla="*/ 6252210 w 6252210"/>
+              <a:gd name="connsiteY2" fmla="*/ 3829050 h 3840480"/>
+              <a:gd name="connsiteX3" fmla="*/ 6252210 w 6252210"/>
+              <a:gd name="connsiteY3" fmla="*/ 2171700 h 3840480"/>
+              <a:gd name="connsiteX4" fmla="*/ 3783330 w 6252210"/>
+              <a:gd name="connsiteY4" fmla="*/ 2171700 h 3840480"/>
+              <a:gd name="connsiteX5" fmla="*/ 3771900 w 6252210"/>
+              <a:gd name="connsiteY5" fmla="*/ 0 h 3840480"/>
+              <a:gd name="connsiteX6" fmla="*/ 11430 w 6252210"/>
+              <a:gd name="connsiteY6" fmla="*/ 0 h 3840480"/>
+              <a:gd name="connsiteX0" fmla="*/ 11430 w 6252210"/>
+              <a:gd name="connsiteY0" fmla="*/ 0 h 3840480"/>
+              <a:gd name="connsiteX1" fmla="*/ 0 w 6252210"/>
+              <a:gd name="connsiteY1" fmla="*/ 3840480 h 3840480"/>
+              <a:gd name="connsiteX2" fmla="*/ 6252210 w 6252210"/>
+              <a:gd name="connsiteY2" fmla="*/ 3394710 h 3840480"/>
+              <a:gd name="connsiteX3" fmla="*/ 6252210 w 6252210"/>
+              <a:gd name="connsiteY3" fmla="*/ 2171700 h 3840480"/>
+              <a:gd name="connsiteX4" fmla="*/ 3783330 w 6252210"/>
+              <a:gd name="connsiteY4" fmla="*/ 2171700 h 3840480"/>
+              <a:gd name="connsiteX5" fmla="*/ 3771900 w 6252210"/>
+              <a:gd name="connsiteY5" fmla="*/ 0 h 3840480"/>
+              <a:gd name="connsiteX6" fmla="*/ 11430 w 6252210"/>
+              <a:gd name="connsiteY6" fmla="*/ 0 h 3840480"/>
+              <a:gd name="connsiteX0" fmla="*/ 11430 w 6252210"/>
+              <a:gd name="connsiteY0" fmla="*/ 0 h 3429000"/>
+              <a:gd name="connsiteX1" fmla="*/ 0 w 6252210"/>
+              <a:gd name="connsiteY1" fmla="*/ 3429000 h 3429000"/>
+              <a:gd name="connsiteX2" fmla="*/ 6252210 w 6252210"/>
+              <a:gd name="connsiteY2" fmla="*/ 3394710 h 3429000"/>
+              <a:gd name="connsiteX3" fmla="*/ 6252210 w 6252210"/>
+              <a:gd name="connsiteY3" fmla="*/ 2171700 h 3429000"/>
+              <a:gd name="connsiteX4" fmla="*/ 3783330 w 6252210"/>
+              <a:gd name="connsiteY4" fmla="*/ 2171700 h 3429000"/>
+              <a:gd name="connsiteX5" fmla="*/ 3771900 w 6252210"/>
+              <a:gd name="connsiteY5" fmla="*/ 0 h 3429000"/>
+              <a:gd name="connsiteX6" fmla="*/ 11430 w 6252210"/>
+              <a:gd name="connsiteY6" fmla="*/ 0 h 3429000"/>
+              <a:gd name="connsiteX0" fmla="*/ 11430 w 6343650"/>
+              <a:gd name="connsiteY0" fmla="*/ 0 h 3429000"/>
+              <a:gd name="connsiteX1" fmla="*/ 0 w 6343650"/>
+              <a:gd name="connsiteY1" fmla="*/ 3429000 h 3429000"/>
+              <a:gd name="connsiteX2" fmla="*/ 6252210 w 6343650"/>
+              <a:gd name="connsiteY2" fmla="*/ 3394710 h 3429000"/>
+              <a:gd name="connsiteX3" fmla="*/ 6343650 w 6343650"/>
+              <a:gd name="connsiteY3" fmla="*/ 2160270 h 3429000"/>
+              <a:gd name="connsiteX4" fmla="*/ 3783330 w 6343650"/>
+              <a:gd name="connsiteY4" fmla="*/ 2171700 h 3429000"/>
+              <a:gd name="connsiteX5" fmla="*/ 3771900 w 6343650"/>
+              <a:gd name="connsiteY5" fmla="*/ 0 h 3429000"/>
+              <a:gd name="connsiteX6" fmla="*/ 11430 w 6343650"/>
+              <a:gd name="connsiteY6" fmla="*/ 0 h 3429000"/>
+              <a:gd name="connsiteX0" fmla="*/ 11430 w 6355080"/>
+              <a:gd name="connsiteY0" fmla="*/ 0 h 3429000"/>
+              <a:gd name="connsiteX1" fmla="*/ 0 w 6355080"/>
+              <a:gd name="connsiteY1" fmla="*/ 3429000 h 3429000"/>
+              <a:gd name="connsiteX2" fmla="*/ 6355080 w 6355080"/>
+              <a:gd name="connsiteY2" fmla="*/ 3394710 h 3429000"/>
+              <a:gd name="connsiteX3" fmla="*/ 6343650 w 6355080"/>
+              <a:gd name="connsiteY3" fmla="*/ 2160270 h 3429000"/>
+              <a:gd name="connsiteX4" fmla="*/ 3783330 w 6355080"/>
+              <a:gd name="connsiteY4" fmla="*/ 2171700 h 3429000"/>
+              <a:gd name="connsiteX5" fmla="*/ 3771900 w 6355080"/>
+              <a:gd name="connsiteY5" fmla="*/ 0 h 3429000"/>
+              <a:gd name="connsiteX6" fmla="*/ 11430 w 6355080"/>
+              <a:gd name="connsiteY6" fmla="*/ 0 h 3429000"/>
+              <a:gd name="connsiteX0" fmla="*/ 11430 w 6343650"/>
+              <a:gd name="connsiteY0" fmla="*/ 0 h 3429000"/>
+              <a:gd name="connsiteX1" fmla="*/ 0 w 6343650"/>
+              <a:gd name="connsiteY1" fmla="*/ 3429000 h 3429000"/>
+              <a:gd name="connsiteX2" fmla="*/ 6343650 w 6343650"/>
+              <a:gd name="connsiteY2" fmla="*/ 3406140 h 3429000"/>
+              <a:gd name="connsiteX3" fmla="*/ 6343650 w 6343650"/>
+              <a:gd name="connsiteY3" fmla="*/ 2160270 h 3429000"/>
+              <a:gd name="connsiteX4" fmla="*/ 3783330 w 6343650"/>
+              <a:gd name="connsiteY4" fmla="*/ 2171700 h 3429000"/>
+              <a:gd name="connsiteX5" fmla="*/ 3771900 w 6343650"/>
+              <a:gd name="connsiteY5" fmla="*/ 0 h 3429000"/>
+              <a:gd name="connsiteX6" fmla="*/ 11430 w 6343650"/>
+              <a:gd name="connsiteY6" fmla="*/ 0 h 3429000"/>
+            </a:gdLst>
+            <a:ahLst/>
+            <a:cxnLst>
+              <a:cxn ang="0">
+                <a:pos x="connsiteX0" y="connsiteY0"/>
+              </a:cxn>
+              <a:cxn ang="0">
+                <a:pos x="connsiteX1" y="connsiteY1"/>
+              </a:cxn>
+              <a:cxn ang="0">
+                <a:pos x="connsiteX2" y="connsiteY2"/>
+              </a:cxn>
+              <a:cxn ang="0">
+                <a:pos x="connsiteX3" y="connsiteY3"/>
+              </a:cxn>
+              <a:cxn ang="0">
+                <a:pos x="connsiteX4" y="connsiteY4"/>
+              </a:cxn>
+              <a:cxn ang="0">
+                <a:pos x="connsiteX5" y="connsiteY5"/>
+              </a:cxn>
+              <a:cxn ang="0">
+                <a:pos x="connsiteX6" y="connsiteY6"/>
+              </a:cxn>
+            </a:cxnLst>
+            <a:rect l="l" t="t" r="r" b="b"/>
+            <a:pathLst>
+              <a:path w="6343650" h="3429000">
+                <a:moveTo>
+                  <a:pt x="11430" y="0"/>
+                </a:moveTo>
+                <a:lnTo>
+                  <a:pt x="0" y="3429000"/>
+                </a:lnTo>
+                <a:lnTo>
+                  <a:pt x="6343650" y="3406140"/>
+                </a:lnTo>
+                <a:lnTo>
+                  <a:pt x="6343650" y="2160270"/>
+                </a:lnTo>
+                <a:lnTo>
+                  <a:pt x="3783330" y="2171700"/>
+                </a:lnTo>
+                <a:lnTo>
+                  <a:pt x="3771900" y="0"/>
+                </a:lnTo>
+                <a:lnTo>
+                  <a:pt x="11430" y="0"/>
+                </a:lnTo>
+                <a:close/>
+              </a:path>
+            </a:pathLst>
+          </a:custGeom>
+          <a:solidFill>
+            <a:schemeClr val="accent6">
+              <a:lumMod val="20000"/>
+              <a:lumOff val="80000"/>
+            </a:schemeClr>
+          </a:solidFill>
+          <a:ln>
+            <a:noFill/>
+          </a:ln>
+        </p:spPr>
+        <p:style>
+          <a:lnRef idx="2">
+            <a:schemeClr val="accent1">
+              <a:shade val="50000"/>
+            </a:schemeClr>
+          </a:lnRef>
+          <a:fillRef idx="1">
+            <a:schemeClr val="accent1"/>
+          </a:fillRef>
+          <a:effectRef idx="0">
+            <a:schemeClr val="accent1"/>
+          </a:effectRef>
+          <a:fontRef idx="minor">
+            <a:schemeClr val="lt1"/>
+          </a:fontRef>
+        </p:style>
+        <p:txBody>
+          <a:bodyPr rtlCol="0" anchor="ctr"/>
+          <a:lstStyle/>
+          <a:p>
+            <a:pPr algn="ctr"/>
+            <a:endParaRPr lang="en-US" dirty="0"/>
+          </a:p>
+        </p:txBody>
+      </p:sp>
+      <p:sp>
+        <p:nvSpPr>
+          <p:cNvPr id="5" name="Rectangle 4">
+            <a:extLst>
+              <a:ext uri="{FF2B5EF4-FFF2-40B4-BE49-F238E27FC236}">
+                <a16:creationId xmlns:a16="http://schemas.microsoft.com/office/drawing/2014/main" id="{1E3E2BA5-2FF9-41A6-A7B0-86C7E015EFD4}"/>
+              </a:ext>
+            </a:extLst>
+          </p:cNvPr>
+          <p:cNvSpPr/>
+          <p:nvPr/>
+        </p:nvSpPr>
+        <p:spPr>
+          <a:xfrm>
+            <a:off x="2625062" y="2397475"/>
+            <a:ext cx="1185132" cy="565264"/>
+          </a:xfrm>
+          <a:prstGeom prst="rect">
+            <a:avLst/>
+          </a:prstGeom>
+        </p:spPr>
+        <p:style>
+          <a:lnRef idx="2">
+            <a:schemeClr val="accent1">
+              <a:shade val="50000"/>
+            </a:schemeClr>
+          </a:lnRef>
+          <a:fillRef idx="1">
+            <a:schemeClr val="accent1"/>
+          </a:fillRef>
+          <a:effectRef idx="0">
+            <a:schemeClr val="accent1"/>
+          </a:effectRef>
+          <a:fontRef idx="minor">
+            <a:schemeClr val="lt1"/>
+          </a:fontRef>
+        </p:style>
+        <p:txBody>
+          <a:bodyPr rtlCol="0" anchor="ctr"/>
+          <a:lstStyle/>
+          <a:p>
+            <a:pPr algn="ctr">
+              <a:lnSpc>
+                <a:spcPts val="2000"/>
+              </a:lnSpc>
+            </a:pPr>
+            <a:r>
+              <a:rPr lang="en-US" sz="2000" dirty="0"/>
+              <a:t>Block measures</a:t>
+            </a:r>
+          </a:p>
+        </p:txBody>
+      </p:sp>
+      <p:sp>
+        <p:nvSpPr>
+          <p:cNvPr id="6" name="Rectangle 5">
+            <a:extLst>
+              <a:ext uri="{FF2B5EF4-FFF2-40B4-BE49-F238E27FC236}">
+                <a16:creationId xmlns:a16="http://schemas.microsoft.com/office/drawing/2014/main" id="{8B0861E3-4708-4CB0-9D9F-625D20C577BB}"/>
+              </a:ext>
+            </a:extLst>
+          </p:cNvPr>
+          <p:cNvSpPr/>
+          <p:nvPr/>
+        </p:nvSpPr>
+        <p:spPr>
+          <a:xfrm>
+            <a:off x="5532671" y="2397475"/>
+            <a:ext cx="1188720" cy="565265"/>
+          </a:xfrm>
+          <a:prstGeom prst="rect">
+            <a:avLst/>
+          </a:prstGeom>
+        </p:spPr>
+        <p:style>
+          <a:lnRef idx="2">
+            <a:schemeClr val="accent1">
+              <a:shade val="50000"/>
+            </a:schemeClr>
+          </a:lnRef>
+          <a:fillRef idx="1">
+            <a:schemeClr val="accent1"/>
+          </a:fillRef>
+          <a:effectRef idx="0">
+            <a:schemeClr val="accent1"/>
+          </a:effectRef>
+          <a:fontRef idx="minor">
+            <a:schemeClr val="lt1"/>
+          </a:fontRef>
+        </p:style>
+        <p:txBody>
+          <a:bodyPr rtlCol="0" anchor="ctr"/>
+          <a:lstStyle/>
+          <a:p>
+            <a:pPr algn="ctr">
+              <a:lnSpc>
+                <a:spcPts val="2000"/>
+              </a:lnSpc>
+            </a:pPr>
+            <a:r>
+              <a:rPr lang="en-US" sz="2000" dirty="0"/>
+              <a:t>Wide measures</a:t>
+            </a:r>
+          </a:p>
+        </p:txBody>
+      </p:sp>
+      <p:sp>
+        <p:nvSpPr>
+          <p:cNvPr id="7" name="Rectangle 6">
+            <a:extLst>
+              <a:ext uri="{FF2B5EF4-FFF2-40B4-BE49-F238E27FC236}">
+                <a16:creationId xmlns:a16="http://schemas.microsoft.com/office/drawing/2014/main" id="{1E0E1454-C504-4F9A-8A06-7444055EEEAE}"/>
+              </a:ext>
+            </a:extLst>
+          </p:cNvPr>
+          <p:cNvSpPr/>
+          <p:nvPr/>
+        </p:nvSpPr>
+        <p:spPr>
+          <a:xfrm>
+            <a:off x="8442073" y="2397475"/>
+            <a:ext cx="1188720" cy="580051"/>
+          </a:xfrm>
+          <a:prstGeom prst="rect">
+            <a:avLst/>
+          </a:prstGeom>
+        </p:spPr>
+        <p:style>
+          <a:lnRef idx="2">
+            <a:schemeClr val="accent1">
+              <a:shade val="50000"/>
+            </a:schemeClr>
+          </a:lnRef>
+          <a:fillRef idx="1">
+            <a:schemeClr val="accent1"/>
+          </a:fillRef>
+          <a:effectRef idx="0">
+            <a:schemeClr val="accent1"/>
+          </a:effectRef>
+          <a:fontRef idx="minor">
+            <a:schemeClr val="lt1"/>
+          </a:fontRef>
+        </p:style>
+        <p:txBody>
+          <a:bodyPr rtlCol="0" anchor="ctr"/>
+          <a:lstStyle/>
+          <a:p>
+            <a:pPr algn="ctr">
+              <a:lnSpc>
+                <a:spcPts val="2000"/>
+              </a:lnSpc>
+            </a:pPr>
+            <a:r>
+              <a:rPr lang="en-US" sz="2000" dirty="0"/>
+              <a:t>Tidy measures</a:t>
+            </a:r>
+          </a:p>
+        </p:txBody>
+      </p:sp>
+      <p:cxnSp>
+        <p:nvCxnSpPr>
+          <p:cNvPr id="8" name="Connector: Curved 7">
+            <a:extLst>
+              <a:ext uri="{FF2B5EF4-FFF2-40B4-BE49-F238E27FC236}">
+                <a16:creationId xmlns:a16="http://schemas.microsoft.com/office/drawing/2014/main" id="{FCF66572-2F3B-47AB-8880-8B1C8AD6DA70}"/>
+              </a:ext>
+            </a:extLst>
+          </p:cNvPr>
+          <p:cNvCxnSpPr>
+            <a:cxnSpLocks/>
+            <a:stCxn id="6" idx="2"/>
+            <a:endCxn id="7" idx="2"/>
+          </p:cNvCxnSpPr>
+          <p:nvPr/>
+        </p:nvCxnSpPr>
+        <p:spPr>
+          <a:xfrm rot="16200000" flipH="1">
+            <a:off x="7574339" y="1515432"/>
+            <a:ext cx="14786" cy="2909402"/>
+          </a:xfrm>
+          <a:prstGeom prst="curvedConnector3">
+            <a:avLst>
+              <a:gd name="adj1" fmla="val 1646057"/>
+            </a:avLst>
+          </a:prstGeom>
+          <a:ln w="57150">
+            <a:solidFill>
+              <a:schemeClr val="tx1"/>
+            </a:solidFill>
+            <a:headEnd type="none" w="med" len="med"/>
+            <a:tailEnd type="triangle" w="med" len="med"/>
+          </a:ln>
+        </p:spPr>
+        <p:style>
+          <a:lnRef idx="1">
+            <a:schemeClr val="accent1"/>
+          </a:lnRef>
+          <a:fillRef idx="0">
+            <a:schemeClr val="accent1"/>
+          </a:fillRef>
+          <a:effectRef idx="0">
+            <a:schemeClr val="accent1"/>
+          </a:effectRef>
+          <a:fontRef idx="minor">
+            <a:schemeClr val="tx1"/>
+          </a:fontRef>
+        </p:style>
+      </p:cxnSp>
+      <p:cxnSp>
+        <p:nvCxnSpPr>
+          <p:cNvPr id="9" name="Connector: Curved 8">
+            <a:extLst>
+              <a:ext uri="{FF2B5EF4-FFF2-40B4-BE49-F238E27FC236}">
+                <a16:creationId xmlns:a16="http://schemas.microsoft.com/office/drawing/2014/main" id="{F7E83381-CAD1-4285-9CA9-622DA010CB1C}"/>
+              </a:ext>
+            </a:extLst>
+          </p:cNvPr>
+          <p:cNvCxnSpPr>
+            <a:cxnSpLocks/>
+            <a:stCxn id="5" idx="2"/>
+            <a:endCxn id="6" idx="2"/>
+          </p:cNvCxnSpPr>
+          <p:nvPr/>
+        </p:nvCxnSpPr>
+        <p:spPr>
+          <a:xfrm rot="16200000" flipH="1">
+            <a:off x="4672329" y="1508037"/>
+            <a:ext cx="1" cy="2909403"/>
+          </a:xfrm>
+          <a:prstGeom prst="curvedConnector3">
+            <a:avLst>
+              <a:gd name="adj1" fmla="val 22860100000"/>
+            </a:avLst>
+          </a:prstGeom>
+          <a:ln w="57150">
+            <a:solidFill>
+              <a:schemeClr val="tx1"/>
+            </a:solidFill>
+            <a:headEnd type="none" w="med" len="med"/>
+            <a:tailEnd type="triangle" w="med" len="med"/>
+          </a:ln>
+        </p:spPr>
+        <p:style>
+          <a:lnRef idx="1">
+            <a:schemeClr val="accent1"/>
+          </a:lnRef>
+          <a:fillRef idx="0">
+            <a:schemeClr val="accent1"/>
+          </a:fillRef>
+          <a:effectRef idx="0">
+            <a:schemeClr val="accent1"/>
+          </a:effectRef>
+          <a:fontRef idx="minor">
+            <a:schemeClr val="tx1"/>
+          </a:fontRef>
+        </p:style>
+      </p:cxnSp>
+      <p:sp>
+        <p:nvSpPr>
+          <p:cNvPr id="10" name="TextBox 9">
+            <a:extLst>
+              <a:ext uri="{FF2B5EF4-FFF2-40B4-BE49-F238E27FC236}">
+                <a16:creationId xmlns:a16="http://schemas.microsoft.com/office/drawing/2014/main" id="{E9C12431-BF14-4C5D-8679-E0493657EC71}"/>
+              </a:ext>
+            </a:extLst>
+          </p:cNvPr>
+          <p:cNvSpPr txBox="1"/>
+          <p:nvPr/>
+        </p:nvSpPr>
+        <p:spPr>
+          <a:xfrm>
+            <a:off x="3633882" y="3310560"/>
+            <a:ext cx="1936941" cy="338554"/>
+          </a:xfrm>
+          <a:prstGeom prst="rect">
+            <a:avLst/>
+          </a:prstGeom>
+          <a:solidFill>
+            <a:schemeClr val="accent6">
+              <a:lumMod val="40000"/>
+              <a:lumOff val="60000"/>
+            </a:schemeClr>
+          </a:solidFill>
+        </p:spPr>
+        <p:txBody>
+          <a:bodyPr wrap="none" rtlCol="0">
+            <a:spAutoFit/>
+          </a:bodyPr>
+          <a:lstStyle/>
+          <a:p>
+            <a:r>
+              <a:rPr lang="en-US" sz="1600" dirty="0"/>
+              <a:t>trans_block_to_wide</a:t>
+            </a:r>
+          </a:p>
+        </p:txBody>
+      </p:sp>
+      <p:sp>
+        <p:nvSpPr>
+          <p:cNvPr id="11" name="TextBox 10">
+            <a:extLst>
+              <a:ext uri="{FF2B5EF4-FFF2-40B4-BE49-F238E27FC236}">
+                <a16:creationId xmlns:a16="http://schemas.microsoft.com/office/drawing/2014/main" id="{CFC99914-F343-4ADD-8C19-16F731A02CBD}"/>
+              </a:ext>
+            </a:extLst>
+          </p:cNvPr>
+          <p:cNvSpPr txBox="1"/>
+          <p:nvPr/>
+        </p:nvSpPr>
+        <p:spPr>
+          <a:xfrm>
+            <a:off x="6699968" y="3309798"/>
+            <a:ext cx="1810304" cy="338554"/>
+          </a:xfrm>
+          <a:prstGeom prst="rect">
+            <a:avLst/>
+          </a:prstGeom>
+          <a:solidFill>
+            <a:schemeClr val="accent6">
+              <a:lumMod val="40000"/>
+              <a:lumOff val="60000"/>
+            </a:schemeClr>
+          </a:solidFill>
+        </p:spPr>
+        <p:txBody>
+          <a:bodyPr wrap="none" rtlCol="0">
+            <a:spAutoFit/>
+          </a:bodyPr>
+          <a:lstStyle/>
+          <a:p>
+            <a:r>
+              <a:rPr lang="en-US" sz="1600" dirty="0"/>
+              <a:t>trans_wide_to_tidy</a:t>
+            </a:r>
+          </a:p>
+        </p:txBody>
+      </p:sp>
+      <p:sp>
+        <p:nvSpPr>
+          <p:cNvPr id="12" name="Rectangle 11">
+            <a:extLst>
+              <a:ext uri="{FF2B5EF4-FFF2-40B4-BE49-F238E27FC236}">
+                <a16:creationId xmlns:a16="http://schemas.microsoft.com/office/drawing/2014/main" id="{528DAD29-EF9C-4229-A415-D92DFCFB8B70}"/>
+              </a:ext>
+            </a:extLst>
+          </p:cNvPr>
+          <p:cNvSpPr/>
+          <p:nvPr/>
+        </p:nvSpPr>
+        <p:spPr>
+          <a:xfrm>
+            <a:off x="5725325" y="250618"/>
+            <a:ext cx="803413" cy="387628"/>
+          </a:xfrm>
+          <a:prstGeom prst="rect">
+            <a:avLst/>
+          </a:prstGeom>
+        </p:spPr>
+        <p:style>
+          <a:lnRef idx="2">
+            <a:schemeClr val="accent1">
+              <a:shade val="50000"/>
+            </a:schemeClr>
+          </a:lnRef>
+          <a:fillRef idx="1">
+            <a:schemeClr val="accent1"/>
+          </a:fillRef>
+          <a:effectRef idx="0">
+            <a:schemeClr val="accent1"/>
+          </a:effectRef>
+          <a:fontRef idx="minor">
+            <a:schemeClr val="lt1"/>
+          </a:fontRef>
+        </p:style>
+        <p:txBody>
+          <a:bodyPr rtlCol="0" anchor="ctr"/>
+          <a:lstStyle/>
+          <a:p>
+            <a:pPr algn="ctr">
+              <a:lnSpc>
+                <a:spcPts val="2000"/>
+              </a:lnSpc>
+            </a:pPr>
+            <a:r>
+              <a:rPr lang="en-US" sz="2000" dirty="0"/>
+              <a:t>File</a:t>
+            </a:r>
+          </a:p>
+        </p:txBody>
+      </p:sp>
+      <p:sp>
+        <p:nvSpPr>
+          <p:cNvPr id="13" name="Rectangle 12">
+            <a:extLst>
+              <a:ext uri="{FF2B5EF4-FFF2-40B4-BE49-F238E27FC236}">
+                <a16:creationId xmlns:a16="http://schemas.microsoft.com/office/drawing/2014/main" id="{23646B43-9E8C-4F94-A34C-65DF95B9FCD7}"/>
+              </a:ext>
+            </a:extLst>
+          </p:cNvPr>
+          <p:cNvSpPr/>
+          <p:nvPr/>
+        </p:nvSpPr>
+        <p:spPr>
+          <a:xfrm>
+            <a:off x="2815922" y="250618"/>
+            <a:ext cx="803413" cy="387628"/>
+          </a:xfrm>
+          <a:prstGeom prst="rect">
+            <a:avLst/>
+          </a:prstGeom>
+        </p:spPr>
+        <p:style>
+          <a:lnRef idx="2">
+            <a:schemeClr val="accent1">
+              <a:shade val="50000"/>
+            </a:schemeClr>
+          </a:lnRef>
+          <a:fillRef idx="1">
+            <a:schemeClr val="accent1"/>
+          </a:fillRef>
+          <a:effectRef idx="0">
+            <a:schemeClr val="accent1"/>
+          </a:effectRef>
+          <a:fontRef idx="minor">
+            <a:schemeClr val="lt1"/>
+          </a:fontRef>
+        </p:style>
+        <p:txBody>
+          <a:bodyPr rtlCol="0" anchor="ctr"/>
+          <a:lstStyle/>
+          <a:p>
+            <a:pPr algn="ctr">
+              <a:lnSpc>
+                <a:spcPts val="2000"/>
+              </a:lnSpc>
+            </a:pPr>
+            <a:r>
+              <a:rPr lang="en-US" sz="2000" dirty="0"/>
+              <a:t>File</a:t>
+            </a:r>
+          </a:p>
+        </p:txBody>
+      </p:sp>
+      <p:sp>
+        <p:nvSpPr>
+          <p:cNvPr id="14" name="Rectangle 13">
+            <a:extLst>
+              <a:ext uri="{FF2B5EF4-FFF2-40B4-BE49-F238E27FC236}">
+                <a16:creationId xmlns:a16="http://schemas.microsoft.com/office/drawing/2014/main" id="{4B1A6458-742E-44C9-8530-324AD3F76D53}"/>
+              </a:ext>
+            </a:extLst>
+          </p:cNvPr>
+          <p:cNvSpPr/>
+          <p:nvPr/>
+        </p:nvSpPr>
+        <p:spPr>
+          <a:xfrm>
+            <a:off x="8634727" y="250618"/>
+            <a:ext cx="803413" cy="387628"/>
+          </a:xfrm>
+          <a:prstGeom prst="rect">
+            <a:avLst/>
+          </a:prstGeom>
+        </p:spPr>
+        <p:style>
+          <a:lnRef idx="2">
+            <a:schemeClr val="accent1">
+              <a:shade val="50000"/>
+            </a:schemeClr>
+          </a:lnRef>
+          <a:fillRef idx="1">
+            <a:schemeClr val="accent1"/>
+          </a:fillRef>
+          <a:effectRef idx="0">
+            <a:schemeClr val="accent1"/>
+          </a:effectRef>
+          <a:fontRef idx="minor">
+            <a:schemeClr val="lt1"/>
+          </a:fontRef>
+        </p:style>
+        <p:txBody>
+          <a:bodyPr rtlCol="0" anchor="ctr"/>
+          <a:lstStyle/>
+          <a:p>
+            <a:pPr algn="ctr">
+              <a:lnSpc>
+                <a:spcPts val="2000"/>
+              </a:lnSpc>
+            </a:pPr>
+            <a:r>
+              <a:rPr lang="en-US" sz="2000" dirty="0"/>
+              <a:t>File</a:t>
+            </a:r>
+          </a:p>
+        </p:txBody>
+      </p:sp>
+      <p:cxnSp>
+        <p:nvCxnSpPr>
+          <p:cNvPr id="15" name="Connector: Curved 14">
+            <a:extLst>
+              <a:ext uri="{FF2B5EF4-FFF2-40B4-BE49-F238E27FC236}">
+                <a16:creationId xmlns:a16="http://schemas.microsoft.com/office/drawing/2014/main" id="{A64A4D14-E325-4A4A-8370-F579FAF4F64C}"/>
+              </a:ext>
+            </a:extLst>
+          </p:cNvPr>
+          <p:cNvCxnSpPr>
+            <a:cxnSpLocks/>
+            <a:stCxn id="12" idx="2"/>
+            <a:endCxn id="6" idx="0"/>
+          </p:cNvCxnSpPr>
+          <p:nvPr/>
+        </p:nvCxnSpPr>
+        <p:spPr>
+          <a:xfrm rot="5400000">
+            <a:off x="5247418" y="1517860"/>
+            <a:ext cx="1759229" cy="1"/>
+          </a:xfrm>
+          <a:prstGeom prst="curvedConnector3">
+            <a:avLst>
+              <a:gd name="adj1" fmla="val 50000"/>
+            </a:avLst>
+          </a:prstGeom>
+          <a:ln w="57150">
+            <a:solidFill>
+              <a:schemeClr val="tx1"/>
+            </a:solidFill>
+            <a:headEnd type="none" w="med" len="med"/>
+            <a:tailEnd type="triangle" w="med" len="med"/>
+          </a:ln>
+        </p:spPr>
+        <p:style>
+          <a:lnRef idx="1">
+            <a:schemeClr val="accent1"/>
+          </a:lnRef>
+          <a:fillRef idx="0">
+            <a:schemeClr val="accent1"/>
+          </a:fillRef>
+          <a:effectRef idx="0">
+            <a:schemeClr val="accent1"/>
+          </a:effectRef>
+          <a:fontRef idx="minor">
+            <a:schemeClr val="tx1"/>
+          </a:fontRef>
+        </p:style>
+      </p:cxnSp>
+      <p:cxnSp>
+        <p:nvCxnSpPr>
+          <p:cNvPr id="16" name="Connector: Curved 15">
+            <a:extLst>
+              <a:ext uri="{FF2B5EF4-FFF2-40B4-BE49-F238E27FC236}">
+                <a16:creationId xmlns:a16="http://schemas.microsoft.com/office/drawing/2014/main" id="{5F7E712F-B01A-459D-8000-79496123ACE9}"/>
+              </a:ext>
+            </a:extLst>
+          </p:cNvPr>
+          <p:cNvCxnSpPr>
+            <a:cxnSpLocks/>
+            <a:stCxn id="14" idx="2"/>
+            <a:endCxn id="7" idx="0"/>
+          </p:cNvCxnSpPr>
+          <p:nvPr/>
+        </p:nvCxnSpPr>
+        <p:spPr>
+          <a:xfrm rot="5400000">
+            <a:off x="8156820" y="1517860"/>
+            <a:ext cx="1759229" cy="1"/>
+          </a:xfrm>
+          <a:prstGeom prst="curvedConnector3">
+            <a:avLst>
+              <a:gd name="adj1" fmla="val 50000"/>
+            </a:avLst>
+          </a:prstGeom>
+          <a:ln w="57150">
+            <a:solidFill>
+              <a:schemeClr val="tx1"/>
+            </a:solidFill>
+            <a:headEnd type="none" w="med" len="med"/>
+            <a:tailEnd type="triangle" w="med" len="med"/>
+          </a:ln>
+        </p:spPr>
+        <p:style>
+          <a:lnRef idx="1">
+            <a:schemeClr val="accent1"/>
+          </a:lnRef>
+          <a:fillRef idx="0">
+            <a:schemeClr val="accent1"/>
+          </a:fillRef>
+          <a:effectRef idx="0">
+            <a:schemeClr val="accent1"/>
+          </a:effectRef>
+          <a:fontRef idx="minor">
+            <a:schemeClr val="tx1"/>
+          </a:fontRef>
+        </p:style>
+      </p:cxnSp>
+      <p:sp>
+        <p:nvSpPr>
+          <p:cNvPr id="17" name="TextBox 16">
+            <a:extLst>
+              <a:ext uri="{FF2B5EF4-FFF2-40B4-BE49-F238E27FC236}">
+                <a16:creationId xmlns:a16="http://schemas.microsoft.com/office/drawing/2014/main" id="{D8B43D2F-D63F-40CD-A9B4-DEE525CB6F85}"/>
+              </a:ext>
+            </a:extLst>
+          </p:cNvPr>
+          <p:cNvSpPr txBox="1"/>
+          <p:nvPr/>
+        </p:nvSpPr>
+        <p:spPr>
+          <a:xfrm>
+            <a:off x="1828216" y="789605"/>
+            <a:ext cx="1185133" cy="338554"/>
+          </a:xfrm>
+          <a:prstGeom prst="rect">
+            <a:avLst/>
+          </a:prstGeom>
+          <a:solidFill>
+            <a:schemeClr val="accent6">
+              <a:lumMod val="40000"/>
+              <a:lumOff val="60000"/>
+            </a:schemeClr>
+          </a:solidFill>
+        </p:spPr>
+        <p:txBody>
+          <a:bodyPr wrap="none" rtlCol="0">
+            <a:spAutoFit/>
+          </a:bodyPr>
+          <a:lstStyle/>
+          <a:p>
+            <a:r>
+              <a:rPr lang="en-US" sz="1600" dirty="0"/>
+              <a:t>read_blocks</a:t>
+            </a:r>
+          </a:p>
+        </p:txBody>
+      </p:sp>
+      <p:sp>
+        <p:nvSpPr>
+          <p:cNvPr id="18" name="TextBox 17">
+            <a:extLst>
+              <a:ext uri="{FF2B5EF4-FFF2-40B4-BE49-F238E27FC236}">
+                <a16:creationId xmlns:a16="http://schemas.microsoft.com/office/drawing/2014/main" id="{59C9EEFA-94F6-4EEB-AC60-A56E884EC1C8}"/>
+              </a:ext>
+            </a:extLst>
+          </p:cNvPr>
+          <p:cNvSpPr txBox="1"/>
+          <p:nvPr/>
+        </p:nvSpPr>
+        <p:spPr>
+          <a:xfrm rot="16200000">
+            <a:off x="-742157" y="966017"/>
+            <a:ext cx="2100768" cy="338554"/>
+          </a:xfrm>
+          <a:prstGeom prst="rect">
+            <a:avLst/>
+          </a:prstGeom>
+          <a:solidFill>
+            <a:schemeClr val="accent6">
+              <a:lumMod val="20000"/>
+              <a:lumOff val="80000"/>
+            </a:schemeClr>
+          </a:solidFill>
+        </p:spPr>
+        <p:txBody>
+          <a:bodyPr wrap="none" rtlCol="0">
+            <a:spAutoFit/>
+          </a:bodyPr>
+          <a:lstStyle/>
+          <a:p>
+            <a:r>
+              <a:rPr lang="en-US" sz="1600" dirty="0"/>
+              <a:t>import_blockmeasures</a:t>
+            </a:r>
+          </a:p>
+        </p:txBody>
+      </p:sp>
+      <p:sp>
+        <p:nvSpPr>
+          <p:cNvPr id="19" name="TextBox 18">
+            <a:extLst>
+              <a:ext uri="{FF2B5EF4-FFF2-40B4-BE49-F238E27FC236}">
+                <a16:creationId xmlns:a16="http://schemas.microsoft.com/office/drawing/2014/main" id="{BE5AEDF3-BFC8-4379-8076-26D01F6E5B96}"/>
+              </a:ext>
+            </a:extLst>
+          </p:cNvPr>
+          <p:cNvSpPr txBox="1"/>
+          <p:nvPr/>
+        </p:nvSpPr>
+        <p:spPr>
+          <a:xfrm>
+            <a:off x="4824533" y="776664"/>
+            <a:ext cx="1148584" cy="338554"/>
+          </a:xfrm>
+          <a:prstGeom prst="rect">
+            <a:avLst/>
+          </a:prstGeom>
+          <a:solidFill>
+            <a:schemeClr val="accent6">
+              <a:lumMod val="40000"/>
+              <a:lumOff val="60000"/>
+            </a:schemeClr>
+          </a:solidFill>
+        </p:spPr>
+        <p:txBody>
+          <a:bodyPr wrap="none" rtlCol="0">
+            <a:spAutoFit/>
+          </a:bodyPr>
+          <a:lstStyle/>
+          <a:p>
+            <a:r>
+              <a:rPr lang="en-US" sz="1600" dirty="0"/>
+              <a:t>read_wides</a:t>
+            </a:r>
+          </a:p>
+        </p:txBody>
+      </p:sp>
+      <p:sp>
+        <p:nvSpPr>
+          <p:cNvPr id="20" name="TextBox 19">
+            <a:extLst>
+              <a:ext uri="{FF2B5EF4-FFF2-40B4-BE49-F238E27FC236}">
+                <a16:creationId xmlns:a16="http://schemas.microsoft.com/office/drawing/2014/main" id="{A29EBBBD-80A0-4F90-80F5-3646BB1068F8}"/>
+              </a:ext>
+            </a:extLst>
+          </p:cNvPr>
+          <p:cNvSpPr txBox="1"/>
+          <p:nvPr/>
+        </p:nvSpPr>
+        <p:spPr>
+          <a:xfrm>
+            <a:off x="7279110" y="5276435"/>
+            <a:ext cx="1591077" cy="338554"/>
+          </a:xfrm>
+          <a:prstGeom prst="rect">
+            <a:avLst/>
+          </a:prstGeom>
+          <a:solidFill>
+            <a:schemeClr val="accent6">
+              <a:lumMod val="40000"/>
+              <a:lumOff val="60000"/>
+            </a:schemeClr>
+          </a:solidFill>
+        </p:spPr>
+        <p:txBody>
+          <a:bodyPr wrap="none" rtlCol="0">
+            <a:spAutoFit/>
+          </a:bodyPr>
+          <a:lstStyle/>
+          <a:p>
+            <a:r>
+              <a:rPr lang="en-US" sz="1600" dirty="0"/>
+              <a:t>make_tidydesign</a:t>
+            </a:r>
+          </a:p>
+        </p:txBody>
+      </p:sp>
+      <p:sp>
+        <p:nvSpPr>
+          <p:cNvPr id="21" name="Arc 20">
+            <a:extLst>
+              <a:ext uri="{FF2B5EF4-FFF2-40B4-BE49-F238E27FC236}">
+                <a16:creationId xmlns:a16="http://schemas.microsoft.com/office/drawing/2014/main" id="{A8390B74-1438-422B-9488-46282720F459}"/>
+              </a:ext>
+            </a:extLst>
+          </p:cNvPr>
+          <p:cNvSpPr/>
+          <p:nvPr/>
+        </p:nvSpPr>
+        <p:spPr>
+          <a:xfrm rot="8297976">
+            <a:off x="1823486" y="2253968"/>
+            <a:ext cx="822960" cy="822960"/>
+          </a:xfrm>
+          <a:prstGeom prst="arc">
+            <a:avLst>
+              <a:gd name="adj1" fmla="val 15375139"/>
+              <a:gd name="adj2" fmla="val 11642297"/>
+            </a:avLst>
+          </a:prstGeom>
+          <a:ln w="57150">
+            <a:solidFill>
+              <a:schemeClr val="tx1"/>
+            </a:solidFill>
+            <a:headEnd type="none" w="med" len="med"/>
+            <a:tailEnd type="triangle" w="med" len="med"/>
+          </a:ln>
+        </p:spPr>
+        <p:style>
+          <a:lnRef idx="1">
+            <a:schemeClr val="accent1"/>
+          </a:lnRef>
+          <a:fillRef idx="0">
+            <a:schemeClr val="accent1"/>
+          </a:fillRef>
+          <a:effectRef idx="0">
+            <a:schemeClr val="accent1"/>
+          </a:effectRef>
+          <a:fontRef idx="minor">
+            <a:schemeClr val="tx1"/>
+          </a:fontRef>
+        </p:style>
+        <p:txBody>
+          <a:bodyPr rtlCol="0" anchor="ctr"/>
+          <a:lstStyle/>
+          <a:p>
+            <a:pPr algn="ctr"/>
+            <a:endParaRPr lang="en-US" sz="2246" dirty="0"/>
+          </a:p>
+        </p:txBody>
+      </p:sp>
+      <p:sp>
+        <p:nvSpPr>
+          <p:cNvPr id="22" name="TextBox 21">
+            <a:extLst>
+              <a:ext uri="{FF2B5EF4-FFF2-40B4-BE49-F238E27FC236}">
+                <a16:creationId xmlns:a16="http://schemas.microsoft.com/office/drawing/2014/main" id="{FE8531A3-0E8A-4895-9C20-35E035ADB8CD}"/>
+              </a:ext>
+            </a:extLst>
+          </p:cNvPr>
+          <p:cNvSpPr txBox="1"/>
+          <p:nvPr/>
+        </p:nvSpPr>
+        <p:spPr>
+          <a:xfrm>
+            <a:off x="517265" y="2496171"/>
+            <a:ext cx="1229952" cy="338554"/>
+          </a:xfrm>
+          <a:prstGeom prst="rect">
+            <a:avLst/>
+          </a:prstGeom>
+          <a:solidFill>
+            <a:schemeClr val="accent6">
+              <a:lumMod val="40000"/>
+              <a:lumOff val="60000"/>
+            </a:schemeClr>
+          </a:solidFill>
+        </p:spPr>
+        <p:txBody>
+          <a:bodyPr wrap="none" rtlCol="0">
+            <a:spAutoFit/>
+          </a:bodyPr>
+          <a:lstStyle/>
+          <a:p>
+            <a:r>
+              <a:rPr lang="en-US" sz="1600" dirty="0"/>
+              <a:t>uninterleave</a:t>
+            </a:r>
+          </a:p>
+        </p:txBody>
+      </p:sp>
+      <p:cxnSp>
+        <p:nvCxnSpPr>
+          <p:cNvPr id="23" name="Connector: Curved 22">
+            <a:extLst>
+              <a:ext uri="{FF2B5EF4-FFF2-40B4-BE49-F238E27FC236}">
+                <a16:creationId xmlns:a16="http://schemas.microsoft.com/office/drawing/2014/main" id="{7D522512-FF7C-46CA-902A-75F0DD286854}"/>
+              </a:ext>
+            </a:extLst>
+          </p:cNvPr>
+          <p:cNvCxnSpPr>
+            <a:cxnSpLocks/>
+            <a:stCxn id="13" idx="2"/>
+            <a:endCxn id="5" idx="0"/>
+          </p:cNvCxnSpPr>
+          <p:nvPr/>
+        </p:nvCxnSpPr>
+        <p:spPr>
+          <a:xfrm rot="5400000">
+            <a:off x="2338015" y="1517860"/>
+            <a:ext cx="1759229" cy="1"/>
+          </a:xfrm>
+          <a:prstGeom prst="curvedConnector3">
+            <a:avLst>
+              <a:gd name="adj1" fmla="val 50000"/>
+            </a:avLst>
+          </a:prstGeom>
+          <a:ln w="57150">
+            <a:solidFill>
+              <a:schemeClr val="tx1"/>
+            </a:solidFill>
+            <a:headEnd type="none" w="med" len="med"/>
+            <a:tailEnd type="triangle" w="med" len="med"/>
+          </a:ln>
+        </p:spPr>
+        <p:style>
+          <a:lnRef idx="1">
+            <a:schemeClr val="accent1"/>
+          </a:lnRef>
+          <a:fillRef idx="0">
+            <a:schemeClr val="accent1"/>
+          </a:fillRef>
+          <a:effectRef idx="0">
+            <a:schemeClr val="accent1"/>
+          </a:effectRef>
+          <a:fontRef idx="minor">
+            <a:schemeClr val="tx1"/>
+          </a:fontRef>
+        </p:style>
+      </p:cxnSp>
+      <p:sp>
+        <p:nvSpPr>
+          <p:cNvPr id="24" name="Rectangle 23">
+            <a:extLst>
+              <a:ext uri="{FF2B5EF4-FFF2-40B4-BE49-F238E27FC236}">
+                <a16:creationId xmlns:a16="http://schemas.microsoft.com/office/drawing/2014/main" id="{77C6235C-E045-42B5-B712-B89886E85F73}"/>
+              </a:ext>
+            </a:extLst>
+          </p:cNvPr>
+          <p:cNvSpPr/>
+          <p:nvPr/>
+        </p:nvSpPr>
+        <p:spPr>
+          <a:xfrm>
+            <a:off x="2562812" y="4030381"/>
+            <a:ext cx="1188720" cy="566928"/>
+          </a:xfrm>
+          <a:prstGeom prst="rect">
+            <a:avLst/>
+          </a:prstGeom>
+        </p:spPr>
+        <p:style>
+          <a:lnRef idx="2">
+            <a:schemeClr val="accent1">
+              <a:shade val="50000"/>
+            </a:schemeClr>
+          </a:lnRef>
+          <a:fillRef idx="1">
+            <a:schemeClr val="accent1"/>
+          </a:fillRef>
+          <a:effectRef idx="0">
+            <a:schemeClr val="accent1"/>
+          </a:effectRef>
+          <a:fontRef idx="minor">
+            <a:schemeClr val="lt1"/>
+          </a:fontRef>
+        </p:style>
+        <p:txBody>
+          <a:bodyPr rtlCol="0" anchor="ctr"/>
+          <a:lstStyle/>
+          <a:p>
+            <a:pPr algn="ctr">
+              <a:lnSpc>
+                <a:spcPts val="2000"/>
+              </a:lnSpc>
+            </a:pPr>
+            <a:r>
+              <a:rPr lang="en-US" sz="2000" dirty="0"/>
+              <a:t>Block designs</a:t>
+            </a:r>
+          </a:p>
+        </p:txBody>
+      </p:sp>
+      <p:sp>
+        <p:nvSpPr>
+          <p:cNvPr id="25" name="Rectangle 24">
+            <a:extLst>
+              <a:ext uri="{FF2B5EF4-FFF2-40B4-BE49-F238E27FC236}">
+                <a16:creationId xmlns:a16="http://schemas.microsoft.com/office/drawing/2014/main" id="{A9BB3D61-FF2F-48D9-AF12-B91B49D75655}"/>
+              </a:ext>
+            </a:extLst>
+          </p:cNvPr>
+          <p:cNvSpPr/>
+          <p:nvPr/>
+        </p:nvSpPr>
+        <p:spPr>
+          <a:xfrm>
+            <a:off x="5478058" y="4030380"/>
+            <a:ext cx="1188720" cy="566928"/>
+          </a:xfrm>
+          <a:prstGeom prst="rect">
+            <a:avLst/>
+          </a:prstGeom>
+        </p:spPr>
+        <p:style>
+          <a:lnRef idx="2">
+            <a:schemeClr val="accent1">
+              <a:shade val="50000"/>
+            </a:schemeClr>
+          </a:lnRef>
+          <a:fillRef idx="1">
+            <a:schemeClr val="accent1"/>
+          </a:fillRef>
+          <a:effectRef idx="0">
+            <a:schemeClr val="accent1"/>
+          </a:effectRef>
+          <a:fontRef idx="minor">
+            <a:schemeClr val="lt1"/>
+          </a:fontRef>
+        </p:style>
+        <p:txBody>
+          <a:bodyPr rtlCol="0" anchor="ctr"/>
+          <a:lstStyle/>
+          <a:p>
+            <a:pPr algn="ctr">
+              <a:lnSpc>
+                <a:spcPts val="2000"/>
+              </a:lnSpc>
+            </a:pPr>
+            <a:r>
+              <a:rPr lang="en-US" sz="2000" dirty="0"/>
+              <a:t>Wide designs</a:t>
+            </a:r>
+          </a:p>
+        </p:txBody>
+      </p:sp>
+      <p:sp>
+        <p:nvSpPr>
+          <p:cNvPr id="26" name="Rectangle 25">
+            <a:extLst>
+              <a:ext uri="{FF2B5EF4-FFF2-40B4-BE49-F238E27FC236}">
+                <a16:creationId xmlns:a16="http://schemas.microsoft.com/office/drawing/2014/main" id="{6E456DB3-5925-4CA5-B101-2CDB9645951C}"/>
+              </a:ext>
+            </a:extLst>
+          </p:cNvPr>
+          <p:cNvSpPr/>
+          <p:nvPr/>
+        </p:nvSpPr>
+        <p:spPr>
+          <a:xfrm>
+            <a:off x="8442073" y="4030381"/>
+            <a:ext cx="1188720" cy="566928"/>
+          </a:xfrm>
+          <a:prstGeom prst="rect">
+            <a:avLst/>
+          </a:prstGeom>
+        </p:spPr>
+        <p:style>
+          <a:lnRef idx="2">
+            <a:schemeClr val="accent1">
+              <a:shade val="50000"/>
+            </a:schemeClr>
+          </a:lnRef>
+          <a:fillRef idx="1">
+            <a:schemeClr val="accent1"/>
+          </a:fillRef>
+          <a:effectRef idx="0">
+            <a:schemeClr val="accent1"/>
+          </a:effectRef>
+          <a:fontRef idx="minor">
+            <a:schemeClr val="lt1"/>
+          </a:fontRef>
+        </p:style>
+        <p:txBody>
+          <a:bodyPr rtlCol="0" anchor="ctr"/>
+          <a:lstStyle/>
+          <a:p>
+            <a:pPr algn="ctr">
+              <a:lnSpc>
+                <a:spcPts val="2000"/>
+              </a:lnSpc>
+            </a:pPr>
+            <a:r>
+              <a:rPr lang="en-US" sz="2000" dirty="0"/>
+              <a:t>Tidy designs</a:t>
+            </a:r>
+          </a:p>
+        </p:txBody>
+      </p:sp>
+      <p:sp>
+        <p:nvSpPr>
+          <p:cNvPr id="27" name="Rectangle 26">
+            <a:extLst>
+              <a:ext uri="{FF2B5EF4-FFF2-40B4-BE49-F238E27FC236}">
+                <a16:creationId xmlns:a16="http://schemas.microsoft.com/office/drawing/2014/main" id="{FA272F30-D96A-4F84-B043-CB9B599C3D01}"/>
+              </a:ext>
+            </a:extLst>
+          </p:cNvPr>
+          <p:cNvSpPr/>
+          <p:nvPr/>
+        </p:nvSpPr>
+        <p:spPr>
+          <a:xfrm>
+            <a:off x="2755465" y="6358525"/>
+            <a:ext cx="803413" cy="387628"/>
+          </a:xfrm>
+          <a:prstGeom prst="rect">
+            <a:avLst/>
+          </a:prstGeom>
+        </p:spPr>
+        <p:style>
+          <a:lnRef idx="2">
+            <a:schemeClr val="accent1">
+              <a:shade val="50000"/>
+            </a:schemeClr>
+          </a:lnRef>
+          <a:fillRef idx="1">
+            <a:schemeClr val="accent1"/>
+          </a:fillRef>
+          <a:effectRef idx="0">
+            <a:schemeClr val="accent1"/>
+          </a:effectRef>
+          <a:fontRef idx="minor">
+            <a:schemeClr val="lt1"/>
+          </a:fontRef>
+        </p:style>
+        <p:txBody>
+          <a:bodyPr rtlCol="0" anchor="ctr"/>
+          <a:lstStyle/>
+          <a:p>
+            <a:pPr algn="ctr">
+              <a:lnSpc>
+                <a:spcPts val="2000"/>
+              </a:lnSpc>
+            </a:pPr>
+            <a:r>
+              <a:rPr lang="en-US" sz="2000" dirty="0"/>
+              <a:t>File</a:t>
+            </a:r>
+          </a:p>
+        </p:txBody>
+      </p:sp>
+      <p:sp>
+        <p:nvSpPr>
+          <p:cNvPr id="28" name="Rectangle 27">
+            <a:extLst>
+              <a:ext uri="{FF2B5EF4-FFF2-40B4-BE49-F238E27FC236}">
+                <a16:creationId xmlns:a16="http://schemas.microsoft.com/office/drawing/2014/main" id="{1BF83425-B3B7-44F0-A7B4-F4CFE571EE89}"/>
+              </a:ext>
+            </a:extLst>
+          </p:cNvPr>
+          <p:cNvSpPr/>
+          <p:nvPr/>
+        </p:nvSpPr>
+        <p:spPr>
+          <a:xfrm>
+            <a:off x="8102058" y="6358525"/>
+            <a:ext cx="1868749" cy="658223"/>
+          </a:xfrm>
+          <a:prstGeom prst="rect">
+            <a:avLst/>
+          </a:prstGeom>
+        </p:spPr>
+        <p:style>
+          <a:lnRef idx="2">
+            <a:schemeClr val="accent1">
+              <a:shade val="50000"/>
+            </a:schemeClr>
+          </a:lnRef>
+          <a:fillRef idx="1">
+            <a:schemeClr val="accent1"/>
+          </a:fillRef>
+          <a:effectRef idx="0">
+            <a:schemeClr val="accent1"/>
+          </a:effectRef>
+          <a:fontRef idx="minor">
+            <a:schemeClr val="lt1"/>
+          </a:fontRef>
+        </p:style>
+        <p:txBody>
+          <a:bodyPr rtlCol="0" anchor="ctr"/>
+          <a:lstStyle/>
+          <a:p>
+            <a:pPr algn="ctr">
+              <a:lnSpc>
+                <a:spcPts val="2000"/>
+              </a:lnSpc>
+            </a:pPr>
+            <a:r>
+              <a:rPr lang="en-US" sz="2000" dirty="0"/>
+              <a:t>Design elements in R</a:t>
+            </a:r>
+          </a:p>
+        </p:txBody>
+      </p:sp>
+      <p:cxnSp>
+        <p:nvCxnSpPr>
+          <p:cNvPr id="29" name="Connector: Curved 28">
+            <a:extLst>
+              <a:ext uri="{FF2B5EF4-FFF2-40B4-BE49-F238E27FC236}">
+                <a16:creationId xmlns:a16="http://schemas.microsoft.com/office/drawing/2014/main" id="{9230B6A3-D86C-46E1-97EB-303DDBDA4914}"/>
+              </a:ext>
+            </a:extLst>
+          </p:cNvPr>
+          <p:cNvCxnSpPr>
+            <a:cxnSpLocks/>
+            <a:stCxn id="28" idx="0"/>
+            <a:endCxn id="26" idx="2"/>
+          </p:cNvCxnSpPr>
+          <p:nvPr/>
+        </p:nvCxnSpPr>
+        <p:spPr>
+          <a:xfrm rot="5400000" flipH="1" flipV="1">
+            <a:off x="8155825" y="5477917"/>
+            <a:ext cx="1761216" cy="12700"/>
+          </a:xfrm>
+          <a:prstGeom prst="curvedConnector3">
+            <a:avLst>
+              <a:gd name="adj1" fmla="val 50000"/>
+            </a:avLst>
+          </a:prstGeom>
+          <a:ln w="57150">
+            <a:solidFill>
+              <a:schemeClr val="tx1"/>
+            </a:solidFill>
+            <a:headEnd type="none" w="med" len="med"/>
+            <a:tailEnd type="triangle" w="med" len="med"/>
+          </a:ln>
+        </p:spPr>
+        <p:style>
+          <a:lnRef idx="1">
+            <a:schemeClr val="accent1"/>
+          </a:lnRef>
+          <a:fillRef idx="0">
+            <a:schemeClr val="accent1"/>
+          </a:fillRef>
+          <a:effectRef idx="0">
+            <a:schemeClr val="accent1"/>
+          </a:effectRef>
+          <a:fontRef idx="minor">
+            <a:schemeClr val="tx1"/>
+          </a:fontRef>
+        </p:style>
+      </p:cxnSp>
+      <p:sp>
+        <p:nvSpPr>
+          <p:cNvPr id="30" name="TextBox 29">
+            <a:extLst>
+              <a:ext uri="{FF2B5EF4-FFF2-40B4-BE49-F238E27FC236}">
+                <a16:creationId xmlns:a16="http://schemas.microsoft.com/office/drawing/2014/main" id="{8F32D207-A43A-479B-85BC-D93A3F8D949A}"/>
+              </a:ext>
+            </a:extLst>
+          </p:cNvPr>
+          <p:cNvSpPr txBox="1"/>
+          <p:nvPr/>
+        </p:nvSpPr>
+        <p:spPr>
+          <a:xfrm>
+            <a:off x="1828216" y="5291537"/>
+            <a:ext cx="1185133" cy="338554"/>
+          </a:xfrm>
+          <a:prstGeom prst="rect">
+            <a:avLst/>
+          </a:prstGeom>
+          <a:solidFill>
+            <a:schemeClr val="accent6">
+              <a:lumMod val="40000"/>
+              <a:lumOff val="60000"/>
+            </a:schemeClr>
+          </a:solidFill>
+        </p:spPr>
+        <p:txBody>
+          <a:bodyPr wrap="none" rtlCol="0">
+            <a:spAutoFit/>
+          </a:bodyPr>
+          <a:lstStyle/>
+          <a:p>
+            <a:r>
+              <a:rPr lang="en-US" sz="1600" dirty="0"/>
+              <a:t>read_blocks</a:t>
+            </a:r>
+          </a:p>
+        </p:txBody>
+      </p:sp>
+      <p:cxnSp>
+        <p:nvCxnSpPr>
+          <p:cNvPr id="31" name="Connector: Curved 30">
+            <a:extLst>
+              <a:ext uri="{FF2B5EF4-FFF2-40B4-BE49-F238E27FC236}">
+                <a16:creationId xmlns:a16="http://schemas.microsoft.com/office/drawing/2014/main" id="{0D49F6C3-30B6-41CD-8B36-D7463E0EFBBF}"/>
+              </a:ext>
+            </a:extLst>
+          </p:cNvPr>
+          <p:cNvCxnSpPr>
+            <a:cxnSpLocks/>
+            <a:stCxn id="27" idx="0"/>
+            <a:endCxn id="24" idx="2"/>
+          </p:cNvCxnSpPr>
+          <p:nvPr/>
+        </p:nvCxnSpPr>
+        <p:spPr>
+          <a:xfrm rot="5400000" flipH="1" flipV="1">
+            <a:off x="2276564" y="5477917"/>
+            <a:ext cx="1761216" cy="12700"/>
+          </a:xfrm>
+          <a:prstGeom prst="curvedConnector3">
+            <a:avLst>
+              <a:gd name="adj1" fmla="val 50000"/>
+            </a:avLst>
+          </a:prstGeom>
+          <a:ln w="57150">
+            <a:solidFill>
+              <a:schemeClr val="tx1"/>
+            </a:solidFill>
+            <a:headEnd type="none" w="med" len="med"/>
+            <a:tailEnd type="triangle" w="med" len="med"/>
+          </a:ln>
+        </p:spPr>
+        <p:style>
+          <a:lnRef idx="1">
+            <a:schemeClr val="accent1"/>
+          </a:lnRef>
+          <a:fillRef idx="0">
+            <a:schemeClr val="accent1"/>
+          </a:fillRef>
+          <a:effectRef idx="0">
+            <a:schemeClr val="accent1"/>
+          </a:effectRef>
+          <a:fontRef idx="minor">
+            <a:schemeClr val="tx1"/>
+          </a:fontRef>
+        </p:style>
+      </p:cxnSp>
+      <p:cxnSp>
+        <p:nvCxnSpPr>
+          <p:cNvPr id="32" name="Connector: Curved 31">
+            <a:extLst>
+              <a:ext uri="{FF2B5EF4-FFF2-40B4-BE49-F238E27FC236}">
+                <a16:creationId xmlns:a16="http://schemas.microsoft.com/office/drawing/2014/main" id="{86E3B302-FE32-44E1-8B1E-BDBB1A6EDBE1}"/>
+              </a:ext>
+            </a:extLst>
+          </p:cNvPr>
+          <p:cNvCxnSpPr>
+            <a:cxnSpLocks/>
+          </p:cNvCxnSpPr>
+          <p:nvPr/>
+        </p:nvCxnSpPr>
+        <p:spPr>
+          <a:xfrm rot="16200000" flipV="1">
+            <a:off x="4680088" y="2566611"/>
+            <a:ext cx="12700" cy="2915246"/>
+          </a:xfrm>
+          <a:prstGeom prst="curvedConnector3">
+            <a:avLst>
+              <a:gd name="adj1" fmla="val 1800000"/>
+            </a:avLst>
+          </a:prstGeom>
+          <a:ln w="57150">
+            <a:solidFill>
+              <a:schemeClr val="tx1"/>
+            </a:solidFill>
+            <a:headEnd type="triangle" w="med" len="med"/>
+            <a:tailEnd type="none" w="med" len="med"/>
+          </a:ln>
+        </p:spPr>
+        <p:style>
+          <a:lnRef idx="1">
+            <a:schemeClr val="accent1"/>
+          </a:lnRef>
+          <a:fillRef idx="0">
+            <a:schemeClr val="accent1"/>
+          </a:fillRef>
+          <a:effectRef idx="0">
+            <a:schemeClr val="accent1"/>
+          </a:effectRef>
+          <a:fontRef idx="minor">
+            <a:schemeClr val="tx1"/>
+          </a:fontRef>
+        </p:style>
+      </p:cxnSp>
+      <p:cxnSp>
+        <p:nvCxnSpPr>
+          <p:cNvPr id="33" name="Connector: Curved 32">
+            <a:extLst>
+              <a:ext uri="{FF2B5EF4-FFF2-40B4-BE49-F238E27FC236}">
+                <a16:creationId xmlns:a16="http://schemas.microsoft.com/office/drawing/2014/main" id="{7CDD59F3-AAD5-46E0-A5AE-1094F2811D95}"/>
+              </a:ext>
+            </a:extLst>
+          </p:cNvPr>
+          <p:cNvCxnSpPr>
+            <a:cxnSpLocks/>
+          </p:cNvCxnSpPr>
+          <p:nvPr/>
+        </p:nvCxnSpPr>
+        <p:spPr>
+          <a:xfrm rot="16200000" flipV="1">
+            <a:off x="7583897" y="2578048"/>
+            <a:ext cx="12700" cy="2892371"/>
+          </a:xfrm>
+          <a:prstGeom prst="curvedConnector3">
+            <a:avLst>
+              <a:gd name="adj1" fmla="val 1800000"/>
+            </a:avLst>
+          </a:prstGeom>
+          <a:ln w="57150">
+            <a:solidFill>
+              <a:schemeClr val="tx1"/>
+            </a:solidFill>
+            <a:headEnd type="triangle" w="med" len="med"/>
+            <a:tailEnd type="none" w="med" len="med"/>
+          </a:ln>
+        </p:spPr>
+        <p:style>
+          <a:lnRef idx="1">
+            <a:schemeClr val="accent1"/>
+          </a:lnRef>
+          <a:fillRef idx="0">
+            <a:schemeClr val="accent1"/>
+          </a:fillRef>
+          <a:effectRef idx="0">
+            <a:schemeClr val="accent1"/>
+          </a:effectRef>
+          <a:fontRef idx="minor">
+            <a:schemeClr val="tx1"/>
+          </a:fontRef>
+        </p:style>
+      </p:cxnSp>
+      <p:sp>
+        <p:nvSpPr>
+          <p:cNvPr id="34" name="Rectangle 33">
+            <a:extLst>
+              <a:ext uri="{FF2B5EF4-FFF2-40B4-BE49-F238E27FC236}">
+                <a16:creationId xmlns:a16="http://schemas.microsoft.com/office/drawing/2014/main" id="{973B81F8-9867-4286-A010-730BCBA34574}"/>
+              </a:ext>
+            </a:extLst>
+          </p:cNvPr>
+          <p:cNvSpPr/>
+          <p:nvPr/>
+        </p:nvSpPr>
+        <p:spPr>
+          <a:xfrm>
+            <a:off x="11406088" y="3032124"/>
+            <a:ext cx="1188721" cy="893901"/>
+          </a:xfrm>
+          <a:prstGeom prst="rect">
+            <a:avLst/>
+          </a:prstGeom>
+        </p:spPr>
+        <p:style>
+          <a:lnRef idx="2">
+            <a:schemeClr val="accent1">
+              <a:shade val="50000"/>
+            </a:schemeClr>
+          </a:lnRef>
+          <a:fillRef idx="1">
+            <a:schemeClr val="accent1"/>
+          </a:fillRef>
+          <a:effectRef idx="0">
+            <a:schemeClr val="accent1"/>
+          </a:effectRef>
+          <a:fontRef idx="minor">
+            <a:schemeClr val="lt1"/>
+          </a:fontRef>
+        </p:style>
+        <p:txBody>
+          <a:bodyPr rtlCol="0" anchor="ctr"/>
+          <a:lstStyle/>
+          <a:p>
+            <a:pPr algn="ctr">
+              <a:lnSpc>
+                <a:spcPts val="2000"/>
+              </a:lnSpc>
+            </a:pPr>
+            <a:r>
+              <a:rPr lang="en-US" sz="2000" dirty="0"/>
+              <a:t>Tidy measures- designs</a:t>
+            </a:r>
+          </a:p>
+        </p:txBody>
+      </p:sp>
+      <p:cxnSp>
+        <p:nvCxnSpPr>
+          <p:cNvPr id="35" name="Connector: Curved 34">
+            <a:extLst>
+              <a:ext uri="{FF2B5EF4-FFF2-40B4-BE49-F238E27FC236}">
+                <a16:creationId xmlns:a16="http://schemas.microsoft.com/office/drawing/2014/main" id="{BC6F5EF7-E40A-4B00-AC10-7312238E8DB5}"/>
+              </a:ext>
+            </a:extLst>
+          </p:cNvPr>
+          <p:cNvCxnSpPr>
+            <a:cxnSpLocks/>
+            <a:stCxn id="7" idx="3"/>
+            <a:endCxn id="34" idx="1"/>
+          </p:cNvCxnSpPr>
+          <p:nvPr/>
+        </p:nvCxnSpPr>
+        <p:spPr>
+          <a:xfrm>
+            <a:off x="9630793" y="2687501"/>
+            <a:ext cx="1775295" cy="791574"/>
+          </a:xfrm>
+          <a:prstGeom prst="curvedConnector3">
+            <a:avLst>
+              <a:gd name="adj1" fmla="val 33260"/>
+            </a:avLst>
+          </a:prstGeom>
+          <a:ln w="57150">
+            <a:solidFill>
+              <a:schemeClr val="tx1"/>
+            </a:solidFill>
+            <a:headEnd type="none" w="med" len="med"/>
+            <a:tailEnd type="triangle" w="med" len="med"/>
+          </a:ln>
+        </p:spPr>
+        <p:style>
+          <a:lnRef idx="1">
+            <a:schemeClr val="accent1"/>
+          </a:lnRef>
+          <a:fillRef idx="0">
+            <a:schemeClr val="accent1"/>
+          </a:fillRef>
+          <a:effectRef idx="0">
+            <a:schemeClr val="accent1"/>
+          </a:effectRef>
+          <a:fontRef idx="minor">
+            <a:schemeClr val="tx1"/>
+          </a:fontRef>
+        </p:style>
+      </p:cxnSp>
+      <p:cxnSp>
+        <p:nvCxnSpPr>
+          <p:cNvPr id="36" name="Connector: Curved 35">
+            <a:extLst>
+              <a:ext uri="{FF2B5EF4-FFF2-40B4-BE49-F238E27FC236}">
+                <a16:creationId xmlns:a16="http://schemas.microsoft.com/office/drawing/2014/main" id="{C13B6B00-55A3-4089-9EE7-0F69F64C1DCA}"/>
+              </a:ext>
+            </a:extLst>
+          </p:cNvPr>
+          <p:cNvCxnSpPr>
+            <a:cxnSpLocks/>
+            <a:stCxn id="26" idx="3"/>
+            <a:endCxn id="34" idx="1"/>
+          </p:cNvCxnSpPr>
+          <p:nvPr/>
+        </p:nvCxnSpPr>
+        <p:spPr>
+          <a:xfrm flipV="1">
+            <a:off x="9630793" y="3479075"/>
+            <a:ext cx="1775295" cy="834770"/>
+          </a:xfrm>
+          <a:prstGeom prst="curvedConnector3">
+            <a:avLst>
+              <a:gd name="adj1" fmla="val 29397"/>
+            </a:avLst>
+          </a:prstGeom>
+          <a:ln w="57150">
+            <a:solidFill>
+              <a:schemeClr val="tx1"/>
+            </a:solidFill>
+            <a:headEnd type="none" w="med" len="med"/>
+            <a:tailEnd type="triangle" w="med" len="med"/>
+          </a:ln>
+        </p:spPr>
+        <p:style>
+          <a:lnRef idx="1">
+            <a:schemeClr val="accent1"/>
+          </a:lnRef>
+          <a:fillRef idx="0">
+            <a:schemeClr val="accent1"/>
+          </a:fillRef>
+          <a:effectRef idx="0">
+            <a:schemeClr val="accent1"/>
+          </a:effectRef>
+          <a:fontRef idx="minor">
+            <a:schemeClr val="tx1"/>
+          </a:fontRef>
+        </p:style>
+      </p:cxnSp>
+      <p:sp>
+        <p:nvSpPr>
+          <p:cNvPr id="37" name="TextBox 36">
+            <a:extLst>
+              <a:ext uri="{FF2B5EF4-FFF2-40B4-BE49-F238E27FC236}">
+                <a16:creationId xmlns:a16="http://schemas.microsoft.com/office/drawing/2014/main" id="{4B132B66-0661-4143-B79F-B2AC7AC1524D}"/>
+              </a:ext>
+            </a:extLst>
+          </p:cNvPr>
+          <p:cNvSpPr txBox="1"/>
+          <p:nvPr/>
+        </p:nvSpPr>
+        <p:spPr>
+          <a:xfrm>
+            <a:off x="10026592" y="3309797"/>
+            <a:ext cx="1067087" cy="338554"/>
+          </a:xfrm>
+          <a:prstGeom prst="rect">
+            <a:avLst/>
+          </a:prstGeom>
+          <a:solidFill>
+            <a:schemeClr val="accent6">
+              <a:lumMod val="40000"/>
+              <a:lumOff val="60000"/>
+            </a:schemeClr>
+          </a:solidFill>
+        </p:spPr>
+        <p:txBody>
+          <a:bodyPr wrap="none" rtlCol="0">
+            <a:spAutoFit/>
+          </a:bodyPr>
+          <a:lstStyle/>
+          <a:p>
+            <a:r>
+              <a:rPr lang="en-US" sz="1600" dirty="0"/>
+              <a:t>merge_dfs</a:t>
+            </a:r>
+          </a:p>
+        </p:txBody>
+      </p:sp>
+      <p:sp>
+        <p:nvSpPr>
+          <p:cNvPr id="40" name="Rectangle 39">
+            <a:extLst>
+              <a:ext uri="{FF2B5EF4-FFF2-40B4-BE49-F238E27FC236}">
+                <a16:creationId xmlns:a16="http://schemas.microsoft.com/office/drawing/2014/main" id="{7A0EAABD-3528-455D-BAC7-066CD60EC2C5}"/>
+              </a:ext>
+            </a:extLst>
+          </p:cNvPr>
+          <p:cNvSpPr/>
+          <p:nvPr/>
+        </p:nvSpPr>
+        <p:spPr>
+          <a:xfrm>
+            <a:off x="15331573" y="3219733"/>
+            <a:ext cx="1292726" cy="518681"/>
+          </a:xfrm>
+          <a:prstGeom prst="rect">
+            <a:avLst/>
+          </a:prstGeom>
+        </p:spPr>
+        <p:style>
+          <a:lnRef idx="2">
+            <a:schemeClr val="accent1">
+              <a:shade val="50000"/>
+            </a:schemeClr>
+          </a:lnRef>
+          <a:fillRef idx="1">
+            <a:schemeClr val="accent1"/>
+          </a:fillRef>
+          <a:effectRef idx="0">
+            <a:schemeClr val="accent1"/>
+          </a:effectRef>
+          <a:fontRef idx="minor">
+            <a:schemeClr val="lt1"/>
+          </a:fontRef>
+        </p:style>
+        <p:txBody>
+          <a:bodyPr rtlCol="0" anchor="ctr"/>
+          <a:lstStyle/>
+          <a:p>
+            <a:pPr algn="ctr">
+              <a:lnSpc>
+                <a:spcPts val="2000"/>
+              </a:lnSpc>
+            </a:pPr>
+            <a:r>
+              <a:rPr lang="en-US" sz="2000" dirty="0"/>
+              <a:t>Pre-</a:t>
+            </a:r>
+            <a:r>
+              <a:rPr lang="en-US" sz="2000" dirty="0" err="1"/>
+              <a:t>proccesed</a:t>
+            </a:r>
+            <a:endParaRPr lang="en-US" sz="2000" dirty="0"/>
+          </a:p>
+        </p:txBody>
+      </p:sp>
+      <p:cxnSp>
+        <p:nvCxnSpPr>
+          <p:cNvPr id="42" name="Straight Arrow Connector 41">
+            <a:extLst>
+              <a:ext uri="{FF2B5EF4-FFF2-40B4-BE49-F238E27FC236}">
+                <a16:creationId xmlns:a16="http://schemas.microsoft.com/office/drawing/2014/main" id="{8D171A3B-832F-46FE-BCDD-D83D8EF5B688}"/>
+              </a:ext>
+            </a:extLst>
+          </p:cNvPr>
+          <p:cNvCxnSpPr>
+            <a:cxnSpLocks/>
+            <a:stCxn id="34" idx="3"/>
+            <a:endCxn id="40" idx="1"/>
+          </p:cNvCxnSpPr>
+          <p:nvPr/>
+        </p:nvCxnSpPr>
+        <p:spPr>
+          <a:xfrm flipV="1">
+            <a:off x="12594809" y="3479074"/>
+            <a:ext cx="2736764" cy="1"/>
+          </a:xfrm>
+          <a:prstGeom prst="straightConnector1">
+            <a:avLst/>
+          </a:prstGeom>
+          <a:ln w="57150">
+            <a:solidFill>
+              <a:schemeClr val="tx1"/>
+            </a:solidFill>
+            <a:tailEnd type="triangle"/>
+          </a:ln>
+        </p:spPr>
+        <p:style>
+          <a:lnRef idx="1">
+            <a:schemeClr val="accent1"/>
+          </a:lnRef>
+          <a:fillRef idx="0">
+            <a:schemeClr val="accent1"/>
+          </a:fillRef>
+          <a:effectRef idx="0">
+            <a:schemeClr val="accent1"/>
+          </a:effectRef>
+          <a:fontRef idx="minor">
+            <a:schemeClr val="tx1"/>
+          </a:fontRef>
+        </p:style>
+      </p:cxnSp>
+      <p:sp>
+        <p:nvSpPr>
+          <p:cNvPr id="38" name="TextBox 37">
+            <a:extLst>
+              <a:ext uri="{FF2B5EF4-FFF2-40B4-BE49-F238E27FC236}">
+                <a16:creationId xmlns:a16="http://schemas.microsoft.com/office/drawing/2014/main" id="{C02B8DEF-6545-4774-B540-181AC1FB7EAC}"/>
+              </a:ext>
+            </a:extLst>
+          </p:cNvPr>
+          <p:cNvSpPr txBox="1"/>
+          <p:nvPr/>
+        </p:nvSpPr>
+        <p:spPr>
+          <a:xfrm>
+            <a:off x="13316828" y="3309797"/>
+            <a:ext cx="1292726" cy="338554"/>
+          </a:xfrm>
+          <a:prstGeom prst="rect">
+            <a:avLst/>
+          </a:prstGeom>
+          <a:solidFill>
+            <a:schemeClr val="accent6">
+              <a:lumMod val="40000"/>
+              <a:lumOff val="60000"/>
+            </a:schemeClr>
+          </a:solidFill>
+        </p:spPr>
+        <p:txBody>
+          <a:bodyPr wrap="none" rtlCol="0">
+            <a:spAutoFit/>
+          </a:bodyPr>
+          <a:lstStyle/>
+          <a:p>
+            <a:r>
+              <a:rPr lang="en-US" sz="1600" dirty="0" err="1"/>
+              <a:t>smooth_data</a:t>
+            </a:r>
+            <a:endParaRPr lang="en-US" sz="1600" dirty="0"/>
+          </a:p>
+        </p:txBody>
+      </p:sp>
+      <p:sp>
+        <p:nvSpPr>
+          <p:cNvPr id="46" name="Rectangle 45">
+            <a:extLst>
+              <a:ext uri="{FF2B5EF4-FFF2-40B4-BE49-F238E27FC236}">
+                <a16:creationId xmlns:a16="http://schemas.microsoft.com/office/drawing/2014/main" id="{A5B799DA-AA73-4C2D-980C-F8FFACA77E16}"/>
+              </a:ext>
+            </a:extLst>
+          </p:cNvPr>
+          <p:cNvSpPr/>
+          <p:nvPr/>
+        </p:nvSpPr>
+        <p:spPr>
+          <a:xfrm>
+            <a:off x="19092848" y="3213167"/>
+            <a:ext cx="1381623" cy="518681"/>
+          </a:xfrm>
+          <a:prstGeom prst="rect">
+            <a:avLst/>
+          </a:prstGeom>
+        </p:spPr>
+        <p:style>
+          <a:lnRef idx="2">
+            <a:schemeClr val="accent1">
+              <a:shade val="50000"/>
+            </a:schemeClr>
+          </a:lnRef>
+          <a:fillRef idx="1">
+            <a:schemeClr val="accent1"/>
+          </a:fillRef>
+          <a:effectRef idx="0">
+            <a:schemeClr val="accent1"/>
+          </a:effectRef>
+          <a:fontRef idx="minor">
+            <a:schemeClr val="lt1"/>
+          </a:fontRef>
+        </p:style>
+        <p:txBody>
+          <a:bodyPr rtlCol="0" anchor="ctr"/>
+          <a:lstStyle/>
+          <a:p>
+            <a:pPr algn="ctr">
+              <a:lnSpc>
+                <a:spcPts val="2000"/>
+              </a:lnSpc>
+            </a:pPr>
+            <a:r>
+              <a:rPr lang="en-US" sz="2000" dirty="0"/>
+              <a:t>Growth derivatives</a:t>
+            </a:r>
+          </a:p>
+        </p:txBody>
+      </p:sp>
+      <p:sp>
+        <p:nvSpPr>
+          <p:cNvPr id="47" name="Rectangle 46">
+            <a:extLst>
+              <a:ext uri="{FF2B5EF4-FFF2-40B4-BE49-F238E27FC236}">
+                <a16:creationId xmlns:a16="http://schemas.microsoft.com/office/drawing/2014/main" id="{2CA21D37-627B-4AC8-8A24-C40C00EDB1B3}"/>
+              </a:ext>
+            </a:extLst>
+          </p:cNvPr>
+          <p:cNvSpPr/>
+          <p:nvPr/>
+        </p:nvSpPr>
+        <p:spPr>
+          <a:xfrm>
+            <a:off x="17167762" y="5355648"/>
+            <a:ext cx="1381622" cy="518681"/>
+          </a:xfrm>
+          <a:prstGeom prst="rect">
+            <a:avLst/>
+          </a:prstGeom>
+        </p:spPr>
+        <p:style>
+          <a:lnRef idx="2">
+            <a:schemeClr val="accent1">
+              <a:shade val="50000"/>
+            </a:schemeClr>
+          </a:lnRef>
+          <a:fillRef idx="1">
+            <a:schemeClr val="accent1"/>
+          </a:fillRef>
+          <a:effectRef idx="0">
+            <a:schemeClr val="accent1"/>
+          </a:effectRef>
+          <a:fontRef idx="minor">
+            <a:schemeClr val="lt1"/>
+          </a:fontRef>
+        </p:style>
+        <p:txBody>
+          <a:bodyPr rtlCol="0" anchor="ctr"/>
+          <a:lstStyle/>
+          <a:p>
+            <a:pPr algn="ctr">
+              <a:lnSpc>
+                <a:spcPts val="2000"/>
+              </a:lnSpc>
+            </a:pPr>
+            <a:r>
+              <a:rPr lang="en-US" sz="2000" dirty="0"/>
+              <a:t>Analyzed</a:t>
+            </a:r>
+          </a:p>
+        </p:txBody>
+      </p:sp>
+      <p:cxnSp>
+        <p:nvCxnSpPr>
+          <p:cNvPr id="49" name="Straight Arrow Connector 48">
+            <a:extLst>
+              <a:ext uri="{FF2B5EF4-FFF2-40B4-BE49-F238E27FC236}">
+                <a16:creationId xmlns:a16="http://schemas.microsoft.com/office/drawing/2014/main" id="{ADF50366-30D0-41B7-9D76-042C3CA5C6D6}"/>
+              </a:ext>
+            </a:extLst>
+          </p:cNvPr>
+          <p:cNvCxnSpPr>
+            <a:cxnSpLocks/>
+            <a:stCxn id="40" idx="2"/>
+            <a:endCxn id="47" idx="0"/>
+          </p:cNvCxnSpPr>
+          <p:nvPr/>
+        </p:nvCxnSpPr>
+        <p:spPr>
+          <a:xfrm>
+            <a:off x="15977936" y="3738414"/>
+            <a:ext cx="1880637" cy="1617234"/>
+          </a:xfrm>
+          <a:prstGeom prst="straightConnector1">
+            <a:avLst/>
+          </a:prstGeom>
+          <a:ln w="57150">
+            <a:solidFill>
+              <a:schemeClr val="tx1"/>
+            </a:solidFill>
+            <a:tailEnd type="triangle"/>
+          </a:ln>
+        </p:spPr>
+        <p:style>
+          <a:lnRef idx="1">
+            <a:schemeClr val="accent1"/>
+          </a:lnRef>
+          <a:fillRef idx="0">
+            <a:schemeClr val="accent1"/>
+          </a:fillRef>
+          <a:effectRef idx="0">
+            <a:schemeClr val="accent1"/>
+          </a:effectRef>
+          <a:fontRef idx="minor">
+            <a:schemeClr val="tx1"/>
+          </a:fontRef>
+        </p:style>
+      </p:cxnSp>
+      <p:cxnSp>
+        <p:nvCxnSpPr>
+          <p:cNvPr id="51" name="Straight Arrow Connector 50">
+            <a:extLst>
+              <a:ext uri="{FF2B5EF4-FFF2-40B4-BE49-F238E27FC236}">
+                <a16:creationId xmlns:a16="http://schemas.microsoft.com/office/drawing/2014/main" id="{10B1BAB7-0A5F-4587-A75B-F38C40CF633C}"/>
+              </a:ext>
+            </a:extLst>
+          </p:cNvPr>
+          <p:cNvCxnSpPr>
+            <a:cxnSpLocks/>
+            <a:stCxn id="40" idx="3"/>
+            <a:endCxn id="46" idx="1"/>
+          </p:cNvCxnSpPr>
+          <p:nvPr/>
+        </p:nvCxnSpPr>
+        <p:spPr>
+          <a:xfrm flipV="1">
+            <a:off x="16624299" y="3472508"/>
+            <a:ext cx="2468549" cy="6566"/>
+          </a:xfrm>
+          <a:prstGeom prst="straightConnector1">
+            <a:avLst/>
+          </a:prstGeom>
+          <a:ln w="57150">
+            <a:solidFill>
+              <a:schemeClr val="tx1"/>
+            </a:solidFill>
+            <a:tailEnd type="triangle"/>
+          </a:ln>
+        </p:spPr>
+        <p:style>
+          <a:lnRef idx="1">
+            <a:schemeClr val="accent1"/>
+          </a:lnRef>
+          <a:fillRef idx="0">
+            <a:schemeClr val="accent1"/>
+          </a:fillRef>
+          <a:effectRef idx="0">
+            <a:schemeClr val="accent1"/>
+          </a:effectRef>
+          <a:fontRef idx="minor">
+            <a:schemeClr val="tx1"/>
+          </a:fontRef>
+        </p:style>
+      </p:cxnSp>
+      <p:cxnSp>
+        <p:nvCxnSpPr>
+          <p:cNvPr id="53" name="Straight Arrow Connector 52">
+            <a:extLst>
+              <a:ext uri="{FF2B5EF4-FFF2-40B4-BE49-F238E27FC236}">
+                <a16:creationId xmlns:a16="http://schemas.microsoft.com/office/drawing/2014/main" id="{63C32B2A-0AED-40F9-BCAD-898507562086}"/>
+              </a:ext>
+            </a:extLst>
+          </p:cNvPr>
+          <p:cNvCxnSpPr>
+            <a:cxnSpLocks/>
+            <a:stCxn id="46" idx="2"/>
+            <a:endCxn id="47" idx="0"/>
+          </p:cNvCxnSpPr>
+          <p:nvPr/>
+        </p:nvCxnSpPr>
+        <p:spPr>
+          <a:xfrm flipH="1">
+            <a:off x="17858573" y="3731848"/>
+            <a:ext cx="1925087" cy="1623800"/>
+          </a:xfrm>
+          <a:prstGeom prst="straightConnector1">
+            <a:avLst/>
+          </a:prstGeom>
+          <a:ln w="57150">
+            <a:solidFill>
+              <a:schemeClr val="tx1"/>
+            </a:solidFill>
+            <a:tailEnd type="triangle"/>
+          </a:ln>
+        </p:spPr>
+        <p:style>
+          <a:lnRef idx="1">
+            <a:schemeClr val="accent1"/>
+          </a:lnRef>
+          <a:fillRef idx="0">
+            <a:schemeClr val="accent1"/>
+          </a:fillRef>
+          <a:effectRef idx="0">
+            <a:schemeClr val="accent1"/>
+          </a:effectRef>
+          <a:fontRef idx="minor">
+            <a:schemeClr val="tx1"/>
+          </a:fontRef>
+        </p:style>
+      </p:cxnSp>
+      <p:sp>
+        <p:nvSpPr>
+          <p:cNvPr id="59" name="TextBox 58">
+            <a:extLst>
+              <a:ext uri="{FF2B5EF4-FFF2-40B4-BE49-F238E27FC236}">
+                <a16:creationId xmlns:a16="http://schemas.microsoft.com/office/drawing/2014/main" id="{1C0832F9-5192-4383-9592-51A5DC328897}"/>
+              </a:ext>
+            </a:extLst>
+          </p:cNvPr>
+          <p:cNvSpPr txBox="1"/>
+          <p:nvPr/>
+        </p:nvSpPr>
+        <p:spPr>
+          <a:xfrm>
+            <a:off x="17346318" y="3309797"/>
+            <a:ext cx="1024511" cy="338554"/>
+          </a:xfrm>
+          <a:prstGeom prst="rect">
+            <a:avLst/>
+          </a:prstGeom>
+          <a:solidFill>
+            <a:schemeClr val="accent6">
+              <a:lumMod val="40000"/>
+              <a:lumOff val="60000"/>
+            </a:schemeClr>
+          </a:solidFill>
+        </p:spPr>
+        <p:txBody>
+          <a:bodyPr wrap="none" rtlCol="0">
+            <a:spAutoFit/>
+          </a:bodyPr>
+          <a:lstStyle/>
+          <a:p>
+            <a:r>
+              <a:rPr lang="en-US" sz="1600" dirty="0" err="1"/>
+              <a:t>calc_deriv</a:t>
+            </a:r>
+            <a:endParaRPr lang="en-US" sz="1600" dirty="0"/>
+          </a:p>
+        </p:txBody>
+      </p:sp>
+      <p:sp>
+        <p:nvSpPr>
+          <p:cNvPr id="60" name="TextBox 59">
+            <a:extLst>
+              <a:ext uri="{FF2B5EF4-FFF2-40B4-BE49-F238E27FC236}">
+                <a16:creationId xmlns:a16="http://schemas.microsoft.com/office/drawing/2014/main" id="{3739DCB1-2594-40A4-A5A7-0C449EF00440}"/>
+              </a:ext>
+            </a:extLst>
+          </p:cNvPr>
+          <p:cNvSpPr txBox="1"/>
+          <p:nvPr/>
+        </p:nvSpPr>
+        <p:spPr>
+          <a:xfrm>
+            <a:off x="16918254" y="4712325"/>
+            <a:ext cx="1788759" cy="338554"/>
+          </a:xfrm>
+          <a:prstGeom prst="rect">
+            <a:avLst/>
+          </a:prstGeom>
+          <a:solidFill>
+            <a:schemeClr val="accent6">
+              <a:lumMod val="40000"/>
+              <a:lumOff val="60000"/>
+            </a:schemeClr>
+          </a:solidFill>
+        </p:spPr>
+        <p:txBody>
+          <a:bodyPr wrap="none" rtlCol="0">
+            <a:spAutoFit/>
+          </a:bodyPr>
+          <a:lstStyle/>
+          <a:p>
+            <a:r>
+              <a:rPr lang="en-US" sz="1600" dirty="0" err="1"/>
+              <a:t>find_local_extrema</a:t>
+            </a:r>
+            <a:endParaRPr lang="en-US" sz="1600" dirty="0"/>
+          </a:p>
+        </p:txBody>
+      </p:sp>
+    </p:spTree>
+    <p:extLst>
+      <p:ext uri="{BB962C8B-B14F-4D97-AF65-F5344CB8AC3E}">
+        <p14:creationId xmlns:p14="http://schemas.microsoft.com/office/powerpoint/2010/main" val="374239461"/>
       </p:ext>
     </p:extLst>
   </p:cSld>
